--- a/Documents/Metis_Project3.pptx
+++ b/Documents/Metis_Project3.pptx
@@ -107,6 +107,11 @@
       </a:defRPr>
     </a:lvl9pPr>
   </p:defaultTextStyle>
+  <p:extLst>
+    <p:ext uri="{EFAFB233-063F-42B5-8137-9DF3F51BA10A}">
+      <p15:sldGuideLst xmlns:p15="http://schemas.microsoft.com/office/powerpoint/2012/main"/>
+    </p:ext>
+  </p:extLst>
 </p:presentation>
 </file>
 
@@ -257,7 +262,7 @@
           <a:p>
             <a:fld id="{43622750-2962-D449-B89A-D9515C725F02}" type="datetimeFigureOut">
               <a:rPr lang="en-US" smtClean="0"/>
-              <a:t>10/21/20</a:t>
+              <a:t>10/22/20</a:t>
             </a:fld>
             <a:endParaRPr lang="en-US"/>
           </a:p>
@@ -455,7 +460,7 @@
           <a:p>
             <a:fld id="{43622750-2962-D449-B89A-D9515C725F02}" type="datetimeFigureOut">
               <a:rPr lang="en-US" smtClean="0"/>
-              <a:t>10/21/20</a:t>
+              <a:t>10/22/20</a:t>
             </a:fld>
             <a:endParaRPr lang="en-US"/>
           </a:p>
@@ -663,7 +668,7 @@
           <a:p>
             <a:fld id="{43622750-2962-D449-B89A-D9515C725F02}" type="datetimeFigureOut">
               <a:rPr lang="en-US" smtClean="0"/>
-              <a:t>10/21/20</a:t>
+              <a:t>10/22/20</a:t>
             </a:fld>
             <a:endParaRPr lang="en-US"/>
           </a:p>
@@ -861,7 +866,7 @@
           <a:p>
             <a:fld id="{43622750-2962-D449-B89A-D9515C725F02}" type="datetimeFigureOut">
               <a:rPr lang="en-US" smtClean="0"/>
-              <a:t>10/21/20</a:t>
+              <a:t>10/22/20</a:t>
             </a:fld>
             <a:endParaRPr lang="en-US"/>
           </a:p>
@@ -1136,7 +1141,7 @@
           <a:p>
             <a:fld id="{43622750-2962-D449-B89A-D9515C725F02}" type="datetimeFigureOut">
               <a:rPr lang="en-US" smtClean="0"/>
-              <a:t>10/21/20</a:t>
+              <a:t>10/22/20</a:t>
             </a:fld>
             <a:endParaRPr lang="en-US"/>
           </a:p>
@@ -1401,7 +1406,7 @@
           <a:p>
             <a:fld id="{43622750-2962-D449-B89A-D9515C725F02}" type="datetimeFigureOut">
               <a:rPr lang="en-US" smtClean="0"/>
-              <a:t>10/21/20</a:t>
+              <a:t>10/22/20</a:t>
             </a:fld>
             <a:endParaRPr lang="en-US"/>
           </a:p>
@@ -1813,7 +1818,7 @@
           <a:p>
             <a:fld id="{43622750-2962-D449-B89A-D9515C725F02}" type="datetimeFigureOut">
               <a:rPr lang="en-US" smtClean="0"/>
-              <a:t>10/21/20</a:t>
+              <a:t>10/22/20</a:t>
             </a:fld>
             <a:endParaRPr lang="en-US"/>
           </a:p>
@@ -1954,7 +1959,7 @@
           <a:p>
             <a:fld id="{43622750-2962-D449-B89A-D9515C725F02}" type="datetimeFigureOut">
               <a:rPr lang="en-US" smtClean="0"/>
-              <a:t>10/21/20</a:t>
+              <a:t>10/22/20</a:t>
             </a:fld>
             <a:endParaRPr lang="en-US"/>
           </a:p>
@@ -2067,7 +2072,7 @@
           <a:p>
             <a:fld id="{43622750-2962-D449-B89A-D9515C725F02}" type="datetimeFigureOut">
               <a:rPr lang="en-US" smtClean="0"/>
-              <a:t>10/21/20</a:t>
+              <a:t>10/22/20</a:t>
             </a:fld>
             <a:endParaRPr lang="en-US"/>
           </a:p>
@@ -2378,7 +2383,7 @@
           <a:p>
             <a:fld id="{43622750-2962-D449-B89A-D9515C725F02}" type="datetimeFigureOut">
               <a:rPr lang="en-US" smtClean="0"/>
-              <a:t>10/21/20</a:t>
+              <a:t>10/22/20</a:t>
             </a:fld>
             <a:endParaRPr lang="en-US"/>
           </a:p>
@@ -2666,7 +2671,7 @@
           <a:p>
             <a:fld id="{43622750-2962-D449-B89A-D9515C725F02}" type="datetimeFigureOut">
               <a:rPr lang="en-US" smtClean="0"/>
-              <a:t>10/21/20</a:t>
+              <a:t>10/22/20</a:t>
             </a:fld>
             <a:endParaRPr lang="en-US"/>
           </a:p>
@@ -2907,7 +2912,7 @@
           <a:p>
             <a:fld id="{43622750-2962-D449-B89A-D9515C725F02}" type="datetimeFigureOut">
               <a:rPr lang="en-US" smtClean="0"/>
-              <a:t>10/21/20</a:t>
+              <a:t>10/22/20</a:t>
             </a:fld>
             <a:endParaRPr lang="en-US"/>
           </a:p>
@@ -3520,8 +3525,8 @@
         </p:nvSpPr>
         <p:spPr>
           <a:xfrm>
-            <a:off x="477981" y="1122363"/>
-            <a:ext cx="4023360" cy="3204134"/>
+            <a:off x="477980" y="1122363"/>
+            <a:ext cx="4651823" cy="3204134"/>
           </a:xfrm>
         </p:spPr>
         <p:txBody>
@@ -3532,7 +3537,7 @@
           <a:p>
             <a:r>
               <a:rPr lang="en-US" sz="4100" dirty="0"/>
-              <a:t>Automatically Detecting Financial Fraud In Mobile A Mobile Payment System</a:t>
+              <a:t>Automatically Detecting Financial Fraud In A Mobile Payment System</a:t>
             </a:r>
           </a:p>
         </p:txBody>

--- a/Documents/Metis_Project3.pptx
+++ b/Documents/Metis_Project3.pptx
@@ -4,11 +4,29 @@
   <p:sldMasterIdLst>
     <p:sldMasterId id="2147483648" r:id="rId1"/>
   </p:sldMasterIdLst>
+  <p:notesMasterIdLst>
+    <p:notesMasterId r:id="rId21"/>
+  </p:notesMasterIdLst>
   <p:sldIdLst>
     <p:sldId id="257" r:id="rId2"/>
-    <p:sldId id="259" r:id="rId3"/>
-    <p:sldId id="260" r:id="rId4"/>
-    <p:sldId id="261" r:id="rId5"/>
+    <p:sldId id="262" r:id="rId3"/>
+    <p:sldId id="263" r:id="rId4"/>
+    <p:sldId id="264" r:id="rId5"/>
+    <p:sldId id="265" r:id="rId6"/>
+    <p:sldId id="267" r:id="rId7"/>
+    <p:sldId id="275" r:id="rId8"/>
+    <p:sldId id="270" r:id="rId9"/>
+    <p:sldId id="271" r:id="rId10"/>
+    <p:sldId id="273" r:id="rId11"/>
+    <p:sldId id="272" r:id="rId12"/>
+    <p:sldId id="274" r:id="rId13"/>
+    <p:sldId id="269" r:id="rId14"/>
+    <p:sldId id="276" r:id="rId15"/>
+    <p:sldId id="268" r:id="rId16"/>
+    <p:sldId id="266" r:id="rId17"/>
+    <p:sldId id="259" r:id="rId18"/>
+    <p:sldId id="260" r:id="rId19"/>
+    <p:sldId id="261" r:id="rId20"/>
   </p:sldIdLst>
   <p:sldSz cx="12192000" cy="6858000"/>
   <p:notesSz cx="6858000" cy="9144000"/>
@@ -115,6 +133,3137 @@
 </p:presentation>
 </file>
 
+<file path=ppt/diagrams/colors1.xml><?xml version="1.0" encoding="utf-8"?>
+<dgm:colorsDef xmlns:dgm="http://schemas.openxmlformats.org/drawingml/2006/diagram" xmlns:a="http://schemas.openxmlformats.org/drawingml/2006/main" uniqueId="urn:microsoft.com/office/officeart/2005/8/colors/accent1_2">
+  <dgm:title val=""/>
+  <dgm:desc val=""/>
+  <dgm:catLst>
+    <dgm:cat type="accent1" pri="11200"/>
+  </dgm:catLst>
+  <dgm:styleLbl name="node0">
+    <dgm:fillClrLst meth="repeat">
+      <a:schemeClr val="accent1"/>
+    </dgm:fillClrLst>
+    <dgm:linClrLst meth="repeat">
+      <a:schemeClr val="lt1"/>
+    </dgm:linClrLst>
+    <dgm:effectClrLst/>
+    <dgm:txLinClrLst/>
+    <dgm:txFillClrLst/>
+    <dgm:txEffectClrLst/>
+  </dgm:styleLbl>
+  <dgm:styleLbl name="alignNode1">
+    <dgm:fillClrLst meth="repeat">
+      <a:schemeClr val="accent1"/>
+    </dgm:fillClrLst>
+    <dgm:linClrLst meth="repeat">
+      <a:schemeClr val="accent1"/>
+    </dgm:linClrLst>
+    <dgm:effectClrLst/>
+    <dgm:txLinClrLst/>
+    <dgm:txFillClrLst/>
+    <dgm:txEffectClrLst/>
+  </dgm:styleLbl>
+  <dgm:styleLbl name="node1">
+    <dgm:fillClrLst meth="repeat">
+      <a:schemeClr val="accent1"/>
+    </dgm:fillClrLst>
+    <dgm:linClrLst meth="repeat">
+      <a:schemeClr val="lt1"/>
+    </dgm:linClrLst>
+    <dgm:effectClrLst/>
+    <dgm:txLinClrLst/>
+    <dgm:txFillClrLst/>
+    <dgm:txEffectClrLst/>
+  </dgm:styleLbl>
+  <dgm:styleLbl name="lnNode1">
+    <dgm:fillClrLst meth="repeat">
+      <a:schemeClr val="accent1"/>
+    </dgm:fillClrLst>
+    <dgm:linClrLst meth="repeat">
+      <a:schemeClr val="lt1"/>
+    </dgm:linClrLst>
+    <dgm:effectClrLst/>
+    <dgm:txLinClrLst/>
+    <dgm:txFillClrLst/>
+    <dgm:txEffectClrLst/>
+  </dgm:styleLbl>
+  <dgm:styleLbl name="vennNode1">
+    <dgm:fillClrLst meth="repeat">
+      <a:schemeClr val="accent1">
+        <a:alpha val="50000"/>
+      </a:schemeClr>
+    </dgm:fillClrLst>
+    <dgm:linClrLst meth="repeat">
+      <a:schemeClr val="lt1"/>
+    </dgm:linClrLst>
+    <dgm:effectClrLst/>
+    <dgm:txLinClrLst/>
+    <dgm:txFillClrLst/>
+    <dgm:txEffectClrLst/>
+  </dgm:styleLbl>
+  <dgm:styleLbl name="node2">
+    <dgm:fillClrLst meth="repeat">
+      <a:schemeClr val="accent1"/>
+    </dgm:fillClrLst>
+    <dgm:linClrLst meth="repeat">
+      <a:schemeClr val="lt1"/>
+    </dgm:linClrLst>
+    <dgm:effectClrLst/>
+    <dgm:txLinClrLst/>
+    <dgm:txFillClrLst/>
+    <dgm:txEffectClrLst/>
+  </dgm:styleLbl>
+  <dgm:styleLbl name="node3">
+    <dgm:fillClrLst meth="repeat">
+      <a:schemeClr val="accent1"/>
+    </dgm:fillClrLst>
+    <dgm:linClrLst meth="repeat">
+      <a:schemeClr val="lt1"/>
+    </dgm:linClrLst>
+    <dgm:effectClrLst/>
+    <dgm:txLinClrLst/>
+    <dgm:txFillClrLst/>
+    <dgm:txEffectClrLst/>
+  </dgm:styleLbl>
+  <dgm:styleLbl name="node4">
+    <dgm:fillClrLst meth="repeat">
+      <a:schemeClr val="accent1"/>
+    </dgm:fillClrLst>
+    <dgm:linClrLst meth="repeat">
+      <a:schemeClr val="lt1"/>
+    </dgm:linClrLst>
+    <dgm:effectClrLst/>
+    <dgm:txLinClrLst/>
+    <dgm:txFillClrLst/>
+    <dgm:txEffectClrLst/>
+  </dgm:styleLbl>
+  <dgm:styleLbl name="fgImgPlace1">
+    <dgm:fillClrLst meth="repeat">
+      <a:schemeClr val="accent1">
+        <a:tint val="50000"/>
+      </a:schemeClr>
+    </dgm:fillClrLst>
+    <dgm:linClrLst meth="repeat">
+      <a:schemeClr val="lt1"/>
+    </dgm:linClrLst>
+    <dgm:effectClrLst/>
+    <dgm:txLinClrLst/>
+    <dgm:txFillClrLst meth="repeat">
+      <a:schemeClr val="lt1"/>
+    </dgm:txFillClrLst>
+    <dgm:txEffectClrLst/>
+  </dgm:styleLbl>
+  <dgm:styleLbl name="alignImgPlace1">
+    <dgm:fillClrLst meth="repeat">
+      <a:schemeClr val="accent1">
+        <a:tint val="50000"/>
+      </a:schemeClr>
+    </dgm:fillClrLst>
+    <dgm:linClrLst meth="repeat">
+      <a:schemeClr val="lt1"/>
+    </dgm:linClrLst>
+    <dgm:effectClrLst/>
+    <dgm:txLinClrLst/>
+    <dgm:txFillClrLst meth="repeat">
+      <a:schemeClr val="lt1"/>
+    </dgm:txFillClrLst>
+    <dgm:txEffectClrLst/>
+  </dgm:styleLbl>
+  <dgm:styleLbl name="bgImgPlace1">
+    <dgm:fillClrLst meth="repeat">
+      <a:schemeClr val="accent1">
+        <a:tint val="50000"/>
+      </a:schemeClr>
+    </dgm:fillClrLst>
+    <dgm:linClrLst meth="repeat">
+      <a:schemeClr val="lt1"/>
+    </dgm:linClrLst>
+    <dgm:effectClrLst/>
+    <dgm:txLinClrLst/>
+    <dgm:txFillClrLst meth="repeat">
+      <a:schemeClr val="lt1"/>
+    </dgm:txFillClrLst>
+    <dgm:txEffectClrLst/>
+  </dgm:styleLbl>
+  <dgm:styleLbl name="sibTrans2D1">
+    <dgm:fillClrLst meth="repeat">
+      <a:schemeClr val="accent1">
+        <a:tint val="60000"/>
+      </a:schemeClr>
+    </dgm:fillClrLst>
+    <dgm:linClrLst meth="repeat">
+      <a:schemeClr val="accent1">
+        <a:tint val="60000"/>
+      </a:schemeClr>
+    </dgm:linClrLst>
+    <dgm:effectClrLst/>
+    <dgm:txLinClrLst/>
+    <dgm:txFillClrLst/>
+    <dgm:txEffectClrLst/>
+  </dgm:styleLbl>
+  <dgm:styleLbl name="fgSibTrans2D1">
+    <dgm:fillClrLst meth="repeat">
+      <a:schemeClr val="accent1">
+        <a:tint val="60000"/>
+      </a:schemeClr>
+    </dgm:fillClrLst>
+    <dgm:linClrLst meth="repeat">
+      <a:schemeClr val="accent1">
+        <a:tint val="60000"/>
+      </a:schemeClr>
+    </dgm:linClrLst>
+    <dgm:effectClrLst/>
+    <dgm:txLinClrLst/>
+    <dgm:txFillClrLst/>
+    <dgm:txEffectClrLst/>
+  </dgm:styleLbl>
+  <dgm:styleLbl name="bgSibTrans2D1">
+    <dgm:fillClrLst meth="repeat">
+      <a:schemeClr val="accent1">
+        <a:tint val="60000"/>
+      </a:schemeClr>
+    </dgm:fillClrLst>
+    <dgm:linClrLst meth="repeat">
+      <a:schemeClr val="accent1">
+        <a:tint val="60000"/>
+      </a:schemeClr>
+    </dgm:linClrLst>
+    <dgm:effectClrLst/>
+    <dgm:txLinClrLst/>
+    <dgm:txFillClrLst/>
+    <dgm:txEffectClrLst/>
+  </dgm:styleLbl>
+  <dgm:styleLbl name="sibTrans1D1">
+    <dgm:fillClrLst meth="repeat">
+      <a:schemeClr val="accent1"/>
+    </dgm:fillClrLst>
+    <dgm:linClrLst meth="repeat">
+      <a:schemeClr val="accent1"/>
+    </dgm:linClrLst>
+    <dgm:effectClrLst/>
+    <dgm:txLinClrLst/>
+    <dgm:txFillClrLst meth="repeat">
+      <a:schemeClr val="tx1"/>
+    </dgm:txFillClrLst>
+    <dgm:txEffectClrLst/>
+  </dgm:styleLbl>
+  <dgm:styleLbl name="callout">
+    <dgm:fillClrLst meth="repeat">
+      <a:schemeClr val="accent1"/>
+    </dgm:fillClrLst>
+    <dgm:linClrLst meth="repeat">
+      <a:schemeClr val="accent1">
+        <a:tint val="50000"/>
+      </a:schemeClr>
+    </dgm:linClrLst>
+    <dgm:effectClrLst/>
+    <dgm:txLinClrLst/>
+    <dgm:txFillClrLst meth="repeat">
+      <a:schemeClr val="tx1"/>
+    </dgm:txFillClrLst>
+    <dgm:txEffectClrLst/>
+  </dgm:styleLbl>
+  <dgm:styleLbl name="asst0">
+    <dgm:fillClrLst meth="repeat">
+      <a:schemeClr val="accent1"/>
+    </dgm:fillClrLst>
+    <dgm:linClrLst meth="repeat">
+      <a:schemeClr val="lt1"/>
+    </dgm:linClrLst>
+    <dgm:effectClrLst/>
+    <dgm:txLinClrLst/>
+    <dgm:txFillClrLst/>
+    <dgm:txEffectClrLst/>
+  </dgm:styleLbl>
+  <dgm:styleLbl name="asst1">
+    <dgm:fillClrLst meth="repeat">
+      <a:schemeClr val="accent1"/>
+    </dgm:fillClrLst>
+    <dgm:linClrLst meth="repeat">
+      <a:schemeClr val="lt1"/>
+    </dgm:linClrLst>
+    <dgm:effectClrLst/>
+    <dgm:txLinClrLst/>
+    <dgm:txFillClrLst/>
+    <dgm:txEffectClrLst/>
+  </dgm:styleLbl>
+  <dgm:styleLbl name="asst2">
+    <dgm:fillClrLst meth="repeat">
+      <a:schemeClr val="accent1"/>
+    </dgm:fillClrLst>
+    <dgm:linClrLst meth="repeat">
+      <a:schemeClr val="lt1"/>
+    </dgm:linClrLst>
+    <dgm:effectClrLst/>
+    <dgm:txLinClrLst/>
+    <dgm:txFillClrLst/>
+    <dgm:txEffectClrLst/>
+  </dgm:styleLbl>
+  <dgm:styleLbl name="asst3">
+    <dgm:fillClrLst meth="repeat">
+      <a:schemeClr val="accent1"/>
+    </dgm:fillClrLst>
+    <dgm:linClrLst meth="repeat">
+      <a:schemeClr val="lt1"/>
+    </dgm:linClrLst>
+    <dgm:effectClrLst/>
+    <dgm:txLinClrLst/>
+    <dgm:txFillClrLst/>
+    <dgm:txEffectClrLst/>
+  </dgm:styleLbl>
+  <dgm:styleLbl name="asst4">
+    <dgm:fillClrLst meth="repeat">
+      <a:schemeClr val="accent1"/>
+    </dgm:fillClrLst>
+    <dgm:linClrLst meth="repeat">
+      <a:schemeClr val="lt1"/>
+    </dgm:linClrLst>
+    <dgm:effectClrLst/>
+    <dgm:txLinClrLst/>
+    <dgm:txFillClrLst/>
+    <dgm:txEffectClrLst/>
+  </dgm:styleLbl>
+  <dgm:styleLbl name="parChTrans2D1">
+    <dgm:fillClrLst meth="repeat">
+      <a:schemeClr val="accent1">
+        <a:tint val="60000"/>
+      </a:schemeClr>
+    </dgm:fillClrLst>
+    <dgm:linClrLst meth="repeat">
+      <a:schemeClr val="accent1">
+        <a:tint val="60000"/>
+      </a:schemeClr>
+    </dgm:linClrLst>
+    <dgm:effectClrLst/>
+    <dgm:txLinClrLst/>
+    <dgm:txFillClrLst meth="repeat">
+      <a:schemeClr val="lt1"/>
+    </dgm:txFillClrLst>
+    <dgm:txEffectClrLst/>
+  </dgm:styleLbl>
+  <dgm:styleLbl name="parChTrans2D2">
+    <dgm:fillClrLst meth="repeat">
+      <a:schemeClr val="accent1"/>
+    </dgm:fillClrLst>
+    <dgm:linClrLst meth="repeat">
+      <a:schemeClr val="accent1"/>
+    </dgm:linClrLst>
+    <dgm:effectClrLst/>
+    <dgm:txLinClrLst/>
+    <dgm:txFillClrLst meth="repeat">
+      <a:schemeClr val="lt1"/>
+    </dgm:txFillClrLst>
+    <dgm:txEffectClrLst/>
+  </dgm:styleLbl>
+  <dgm:styleLbl name="parChTrans2D3">
+    <dgm:fillClrLst meth="repeat">
+      <a:schemeClr val="accent1"/>
+    </dgm:fillClrLst>
+    <dgm:linClrLst meth="repeat">
+      <a:schemeClr val="accent1"/>
+    </dgm:linClrLst>
+    <dgm:effectClrLst/>
+    <dgm:txLinClrLst/>
+    <dgm:txFillClrLst meth="repeat">
+      <a:schemeClr val="lt1"/>
+    </dgm:txFillClrLst>
+    <dgm:txEffectClrLst/>
+  </dgm:styleLbl>
+  <dgm:styleLbl name="parChTrans2D4">
+    <dgm:fillClrLst meth="repeat">
+      <a:schemeClr val="accent1"/>
+    </dgm:fillClrLst>
+    <dgm:linClrLst meth="repeat">
+      <a:schemeClr val="accent1"/>
+    </dgm:linClrLst>
+    <dgm:effectClrLst/>
+    <dgm:txLinClrLst/>
+    <dgm:txFillClrLst meth="repeat">
+      <a:schemeClr val="lt1"/>
+    </dgm:txFillClrLst>
+    <dgm:txEffectClrLst/>
+  </dgm:styleLbl>
+  <dgm:styleLbl name="parChTrans1D1">
+    <dgm:fillClrLst meth="repeat">
+      <a:schemeClr val="accent1"/>
+    </dgm:fillClrLst>
+    <dgm:linClrLst meth="repeat">
+      <a:schemeClr val="accent1">
+        <a:shade val="60000"/>
+      </a:schemeClr>
+    </dgm:linClrLst>
+    <dgm:effectClrLst/>
+    <dgm:txLinClrLst/>
+    <dgm:txFillClrLst meth="repeat">
+      <a:schemeClr val="tx1"/>
+    </dgm:txFillClrLst>
+    <dgm:txEffectClrLst/>
+  </dgm:styleLbl>
+  <dgm:styleLbl name="parChTrans1D2">
+    <dgm:fillClrLst meth="repeat">
+      <a:schemeClr val="accent1"/>
+    </dgm:fillClrLst>
+    <dgm:linClrLst meth="repeat">
+      <a:schemeClr val="accent1">
+        <a:shade val="60000"/>
+      </a:schemeClr>
+    </dgm:linClrLst>
+    <dgm:effectClrLst/>
+    <dgm:txLinClrLst/>
+    <dgm:txFillClrLst meth="repeat">
+      <a:schemeClr val="tx1"/>
+    </dgm:txFillClrLst>
+    <dgm:txEffectClrLst/>
+  </dgm:styleLbl>
+  <dgm:styleLbl name="parChTrans1D3">
+    <dgm:fillClrLst meth="repeat">
+      <a:schemeClr val="accent1"/>
+    </dgm:fillClrLst>
+    <dgm:linClrLst meth="repeat">
+      <a:schemeClr val="accent1">
+        <a:shade val="80000"/>
+      </a:schemeClr>
+    </dgm:linClrLst>
+    <dgm:effectClrLst/>
+    <dgm:txLinClrLst/>
+    <dgm:txFillClrLst meth="repeat">
+      <a:schemeClr val="tx1"/>
+    </dgm:txFillClrLst>
+    <dgm:txEffectClrLst/>
+  </dgm:styleLbl>
+  <dgm:styleLbl name="parChTrans1D4">
+    <dgm:fillClrLst meth="repeat">
+      <a:schemeClr val="accent1"/>
+    </dgm:fillClrLst>
+    <dgm:linClrLst meth="repeat">
+      <a:schemeClr val="accent1">
+        <a:shade val="80000"/>
+      </a:schemeClr>
+    </dgm:linClrLst>
+    <dgm:effectClrLst/>
+    <dgm:txLinClrLst/>
+    <dgm:txFillClrLst meth="repeat">
+      <a:schemeClr val="tx1"/>
+    </dgm:txFillClrLst>
+    <dgm:txEffectClrLst/>
+  </dgm:styleLbl>
+  <dgm:styleLbl name="fgAcc1">
+    <dgm:fillClrLst meth="repeat">
+      <a:schemeClr val="lt1">
+        <a:alpha val="90000"/>
+      </a:schemeClr>
+    </dgm:fillClrLst>
+    <dgm:linClrLst meth="repeat">
+      <a:schemeClr val="accent1"/>
+    </dgm:linClrLst>
+    <dgm:effectClrLst/>
+    <dgm:txLinClrLst/>
+    <dgm:txFillClrLst meth="repeat">
+      <a:schemeClr val="dk1"/>
+    </dgm:txFillClrLst>
+    <dgm:txEffectClrLst/>
+  </dgm:styleLbl>
+  <dgm:styleLbl name="conFgAcc1">
+    <dgm:fillClrLst meth="repeat">
+      <a:schemeClr val="lt1">
+        <a:alpha val="90000"/>
+      </a:schemeClr>
+    </dgm:fillClrLst>
+    <dgm:linClrLst meth="repeat">
+      <a:schemeClr val="accent1"/>
+    </dgm:linClrLst>
+    <dgm:effectClrLst/>
+    <dgm:txLinClrLst/>
+    <dgm:txFillClrLst meth="repeat">
+      <a:schemeClr val="dk1"/>
+    </dgm:txFillClrLst>
+    <dgm:txEffectClrLst/>
+  </dgm:styleLbl>
+  <dgm:styleLbl name="alignAcc1">
+    <dgm:fillClrLst meth="repeat">
+      <a:schemeClr val="lt1">
+        <a:alpha val="90000"/>
+      </a:schemeClr>
+    </dgm:fillClrLst>
+    <dgm:linClrLst meth="repeat">
+      <a:schemeClr val="accent1"/>
+    </dgm:linClrLst>
+    <dgm:effectClrLst/>
+    <dgm:txLinClrLst/>
+    <dgm:txFillClrLst meth="repeat">
+      <a:schemeClr val="dk1"/>
+    </dgm:txFillClrLst>
+    <dgm:txEffectClrLst/>
+  </dgm:styleLbl>
+  <dgm:styleLbl name="trAlignAcc1">
+    <dgm:fillClrLst meth="repeat">
+      <a:schemeClr val="lt1">
+        <a:alpha val="40000"/>
+      </a:schemeClr>
+    </dgm:fillClrLst>
+    <dgm:linClrLst meth="repeat">
+      <a:schemeClr val="accent1"/>
+    </dgm:linClrLst>
+    <dgm:effectClrLst/>
+    <dgm:txLinClrLst/>
+    <dgm:txFillClrLst meth="repeat">
+      <a:schemeClr val="dk1"/>
+    </dgm:txFillClrLst>
+    <dgm:txEffectClrLst/>
+  </dgm:styleLbl>
+  <dgm:styleLbl name="bgAcc1">
+    <dgm:fillClrLst meth="repeat">
+      <a:schemeClr val="lt1">
+        <a:alpha val="90000"/>
+      </a:schemeClr>
+    </dgm:fillClrLst>
+    <dgm:linClrLst meth="repeat">
+      <a:schemeClr val="accent1"/>
+    </dgm:linClrLst>
+    <dgm:effectClrLst/>
+    <dgm:txLinClrLst/>
+    <dgm:txFillClrLst meth="repeat">
+      <a:schemeClr val="dk1"/>
+    </dgm:txFillClrLst>
+    <dgm:txEffectClrLst/>
+  </dgm:styleLbl>
+  <dgm:styleLbl name="solidFgAcc1">
+    <dgm:fillClrLst meth="repeat">
+      <a:schemeClr val="lt1"/>
+    </dgm:fillClrLst>
+    <dgm:linClrLst meth="repeat">
+      <a:schemeClr val="accent1"/>
+    </dgm:linClrLst>
+    <dgm:effectClrLst/>
+    <dgm:txLinClrLst/>
+    <dgm:txFillClrLst meth="repeat">
+      <a:schemeClr val="dk1"/>
+    </dgm:txFillClrLst>
+    <dgm:txEffectClrLst/>
+  </dgm:styleLbl>
+  <dgm:styleLbl name="solidAlignAcc1">
+    <dgm:fillClrLst meth="repeat">
+      <a:schemeClr val="lt1"/>
+    </dgm:fillClrLst>
+    <dgm:linClrLst meth="repeat">
+      <a:schemeClr val="accent1"/>
+    </dgm:linClrLst>
+    <dgm:effectClrLst/>
+    <dgm:txLinClrLst/>
+    <dgm:txFillClrLst meth="repeat">
+      <a:schemeClr val="dk1"/>
+    </dgm:txFillClrLst>
+    <dgm:txEffectClrLst/>
+  </dgm:styleLbl>
+  <dgm:styleLbl name="solidBgAcc1">
+    <dgm:fillClrLst meth="repeat">
+      <a:schemeClr val="lt1"/>
+    </dgm:fillClrLst>
+    <dgm:linClrLst meth="repeat">
+      <a:schemeClr val="accent1"/>
+    </dgm:linClrLst>
+    <dgm:effectClrLst/>
+    <dgm:txLinClrLst/>
+    <dgm:txFillClrLst meth="repeat">
+      <a:schemeClr val="dk1"/>
+    </dgm:txFillClrLst>
+    <dgm:txEffectClrLst/>
+  </dgm:styleLbl>
+  <dgm:styleLbl name="fgAccFollowNode1">
+    <dgm:fillClrLst meth="repeat">
+      <a:schemeClr val="accent1">
+        <a:alpha val="90000"/>
+        <a:tint val="40000"/>
+      </a:schemeClr>
+    </dgm:fillClrLst>
+    <dgm:linClrLst meth="repeat">
+      <a:schemeClr val="accent1">
+        <a:alpha val="90000"/>
+        <a:tint val="40000"/>
+      </a:schemeClr>
+    </dgm:linClrLst>
+    <dgm:effectClrLst/>
+    <dgm:txLinClrLst/>
+    <dgm:txFillClrLst meth="repeat">
+      <a:schemeClr val="dk1"/>
+    </dgm:txFillClrLst>
+    <dgm:txEffectClrLst/>
+  </dgm:styleLbl>
+  <dgm:styleLbl name="alignAccFollowNode1">
+    <dgm:fillClrLst meth="repeat">
+      <a:schemeClr val="accent1">
+        <a:alpha val="90000"/>
+        <a:tint val="40000"/>
+      </a:schemeClr>
+    </dgm:fillClrLst>
+    <dgm:linClrLst meth="repeat">
+      <a:schemeClr val="accent1">
+        <a:alpha val="90000"/>
+        <a:tint val="40000"/>
+      </a:schemeClr>
+    </dgm:linClrLst>
+    <dgm:effectClrLst/>
+    <dgm:txLinClrLst/>
+    <dgm:txFillClrLst meth="repeat">
+      <a:schemeClr val="dk1"/>
+    </dgm:txFillClrLst>
+    <dgm:txEffectClrLst/>
+  </dgm:styleLbl>
+  <dgm:styleLbl name="bgAccFollowNode1">
+    <dgm:fillClrLst meth="repeat">
+      <a:schemeClr val="accent1">
+        <a:alpha val="90000"/>
+        <a:tint val="40000"/>
+      </a:schemeClr>
+    </dgm:fillClrLst>
+    <dgm:linClrLst meth="repeat">
+      <a:schemeClr val="accent1">
+        <a:alpha val="90000"/>
+        <a:tint val="40000"/>
+      </a:schemeClr>
+    </dgm:linClrLst>
+    <dgm:effectClrLst/>
+    <dgm:txLinClrLst/>
+    <dgm:txFillClrLst meth="repeat">
+      <a:schemeClr val="dk1"/>
+    </dgm:txFillClrLst>
+    <dgm:txEffectClrLst/>
+  </dgm:styleLbl>
+  <dgm:styleLbl name="fgAcc0">
+    <dgm:fillClrLst meth="repeat">
+      <a:schemeClr val="lt1">
+        <a:alpha val="90000"/>
+      </a:schemeClr>
+    </dgm:fillClrLst>
+    <dgm:linClrLst meth="repeat">
+      <a:schemeClr val="accent1"/>
+    </dgm:linClrLst>
+    <dgm:effectClrLst/>
+    <dgm:txLinClrLst/>
+    <dgm:txFillClrLst meth="repeat">
+      <a:schemeClr val="dk1"/>
+    </dgm:txFillClrLst>
+    <dgm:txEffectClrLst/>
+  </dgm:styleLbl>
+  <dgm:styleLbl name="fgAcc2">
+    <dgm:fillClrLst meth="repeat">
+      <a:schemeClr val="lt1">
+        <a:alpha val="90000"/>
+      </a:schemeClr>
+    </dgm:fillClrLst>
+    <dgm:linClrLst meth="repeat">
+      <a:schemeClr val="accent1"/>
+    </dgm:linClrLst>
+    <dgm:effectClrLst/>
+    <dgm:txLinClrLst/>
+    <dgm:txFillClrLst meth="repeat">
+      <a:schemeClr val="dk1"/>
+    </dgm:txFillClrLst>
+    <dgm:txEffectClrLst/>
+  </dgm:styleLbl>
+  <dgm:styleLbl name="fgAcc3">
+    <dgm:fillClrLst meth="repeat">
+      <a:schemeClr val="lt1">
+        <a:alpha val="90000"/>
+      </a:schemeClr>
+    </dgm:fillClrLst>
+    <dgm:linClrLst meth="repeat">
+      <a:schemeClr val="accent1"/>
+    </dgm:linClrLst>
+    <dgm:effectClrLst/>
+    <dgm:txLinClrLst/>
+    <dgm:txFillClrLst meth="repeat">
+      <a:schemeClr val="dk1"/>
+    </dgm:txFillClrLst>
+    <dgm:txEffectClrLst/>
+  </dgm:styleLbl>
+  <dgm:styleLbl name="fgAcc4">
+    <dgm:fillClrLst meth="repeat">
+      <a:schemeClr val="lt1">
+        <a:alpha val="90000"/>
+      </a:schemeClr>
+    </dgm:fillClrLst>
+    <dgm:linClrLst meth="repeat">
+      <a:schemeClr val="accent1"/>
+    </dgm:linClrLst>
+    <dgm:effectClrLst/>
+    <dgm:txLinClrLst/>
+    <dgm:txFillClrLst meth="repeat">
+      <a:schemeClr val="dk1"/>
+    </dgm:txFillClrLst>
+    <dgm:txEffectClrLst/>
+  </dgm:styleLbl>
+  <dgm:styleLbl name="bgShp">
+    <dgm:fillClrLst meth="repeat">
+      <a:schemeClr val="accent1">
+        <a:tint val="40000"/>
+      </a:schemeClr>
+    </dgm:fillClrLst>
+    <dgm:linClrLst meth="repeat">
+      <a:schemeClr val="accent1"/>
+    </dgm:linClrLst>
+    <dgm:effectClrLst/>
+    <dgm:txLinClrLst/>
+    <dgm:txFillClrLst meth="repeat">
+      <a:schemeClr val="dk1"/>
+    </dgm:txFillClrLst>
+    <dgm:txEffectClrLst/>
+  </dgm:styleLbl>
+  <dgm:styleLbl name="dkBgShp">
+    <dgm:fillClrLst meth="repeat">
+      <a:schemeClr val="accent1">
+        <a:shade val="80000"/>
+      </a:schemeClr>
+    </dgm:fillClrLst>
+    <dgm:linClrLst meth="repeat">
+      <a:schemeClr val="accent1"/>
+    </dgm:linClrLst>
+    <dgm:effectClrLst/>
+    <dgm:txLinClrLst/>
+    <dgm:txFillClrLst meth="repeat">
+      <a:schemeClr val="lt1"/>
+    </dgm:txFillClrLst>
+    <dgm:txEffectClrLst/>
+  </dgm:styleLbl>
+  <dgm:styleLbl name="trBgShp">
+    <dgm:fillClrLst meth="repeat">
+      <a:schemeClr val="accent1">
+        <a:tint val="50000"/>
+        <a:alpha val="40000"/>
+      </a:schemeClr>
+    </dgm:fillClrLst>
+    <dgm:linClrLst meth="repeat">
+      <a:schemeClr val="accent1"/>
+    </dgm:linClrLst>
+    <dgm:effectClrLst/>
+    <dgm:txLinClrLst/>
+    <dgm:txFillClrLst meth="repeat">
+      <a:schemeClr val="lt1"/>
+    </dgm:txFillClrLst>
+    <dgm:txEffectClrLst/>
+  </dgm:styleLbl>
+  <dgm:styleLbl name="fgShp">
+    <dgm:fillClrLst meth="repeat">
+      <a:schemeClr val="accent1">
+        <a:tint val="60000"/>
+      </a:schemeClr>
+    </dgm:fillClrLst>
+    <dgm:linClrLst meth="repeat">
+      <a:schemeClr val="lt1"/>
+    </dgm:linClrLst>
+    <dgm:effectClrLst/>
+    <dgm:txLinClrLst/>
+    <dgm:txFillClrLst meth="repeat">
+      <a:schemeClr val="dk1"/>
+    </dgm:txFillClrLst>
+    <dgm:txEffectClrLst/>
+  </dgm:styleLbl>
+  <dgm:styleLbl name="revTx">
+    <dgm:fillClrLst meth="repeat">
+      <a:schemeClr val="lt1">
+        <a:alpha val="0"/>
+      </a:schemeClr>
+    </dgm:fillClrLst>
+    <dgm:linClrLst meth="repeat">
+      <a:schemeClr val="dk1">
+        <a:alpha val="0"/>
+      </a:schemeClr>
+    </dgm:linClrLst>
+    <dgm:effectClrLst/>
+    <dgm:txLinClrLst/>
+    <dgm:txFillClrLst meth="repeat">
+      <a:schemeClr val="tx1"/>
+    </dgm:txFillClrLst>
+    <dgm:txEffectClrLst/>
+  </dgm:styleLbl>
+</dgm:colorsDef>
+</file>
+
+<file path=ppt/diagrams/data1.xml><?xml version="1.0" encoding="utf-8"?>
+<dgm:dataModel xmlns:dgm="http://schemas.openxmlformats.org/drawingml/2006/diagram" xmlns:a="http://schemas.openxmlformats.org/drawingml/2006/main">
+  <dgm:ptLst>
+    <dgm:pt modelId="{3736D1B3-4AD0-2F44-92FD-9DD2E338710E}" type="doc">
+      <dgm:prSet loTypeId="urn:microsoft.com/office/officeart/2005/8/layout/chevron1" loCatId="" qsTypeId="urn:microsoft.com/office/officeart/2005/8/quickstyle/simple1" qsCatId="simple" csTypeId="urn:microsoft.com/office/officeart/2005/8/colors/accent1_2" csCatId="accent1" phldr="1"/>
+      <dgm:spPr/>
+    </dgm:pt>
+    <dgm:pt modelId="{F25623F5-6326-9341-AFCF-00D72DA0F687}">
+      <dgm:prSet phldrT="[Text]"/>
+      <dgm:spPr/>
+      <dgm:t>
+        <a:bodyPr/>
+        <a:lstStyle/>
+        <a:p>
+          <a:r>
+            <a:rPr lang="en-US" dirty="0"/>
+            <a:t>Data Clean</a:t>
+          </a:r>
+        </a:p>
+      </dgm:t>
+    </dgm:pt>
+    <dgm:pt modelId="{E16B0F93-6B2D-3142-BFA4-6B15D038CB6F}" type="parTrans" cxnId="{583D1017-2161-DB49-A2FE-B15FB412A014}">
+      <dgm:prSet/>
+      <dgm:spPr/>
+      <dgm:t>
+        <a:bodyPr/>
+        <a:lstStyle/>
+        <a:p>
+          <a:endParaRPr lang="en-US"/>
+        </a:p>
+      </dgm:t>
+    </dgm:pt>
+    <dgm:pt modelId="{458252C0-769D-EC4E-9297-7FB360A9989D}" type="sibTrans" cxnId="{583D1017-2161-DB49-A2FE-B15FB412A014}">
+      <dgm:prSet/>
+      <dgm:spPr/>
+      <dgm:t>
+        <a:bodyPr/>
+        <a:lstStyle/>
+        <a:p>
+          <a:endParaRPr lang="en-US"/>
+        </a:p>
+      </dgm:t>
+    </dgm:pt>
+    <dgm:pt modelId="{AC7C2107-6205-394D-8F35-0F29A8B93442}">
+      <dgm:prSet phldrT="[Text]"/>
+      <dgm:spPr/>
+      <dgm:t>
+        <a:bodyPr/>
+        <a:lstStyle/>
+        <a:p>
+          <a:r>
+            <a:rPr lang="en-US" dirty="0"/>
+            <a:t>EDA</a:t>
+          </a:r>
+        </a:p>
+      </dgm:t>
+    </dgm:pt>
+    <dgm:pt modelId="{FDC2F6DA-51BA-E64F-AD8C-B01C25645A65}" type="parTrans" cxnId="{9897E0DE-1B03-464C-8CA6-8DC24A28A4EB}">
+      <dgm:prSet/>
+      <dgm:spPr/>
+      <dgm:t>
+        <a:bodyPr/>
+        <a:lstStyle/>
+        <a:p>
+          <a:endParaRPr lang="en-US"/>
+        </a:p>
+      </dgm:t>
+    </dgm:pt>
+    <dgm:pt modelId="{75CC816F-CB63-9847-8602-252091C0D866}" type="sibTrans" cxnId="{9897E0DE-1B03-464C-8CA6-8DC24A28A4EB}">
+      <dgm:prSet/>
+      <dgm:spPr/>
+      <dgm:t>
+        <a:bodyPr/>
+        <a:lstStyle/>
+        <a:p>
+          <a:endParaRPr lang="en-US"/>
+        </a:p>
+      </dgm:t>
+    </dgm:pt>
+    <dgm:pt modelId="{91E2E8BD-030F-6947-9D61-34D56A7D744B}">
+      <dgm:prSet phldrT="[Text]"/>
+      <dgm:spPr/>
+      <dgm:t>
+        <a:bodyPr/>
+        <a:lstStyle/>
+        <a:p>
+          <a:r>
+            <a:rPr lang="en-US" dirty="0"/>
+            <a:t>Model Selection</a:t>
+          </a:r>
+        </a:p>
+      </dgm:t>
+    </dgm:pt>
+    <dgm:pt modelId="{DD801C3C-E3DA-B843-B370-A10677750CE0}" type="parTrans" cxnId="{40B80672-9AE0-0240-8291-F943F49170DD}">
+      <dgm:prSet/>
+      <dgm:spPr/>
+      <dgm:t>
+        <a:bodyPr/>
+        <a:lstStyle/>
+        <a:p>
+          <a:endParaRPr lang="en-US"/>
+        </a:p>
+      </dgm:t>
+    </dgm:pt>
+    <dgm:pt modelId="{3FB9995A-BDBE-9645-AB08-438BA22C8D2E}" type="sibTrans" cxnId="{40B80672-9AE0-0240-8291-F943F49170DD}">
+      <dgm:prSet/>
+      <dgm:spPr/>
+      <dgm:t>
+        <a:bodyPr/>
+        <a:lstStyle/>
+        <a:p>
+          <a:endParaRPr lang="en-US"/>
+        </a:p>
+      </dgm:t>
+    </dgm:pt>
+    <dgm:pt modelId="{EF4D73A8-B872-9044-9E86-8030B26A887A}">
+      <dgm:prSet phldrT="[Text]"/>
+      <dgm:spPr/>
+      <dgm:t>
+        <a:bodyPr/>
+        <a:lstStyle/>
+        <a:p>
+          <a:r>
+            <a:rPr lang="en-US" dirty="0"/>
+            <a:t>Final Model </a:t>
+          </a:r>
+          <a:r>
+            <a:rPr lang="en-US" dirty="0" err="1"/>
+            <a:t>Evaulation</a:t>
+          </a:r>
+          <a:endParaRPr lang="en-US" dirty="0"/>
+        </a:p>
+      </dgm:t>
+    </dgm:pt>
+    <dgm:pt modelId="{1E123688-B232-E343-A495-2BA4E266A0C5}" type="parTrans" cxnId="{CA79E00D-F215-1B4B-90BE-615D310EFF62}">
+      <dgm:prSet/>
+      <dgm:spPr/>
+      <dgm:t>
+        <a:bodyPr/>
+        <a:lstStyle/>
+        <a:p>
+          <a:endParaRPr lang="en-US"/>
+        </a:p>
+      </dgm:t>
+    </dgm:pt>
+    <dgm:pt modelId="{E55E4FC2-5C82-CF4E-9824-8F45A3ADE208}" type="sibTrans" cxnId="{CA79E00D-F215-1B4B-90BE-615D310EFF62}">
+      <dgm:prSet/>
+      <dgm:spPr/>
+      <dgm:t>
+        <a:bodyPr/>
+        <a:lstStyle/>
+        <a:p>
+          <a:endParaRPr lang="en-US"/>
+        </a:p>
+      </dgm:t>
+    </dgm:pt>
+    <dgm:pt modelId="{B0B22FB0-2119-8D4C-AF35-09F6CF3F9F6F}">
+      <dgm:prSet phldrT="[Text]"/>
+      <dgm:spPr/>
+      <dgm:t>
+        <a:bodyPr/>
+        <a:lstStyle/>
+        <a:p>
+          <a:r>
+            <a:rPr lang="en-US" dirty="0"/>
+            <a:t>Fraud Detection Web </a:t>
+          </a:r>
+          <a:r>
+            <a:rPr lang="en-US" dirty="0" err="1"/>
+            <a:t>Appliction</a:t>
+          </a:r>
+          <a:endParaRPr lang="en-US" dirty="0"/>
+        </a:p>
+      </dgm:t>
+    </dgm:pt>
+    <dgm:pt modelId="{A20065BB-E568-284E-A4B3-AAD38A9F15D6}" type="parTrans" cxnId="{C423115C-3C1D-7848-BCB6-5F198111ACAC}">
+      <dgm:prSet/>
+      <dgm:spPr/>
+      <dgm:t>
+        <a:bodyPr/>
+        <a:lstStyle/>
+        <a:p>
+          <a:endParaRPr lang="en-US"/>
+        </a:p>
+      </dgm:t>
+    </dgm:pt>
+    <dgm:pt modelId="{E4E2F36D-7291-8E42-805D-ECD1139584EC}" type="sibTrans" cxnId="{C423115C-3C1D-7848-BCB6-5F198111ACAC}">
+      <dgm:prSet/>
+      <dgm:spPr/>
+      <dgm:t>
+        <a:bodyPr/>
+        <a:lstStyle/>
+        <a:p>
+          <a:endParaRPr lang="en-US"/>
+        </a:p>
+      </dgm:t>
+    </dgm:pt>
+    <dgm:pt modelId="{18FB2402-2F80-394C-A017-DDE1C4C00514}" type="pres">
+      <dgm:prSet presAssocID="{3736D1B3-4AD0-2F44-92FD-9DD2E338710E}" presName="Name0" presStyleCnt="0">
+        <dgm:presLayoutVars>
+          <dgm:dir/>
+          <dgm:animLvl val="lvl"/>
+          <dgm:resizeHandles val="exact"/>
+        </dgm:presLayoutVars>
+      </dgm:prSet>
+      <dgm:spPr/>
+    </dgm:pt>
+    <dgm:pt modelId="{876CAB25-9F1F-0B40-BF5A-DD03FE2A4FE1}" type="pres">
+      <dgm:prSet presAssocID="{F25623F5-6326-9341-AFCF-00D72DA0F687}" presName="parTxOnly" presStyleLbl="node1" presStyleIdx="0" presStyleCnt="5">
+        <dgm:presLayoutVars>
+          <dgm:chMax val="0"/>
+          <dgm:chPref val="0"/>
+          <dgm:bulletEnabled val="1"/>
+        </dgm:presLayoutVars>
+      </dgm:prSet>
+      <dgm:spPr/>
+    </dgm:pt>
+    <dgm:pt modelId="{DADC4803-E933-2142-AB2C-729170E6911F}" type="pres">
+      <dgm:prSet presAssocID="{458252C0-769D-EC4E-9297-7FB360A9989D}" presName="parTxOnlySpace" presStyleCnt="0"/>
+      <dgm:spPr/>
+    </dgm:pt>
+    <dgm:pt modelId="{109429A5-19AB-E444-81D9-C391CDB17F0A}" type="pres">
+      <dgm:prSet presAssocID="{AC7C2107-6205-394D-8F35-0F29A8B93442}" presName="parTxOnly" presStyleLbl="node1" presStyleIdx="1" presStyleCnt="5">
+        <dgm:presLayoutVars>
+          <dgm:chMax val="0"/>
+          <dgm:chPref val="0"/>
+          <dgm:bulletEnabled val="1"/>
+        </dgm:presLayoutVars>
+      </dgm:prSet>
+      <dgm:spPr/>
+    </dgm:pt>
+    <dgm:pt modelId="{ECE09A73-5E8E-1E44-83ED-FD1C7911CDA2}" type="pres">
+      <dgm:prSet presAssocID="{75CC816F-CB63-9847-8602-252091C0D866}" presName="parTxOnlySpace" presStyleCnt="0"/>
+      <dgm:spPr/>
+    </dgm:pt>
+    <dgm:pt modelId="{12010508-7A0B-4841-8796-E00FD8BDD08A}" type="pres">
+      <dgm:prSet presAssocID="{91E2E8BD-030F-6947-9D61-34D56A7D744B}" presName="parTxOnly" presStyleLbl="node1" presStyleIdx="2" presStyleCnt="5">
+        <dgm:presLayoutVars>
+          <dgm:chMax val="0"/>
+          <dgm:chPref val="0"/>
+          <dgm:bulletEnabled val="1"/>
+        </dgm:presLayoutVars>
+      </dgm:prSet>
+      <dgm:spPr/>
+    </dgm:pt>
+    <dgm:pt modelId="{2D2A6227-D7EB-7643-8C24-68BB58F946A4}" type="pres">
+      <dgm:prSet presAssocID="{3FB9995A-BDBE-9645-AB08-438BA22C8D2E}" presName="parTxOnlySpace" presStyleCnt="0"/>
+      <dgm:spPr/>
+    </dgm:pt>
+    <dgm:pt modelId="{DBAC18A2-2007-ED4E-8B90-EC9A25A6D688}" type="pres">
+      <dgm:prSet presAssocID="{EF4D73A8-B872-9044-9E86-8030B26A887A}" presName="parTxOnly" presStyleLbl="node1" presStyleIdx="3" presStyleCnt="5">
+        <dgm:presLayoutVars>
+          <dgm:chMax val="0"/>
+          <dgm:chPref val="0"/>
+          <dgm:bulletEnabled val="1"/>
+        </dgm:presLayoutVars>
+      </dgm:prSet>
+      <dgm:spPr/>
+    </dgm:pt>
+    <dgm:pt modelId="{47C66F67-FCA4-264F-9AA6-FE584D1F7331}" type="pres">
+      <dgm:prSet presAssocID="{E55E4FC2-5C82-CF4E-9824-8F45A3ADE208}" presName="parTxOnlySpace" presStyleCnt="0"/>
+      <dgm:spPr/>
+    </dgm:pt>
+    <dgm:pt modelId="{2E3A9CAB-86E9-C64E-81BD-54E612B043FF}" type="pres">
+      <dgm:prSet presAssocID="{B0B22FB0-2119-8D4C-AF35-09F6CF3F9F6F}" presName="parTxOnly" presStyleLbl="node1" presStyleIdx="4" presStyleCnt="5">
+        <dgm:presLayoutVars>
+          <dgm:chMax val="0"/>
+          <dgm:chPref val="0"/>
+          <dgm:bulletEnabled val="1"/>
+        </dgm:presLayoutVars>
+      </dgm:prSet>
+      <dgm:spPr/>
+    </dgm:pt>
+  </dgm:ptLst>
+  <dgm:cxnLst>
+    <dgm:cxn modelId="{CA79E00D-F215-1B4B-90BE-615D310EFF62}" srcId="{3736D1B3-4AD0-2F44-92FD-9DD2E338710E}" destId="{EF4D73A8-B872-9044-9E86-8030B26A887A}" srcOrd="3" destOrd="0" parTransId="{1E123688-B232-E343-A495-2BA4E266A0C5}" sibTransId="{E55E4FC2-5C82-CF4E-9824-8F45A3ADE208}"/>
+    <dgm:cxn modelId="{583D1017-2161-DB49-A2FE-B15FB412A014}" srcId="{3736D1B3-4AD0-2F44-92FD-9DD2E338710E}" destId="{F25623F5-6326-9341-AFCF-00D72DA0F687}" srcOrd="0" destOrd="0" parTransId="{E16B0F93-6B2D-3142-BFA4-6B15D038CB6F}" sibTransId="{458252C0-769D-EC4E-9297-7FB360A9989D}"/>
+    <dgm:cxn modelId="{9EE02F34-575C-4B46-A48D-A27B892FE82B}" type="presOf" srcId="{EF4D73A8-B872-9044-9E86-8030B26A887A}" destId="{DBAC18A2-2007-ED4E-8B90-EC9A25A6D688}" srcOrd="0" destOrd="0" presId="urn:microsoft.com/office/officeart/2005/8/layout/chevron1"/>
+    <dgm:cxn modelId="{EF940C35-285C-B540-B9FC-7774A824B261}" type="presOf" srcId="{3736D1B3-4AD0-2F44-92FD-9DD2E338710E}" destId="{18FB2402-2F80-394C-A017-DDE1C4C00514}" srcOrd="0" destOrd="0" presId="urn:microsoft.com/office/officeart/2005/8/layout/chevron1"/>
+    <dgm:cxn modelId="{84BDB93C-20B3-DE4C-ACC4-2EF794A53D17}" type="presOf" srcId="{F25623F5-6326-9341-AFCF-00D72DA0F687}" destId="{876CAB25-9F1F-0B40-BF5A-DD03FE2A4FE1}" srcOrd="0" destOrd="0" presId="urn:microsoft.com/office/officeart/2005/8/layout/chevron1"/>
+    <dgm:cxn modelId="{C423115C-3C1D-7848-BCB6-5F198111ACAC}" srcId="{3736D1B3-4AD0-2F44-92FD-9DD2E338710E}" destId="{B0B22FB0-2119-8D4C-AF35-09F6CF3F9F6F}" srcOrd="4" destOrd="0" parTransId="{A20065BB-E568-284E-A4B3-AAD38A9F15D6}" sibTransId="{E4E2F36D-7291-8E42-805D-ECD1139584EC}"/>
+    <dgm:cxn modelId="{40B80672-9AE0-0240-8291-F943F49170DD}" srcId="{3736D1B3-4AD0-2F44-92FD-9DD2E338710E}" destId="{91E2E8BD-030F-6947-9D61-34D56A7D744B}" srcOrd="2" destOrd="0" parTransId="{DD801C3C-E3DA-B843-B370-A10677750CE0}" sibTransId="{3FB9995A-BDBE-9645-AB08-438BA22C8D2E}"/>
+    <dgm:cxn modelId="{4CD02F85-84BF-B947-8071-B7478CA4BA96}" type="presOf" srcId="{AC7C2107-6205-394D-8F35-0F29A8B93442}" destId="{109429A5-19AB-E444-81D9-C391CDB17F0A}" srcOrd="0" destOrd="0" presId="urn:microsoft.com/office/officeart/2005/8/layout/chevron1"/>
+    <dgm:cxn modelId="{083505B8-AF8B-C54B-967C-B438473DE1D2}" type="presOf" srcId="{91E2E8BD-030F-6947-9D61-34D56A7D744B}" destId="{12010508-7A0B-4841-8796-E00FD8BDD08A}" srcOrd="0" destOrd="0" presId="urn:microsoft.com/office/officeart/2005/8/layout/chevron1"/>
+    <dgm:cxn modelId="{9897E0DE-1B03-464C-8CA6-8DC24A28A4EB}" srcId="{3736D1B3-4AD0-2F44-92FD-9DD2E338710E}" destId="{AC7C2107-6205-394D-8F35-0F29A8B93442}" srcOrd="1" destOrd="0" parTransId="{FDC2F6DA-51BA-E64F-AD8C-B01C25645A65}" sibTransId="{75CC816F-CB63-9847-8602-252091C0D866}"/>
+    <dgm:cxn modelId="{601B52DF-A980-0B45-920E-DC81EBED7CEF}" type="presOf" srcId="{B0B22FB0-2119-8D4C-AF35-09F6CF3F9F6F}" destId="{2E3A9CAB-86E9-C64E-81BD-54E612B043FF}" srcOrd="0" destOrd="0" presId="urn:microsoft.com/office/officeart/2005/8/layout/chevron1"/>
+    <dgm:cxn modelId="{40DBA0B4-5C51-5546-AE84-52B23304C8D5}" type="presParOf" srcId="{18FB2402-2F80-394C-A017-DDE1C4C00514}" destId="{876CAB25-9F1F-0B40-BF5A-DD03FE2A4FE1}" srcOrd="0" destOrd="0" presId="urn:microsoft.com/office/officeart/2005/8/layout/chevron1"/>
+    <dgm:cxn modelId="{EA91B053-A087-3344-BD26-5A347641891A}" type="presParOf" srcId="{18FB2402-2F80-394C-A017-DDE1C4C00514}" destId="{DADC4803-E933-2142-AB2C-729170E6911F}" srcOrd="1" destOrd="0" presId="urn:microsoft.com/office/officeart/2005/8/layout/chevron1"/>
+    <dgm:cxn modelId="{D04426A0-558B-DC4F-AAEB-AA5A1BD9531F}" type="presParOf" srcId="{18FB2402-2F80-394C-A017-DDE1C4C00514}" destId="{109429A5-19AB-E444-81D9-C391CDB17F0A}" srcOrd="2" destOrd="0" presId="urn:microsoft.com/office/officeart/2005/8/layout/chevron1"/>
+    <dgm:cxn modelId="{C873D3E1-3EF9-334F-817F-9E39F7D8F63B}" type="presParOf" srcId="{18FB2402-2F80-394C-A017-DDE1C4C00514}" destId="{ECE09A73-5E8E-1E44-83ED-FD1C7911CDA2}" srcOrd="3" destOrd="0" presId="urn:microsoft.com/office/officeart/2005/8/layout/chevron1"/>
+    <dgm:cxn modelId="{E0F3371D-B370-DE43-AB8F-0F4F74B73892}" type="presParOf" srcId="{18FB2402-2F80-394C-A017-DDE1C4C00514}" destId="{12010508-7A0B-4841-8796-E00FD8BDD08A}" srcOrd="4" destOrd="0" presId="urn:microsoft.com/office/officeart/2005/8/layout/chevron1"/>
+    <dgm:cxn modelId="{6DC6D92F-131A-B141-A0EF-C6AB477B73FF}" type="presParOf" srcId="{18FB2402-2F80-394C-A017-DDE1C4C00514}" destId="{2D2A6227-D7EB-7643-8C24-68BB58F946A4}" srcOrd="5" destOrd="0" presId="urn:microsoft.com/office/officeart/2005/8/layout/chevron1"/>
+    <dgm:cxn modelId="{36C70BD4-3C14-4D49-BA4F-65EB8C97BDEC}" type="presParOf" srcId="{18FB2402-2F80-394C-A017-DDE1C4C00514}" destId="{DBAC18A2-2007-ED4E-8B90-EC9A25A6D688}" srcOrd="6" destOrd="0" presId="urn:microsoft.com/office/officeart/2005/8/layout/chevron1"/>
+    <dgm:cxn modelId="{9A37E588-D045-EF41-BB5A-1721E3C0B9A7}" type="presParOf" srcId="{18FB2402-2F80-394C-A017-DDE1C4C00514}" destId="{47C66F67-FCA4-264F-9AA6-FE584D1F7331}" srcOrd="7" destOrd="0" presId="urn:microsoft.com/office/officeart/2005/8/layout/chevron1"/>
+    <dgm:cxn modelId="{AE638F1D-9E7D-7C4E-9D6F-818AC72556C0}" type="presParOf" srcId="{18FB2402-2F80-394C-A017-DDE1C4C00514}" destId="{2E3A9CAB-86E9-C64E-81BD-54E612B043FF}" srcOrd="8" destOrd="0" presId="urn:microsoft.com/office/officeart/2005/8/layout/chevron1"/>
+  </dgm:cxnLst>
+  <dgm:bg/>
+  <dgm:whole/>
+  <dgm:extLst>
+    <a:ext uri="http://schemas.microsoft.com/office/drawing/2008/diagram">
+      <dsp:dataModelExt xmlns:dsp="http://schemas.microsoft.com/office/drawing/2008/diagram" relId="rId6" minVer="http://schemas.openxmlformats.org/drawingml/2006/diagram"/>
+    </a:ext>
+  </dgm:extLst>
+</dgm:dataModel>
+</file>
+
+<file path=ppt/diagrams/drawing1.xml><?xml version="1.0" encoding="utf-8"?>
+<dsp:drawing xmlns:dgm="http://schemas.openxmlformats.org/drawingml/2006/diagram" xmlns:dsp="http://schemas.microsoft.com/office/drawing/2008/diagram" xmlns:a="http://schemas.openxmlformats.org/drawingml/2006/main">
+  <dsp:spTree>
+    <dsp:nvGrpSpPr>
+      <dsp:cNvPr id="0" name=""/>
+      <dsp:cNvGrpSpPr/>
+    </dsp:nvGrpSpPr>
+    <dsp:grpSpPr/>
+    <dsp:sp modelId="{876CAB25-9F1F-0B40-BF5A-DD03FE2A4FE1}">
+      <dsp:nvSpPr>
+        <dsp:cNvPr id="0" name=""/>
+        <dsp:cNvSpPr/>
+      </dsp:nvSpPr>
+      <dsp:spPr>
+        <a:xfrm>
+          <a:off x="2567" y="1718692"/>
+          <a:ext cx="2284883" cy="913953"/>
+        </a:xfrm>
+        <a:prstGeom prst="chevron">
+          <a:avLst/>
+        </a:prstGeom>
+        <a:solidFill>
+          <a:schemeClr val="accent1">
+            <a:hueOff val="0"/>
+            <a:satOff val="0"/>
+            <a:lumOff val="0"/>
+            <a:alphaOff val="0"/>
+          </a:schemeClr>
+        </a:solidFill>
+        <a:ln w="12700" cap="flat" cmpd="sng" algn="ctr">
+          <a:solidFill>
+            <a:schemeClr val="lt1">
+              <a:hueOff val="0"/>
+              <a:satOff val="0"/>
+              <a:lumOff val="0"/>
+              <a:alphaOff val="0"/>
+            </a:schemeClr>
+          </a:solidFill>
+          <a:prstDash val="solid"/>
+          <a:miter lim="800000"/>
+        </a:ln>
+        <a:effectLst/>
+      </dsp:spPr>
+      <dsp:style>
+        <a:lnRef idx="2">
+          <a:scrgbClr r="0" g="0" b="0"/>
+        </a:lnRef>
+        <a:fillRef idx="1">
+          <a:scrgbClr r="0" g="0" b="0"/>
+        </a:fillRef>
+        <a:effectRef idx="0">
+          <a:scrgbClr r="0" g="0" b="0"/>
+        </a:effectRef>
+        <a:fontRef idx="minor">
+          <a:schemeClr val="lt1"/>
+        </a:fontRef>
+      </dsp:style>
+      <dsp:txBody>
+        <a:bodyPr spcFirstLastPara="0" vert="horz" wrap="square" lIns="64008" tIns="21336" rIns="21336" bIns="21336" numCol="1" spcCol="1270" anchor="ctr" anchorCtr="0">
+          <a:noAutofit/>
+        </a:bodyPr>
+        <a:lstStyle/>
+        <a:p>
+          <a:pPr marL="0" lvl="0" indent="0" algn="ctr" defTabSz="711200">
+            <a:lnSpc>
+              <a:spcPct val="90000"/>
+            </a:lnSpc>
+            <a:spcBef>
+              <a:spcPct val="0"/>
+            </a:spcBef>
+            <a:spcAft>
+              <a:spcPct val="35000"/>
+            </a:spcAft>
+            <a:buNone/>
+          </a:pPr>
+          <a:r>
+            <a:rPr lang="en-US" sz="1600" kern="1200" dirty="0"/>
+            <a:t>Data Clean</a:t>
+          </a:r>
+        </a:p>
+      </dsp:txBody>
+      <dsp:txXfrm>
+        <a:off x="459544" y="1718692"/>
+        <a:ext cx="1370930" cy="913953"/>
+      </dsp:txXfrm>
+    </dsp:sp>
+    <dsp:sp modelId="{109429A5-19AB-E444-81D9-C391CDB17F0A}">
+      <dsp:nvSpPr>
+        <dsp:cNvPr id="0" name=""/>
+        <dsp:cNvSpPr/>
+      </dsp:nvSpPr>
+      <dsp:spPr>
+        <a:xfrm>
+          <a:off x="2058962" y="1718692"/>
+          <a:ext cx="2284883" cy="913953"/>
+        </a:xfrm>
+        <a:prstGeom prst="chevron">
+          <a:avLst/>
+        </a:prstGeom>
+        <a:solidFill>
+          <a:schemeClr val="accent1">
+            <a:hueOff val="0"/>
+            <a:satOff val="0"/>
+            <a:lumOff val="0"/>
+            <a:alphaOff val="0"/>
+          </a:schemeClr>
+        </a:solidFill>
+        <a:ln w="12700" cap="flat" cmpd="sng" algn="ctr">
+          <a:solidFill>
+            <a:schemeClr val="lt1">
+              <a:hueOff val="0"/>
+              <a:satOff val="0"/>
+              <a:lumOff val="0"/>
+              <a:alphaOff val="0"/>
+            </a:schemeClr>
+          </a:solidFill>
+          <a:prstDash val="solid"/>
+          <a:miter lim="800000"/>
+        </a:ln>
+        <a:effectLst/>
+      </dsp:spPr>
+      <dsp:style>
+        <a:lnRef idx="2">
+          <a:scrgbClr r="0" g="0" b="0"/>
+        </a:lnRef>
+        <a:fillRef idx="1">
+          <a:scrgbClr r="0" g="0" b="0"/>
+        </a:fillRef>
+        <a:effectRef idx="0">
+          <a:scrgbClr r="0" g="0" b="0"/>
+        </a:effectRef>
+        <a:fontRef idx="minor">
+          <a:schemeClr val="lt1"/>
+        </a:fontRef>
+      </dsp:style>
+      <dsp:txBody>
+        <a:bodyPr spcFirstLastPara="0" vert="horz" wrap="square" lIns="64008" tIns="21336" rIns="21336" bIns="21336" numCol="1" spcCol="1270" anchor="ctr" anchorCtr="0">
+          <a:noAutofit/>
+        </a:bodyPr>
+        <a:lstStyle/>
+        <a:p>
+          <a:pPr marL="0" lvl="0" indent="0" algn="ctr" defTabSz="711200">
+            <a:lnSpc>
+              <a:spcPct val="90000"/>
+            </a:lnSpc>
+            <a:spcBef>
+              <a:spcPct val="0"/>
+            </a:spcBef>
+            <a:spcAft>
+              <a:spcPct val="35000"/>
+            </a:spcAft>
+            <a:buNone/>
+          </a:pPr>
+          <a:r>
+            <a:rPr lang="en-US" sz="1600" kern="1200" dirty="0"/>
+            <a:t>EDA</a:t>
+          </a:r>
+        </a:p>
+      </dsp:txBody>
+      <dsp:txXfrm>
+        <a:off x="2515939" y="1718692"/>
+        <a:ext cx="1370930" cy="913953"/>
+      </dsp:txXfrm>
+    </dsp:sp>
+    <dsp:sp modelId="{12010508-7A0B-4841-8796-E00FD8BDD08A}">
+      <dsp:nvSpPr>
+        <dsp:cNvPr id="0" name=""/>
+        <dsp:cNvSpPr/>
+      </dsp:nvSpPr>
+      <dsp:spPr>
+        <a:xfrm>
+          <a:off x="4115358" y="1718692"/>
+          <a:ext cx="2284883" cy="913953"/>
+        </a:xfrm>
+        <a:prstGeom prst="chevron">
+          <a:avLst/>
+        </a:prstGeom>
+        <a:solidFill>
+          <a:schemeClr val="accent1">
+            <a:hueOff val="0"/>
+            <a:satOff val="0"/>
+            <a:lumOff val="0"/>
+            <a:alphaOff val="0"/>
+          </a:schemeClr>
+        </a:solidFill>
+        <a:ln w="12700" cap="flat" cmpd="sng" algn="ctr">
+          <a:solidFill>
+            <a:schemeClr val="lt1">
+              <a:hueOff val="0"/>
+              <a:satOff val="0"/>
+              <a:lumOff val="0"/>
+              <a:alphaOff val="0"/>
+            </a:schemeClr>
+          </a:solidFill>
+          <a:prstDash val="solid"/>
+          <a:miter lim="800000"/>
+        </a:ln>
+        <a:effectLst/>
+      </dsp:spPr>
+      <dsp:style>
+        <a:lnRef idx="2">
+          <a:scrgbClr r="0" g="0" b="0"/>
+        </a:lnRef>
+        <a:fillRef idx="1">
+          <a:scrgbClr r="0" g="0" b="0"/>
+        </a:fillRef>
+        <a:effectRef idx="0">
+          <a:scrgbClr r="0" g="0" b="0"/>
+        </a:effectRef>
+        <a:fontRef idx="minor">
+          <a:schemeClr val="lt1"/>
+        </a:fontRef>
+      </dsp:style>
+      <dsp:txBody>
+        <a:bodyPr spcFirstLastPara="0" vert="horz" wrap="square" lIns="64008" tIns="21336" rIns="21336" bIns="21336" numCol="1" spcCol="1270" anchor="ctr" anchorCtr="0">
+          <a:noAutofit/>
+        </a:bodyPr>
+        <a:lstStyle/>
+        <a:p>
+          <a:pPr marL="0" lvl="0" indent="0" algn="ctr" defTabSz="711200">
+            <a:lnSpc>
+              <a:spcPct val="90000"/>
+            </a:lnSpc>
+            <a:spcBef>
+              <a:spcPct val="0"/>
+            </a:spcBef>
+            <a:spcAft>
+              <a:spcPct val="35000"/>
+            </a:spcAft>
+            <a:buNone/>
+          </a:pPr>
+          <a:r>
+            <a:rPr lang="en-US" sz="1600" kern="1200" dirty="0"/>
+            <a:t>Model Selection</a:t>
+          </a:r>
+        </a:p>
+      </dsp:txBody>
+      <dsp:txXfrm>
+        <a:off x="4572335" y="1718692"/>
+        <a:ext cx="1370930" cy="913953"/>
+      </dsp:txXfrm>
+    </dsp:sp>
+    <dsp:sp modelId="{DBAC18A2-2007-ED4E-8B90-EC9A25A6D688}">
+      <dsp:nvSpPr>
+        <dsp:cNvPr id="0" name=""/>
+        <dsp:cNvSpPr/>
+      </dsp:nvSpPr>
+      <dsp:spPr>
+        <a:xfrm>
+          <a:off x="6171753" y="1718692"/>
+          <a:ext cx="2284883" cy="913953"/>
+        </a:xfrm>
+        <a:prstGeom prst="chevron">
+          <a:avLst/>
+        </a:prstGeom>
+        <a:solidFill>
+          <a:schemeClr val="accent1">
+            <a:hueOff val="0"/>
+            <a:satOff val="0"/>
+            <a:lumOff val="0"/>
+            <a:alphaOff val="0"/>
+          </a:schemeClr>
+        </a:solidFill>
+        <a:ln w="12700" cap="flat" cmpd="sng" algn="ctr">
+          <a:solidFill>
+            <a:schemeClr val="lt1">
+              <a:hueOff val="0"/>
+              <a:satOff val="0"/>
+              <a:lumOff val="0"/>
+              <a:alphaOff val="0"/>
+            </a:schemeClr>
+          </a:solidFill>
+          <a:prstDash val="solid"/>
+          <a:miter lim="800000"/>
+        </a:ln>
+        <a:effectLst/>
+      </dsp:spPr>
+      <dsp:style>
+        <a:lnRef idx="2">
+          <a:scrgbClr r="0" g="0" b="0"/>
+        </a:lnRef>
+        <a:fillRef idx="1">
+          <a:scrgbClr r="0" g="0" b="0"/>
+        </a:fillRef>
+        <a:effectRef idx="0">
+          <a:scrgbClr r="0" g="0" b="0"/>
+        </a:effectRef>
+        <a:fontRef idx="minor">
+          <a:schemeClr val="lt1"/>
+        </a:fontRef>
+      </dsp:style>
+      <dsp:txBody>
+        <a:bodyPr spcFirstLastPara="0" vert="horz" wrap="square" lIns="64008" tIns="21336" rIns="21336" bIns="21336" numCol="1" spcCol="1270" anchor="ctr" anchorCtr="0">
+          <a:noAutofit/>
+        </a:bodyPr>
+        <a:lstStyle/>
+        <a:p>
+          <a:pPr marL="0" lvl="0" indent="0" algn="ctr" defTabSz="711200">
+            <a:lnSpc>
+              <a:spcPct val="90000"/>
+            </a:lnSpc>
+            <a:spcBef>
+              <a:spcPct val="0"/>
+            </a:spcBef>
+            <a:spcAft>
+              <a:spcPct val="35000"/>
+            </a:spcAft>
+            <a:buNone/>
+          </a:pPr>
+          <a:r>
+            <a:rPr lang="en-US" sz="1600" kern="1200" dirty="0"/>
+            <a:t>Final Model </a:t>
+          </a:r>
+          <a:r>
+            <a:rPr lang="en-US" sz="1600" kern="1200" dirty="0" err="1"/>
+            <a:t>Evaulation</a:t>
+          </a:r>
+          <a:endParaRPr lang="en-US" sz="1600" kern="1200" dirty="0"/>
+        </a:p>
+      </dsp:txBody>
+      <dsp:txXfrm>
+        <a:off x="6628730" y="1718692"/>
+        <a:ext cx="1370930" cy="913953"/>
+      </dsp:txXfrm>
+    </dsp:sp>
+    <dsp:sp modelId="{2E3A9CAB-86E9-C64E-81BD-54E612B043FF}">
+      <dsp:nvSpPr>
+        <dsp:cNvPr id="0" name=""/>
+        <dsp:cNvSpPr/>
+      </dsp:nvSpPr>
+      <dsp:spPr>
+        <a:xfrm>
+          <a:off x="8228148" y="1718692"/>
+          <a:ext cx="2284883" cy="913953"/>
+        </a:xfrm>
+        <a:prstGeom prst="chevron">
+          <a:avLst/>
+        </a:prstGeom>
+        <a:solidFill>
+          <a:schemeClr val="accent1">
+            <a:hueOff val="0"/>
+            <a:satOff val="0"/>
+            <a:lumOff val="0"/>
+            <a:alphaOff val="0"/>
+          </a:schemeClr>
+        </a:solidFill>
+        <a:ln w="12700" cap="flat" cmpd="sng" algn="ctr">
+          <a:solidFill>
+            <a:schemeClr val="lt1">
+              <a:hueOff val="0"/>
+              <a:satOff val="0"/>
+              <a:lumOff val="0"/>
+              <a:alphaOff val="0"/>
+            </a:schemeClr>
+          </a:solidFill>
+          <a:prstDash val="solid"/>
+          <a:miter lim="800000"/>
+        </a:ln>
+        <a:effectLst/>
+      </dsp:spPr>
+      <dsp:style>
+        <a:lnRef idx="2">
+          <a:scrgbClr r="0" g="0" b="0"/>
+        </a:lnRef>
+        <a:fillRef idx="1">
+          <a:scrgbClr r="0" g="0" b="0"/>
+        </a:fillRef>
+        <a:effectRef idx="0">
+          <a:scrgbClr r="0" g="0" b="0"/>
+        </a:effectRef>
+        <a:fontRef idx="minor">
+          <a:schemeClr val="lt1"/>
+        </a:fontRef>
+      </dsp:style>
+      <dsp:txBody>
+        <a:bodyPr spcFirstLastPara="0" vert="horz" wrap="square" lIns="64008" tIns="21336" rIns="21336" bIns="21336" numCol="1" spcCol="1270" anchor="ctr" anchorCtr="0">
+          <a:noAutofit/>
+        </a:bodyPr>
+        <a:lstStyle/>
+        <a:p>
+          <a:pPr marL="0" lvl="0" indent="0" algn="ctr" defTabSz="711200">
+            <a:lnSpc>
+              <a:spcPct val="90000"/>
+            </a:lnSpc>
+            <a:spcBef>
+              <a:spcPct val="0"/>
+            </a:spcBef>
+            <a:spcAft>
+              <a:spcPct val="35000"/>
+            </a:spcAft>
+            <a:buNone/>
+          </a:pPr>
+          <a:r>
+            <a:rPr lang="en-US" sz="1600" kern="1200" dirty="0"/>
+            <a:t>Fraud Detection Web </a:t>
+          </a:r>
+          <a:r>
+            <a:rPr lang="en-US" sz="1600" kern="1200" dirty="0" err="1"/>
+            <a:t>Appliction</a:t>
+          </a:r>
+          <a:endParaRPr lang="en-US" sz="1600" kern="1200" dirty="0"/>
+        </a:p>
+      </dsp:txBody>
+      <dsp:txXfrm>
+        <a:off x="8685125" y="1718692"/>
+        <a:ext cx="1370930" cy="913953"/>
+      </dsp:txXfrm>
+    </dsp:sp>
+  </dsp:spTree>
+</dsp:drawing>
+</file>
+
+<file path=ppt/diagrams/layout1.xml><?xml version="1.0" encoding="utf-8"?>
+<dgm:layoutDef xmlns:dgm="http://schemas.openxmlformats.org/drawingml/2006/diagram" xmlns:a="http://schemas.openxmlformats.org/drawingml/2006/main" uniqueId="urn:microsoft.com/office/officeart/2005/8/layout/chevron1">
+  <dgm:title val=""/>
+  <dgm:desc val=""/>
+  <dgm:catLst>
+    <dgm:cat type="process" pri="9000"/>
+  </dgm:catLst>
+  <dgm:sampData useDef="1">
+    <dgm:dataModel>
+      <dgm:ptLst/>
+      <dgm:bg/>
+      <dgm:whole/>
+    </dgm:dataModel>
+  </dgm:sampData>
+  <dgm:styleData>
+    <dgm:dataModel>
+      <dgm:ptLst>
+        <dgm:pt modelId="0" type="doc"/>
+        <dgm:pt modelId="1"/>
+        <dgm:pt modelId="2"/>
+      </dgm:ptLst>
+      <dgm:cxnLst>
+        <dgm:cxn modelId="3" srcId="0" destId="1" srcOrd="0" destOrd="0"/>
+        <dgm:cxn modelId="4" srcId="0" destId="2" srcOrd="1" destOrd="0"/>
+      </dgm:cxnLst>
+      <dgm:bg/>
+      <dgm:whole/>
+    </dgm:dataModel>
+  </dgm:styleData>
+  <dgm:clrData>
+    <dgm:dataModel>
+      <dgm:ptLst>
+        <dgm:pt modelId="0" type="doc"/>
+        <dgm:pt modelId="1"/>
+        <dgm:pt modelId="2"/>
+        <dgm:pt modelId="3"/>
+        <dgm:pt modelId="4"/>
+      </dgm:ptLst>
+      <dgm:cxnLst>
+        <dgm:cxn modelId="5" srcId="0" destId="1" srcOrd="0" destOrd="0"/>
+        <dgm:cxn modelId="6" srcId="0" destId="2" srcOrd="1" destOrd="0"/>
+        <dgm:cxn modelId="7" srcId="0" destId="3" srcOrd="2" destOrd="0"/>
+        <dgm:cxn modelId="8" srcId="0" destId="4" srcOrd="3" destOrd="0"/>
+      </dgm:cxnLst>
+      <dgm:bg/>
+      <dgm:whole/>
+    </dgm:dataModel>
+  </dgm:clrData>
+  <dgm:layoutNode name="Name0">
+    <dgm:varLst>
+      <dgm:dir/>
+      <dgm:animLvl val="lvl"/>
+      <dgm:resizeHandles val="exact"/>
+    </dgm:varLst>
+    <dgm:choose name="Name1">
+      <dgm:if name="Name2" func="var" arg="dir" op="equ" val="norm">
+        <dgm:alg type="lin"/>
+      </dgm:if>
+      <dgm:else name="Name3">
+        <dgm:alg type="lin">
+          <dgm:param type="linDir" val="fromR"/>
+        </dgm:alg>
+      </dgm:else>
+    </dgm:choose>
+    <dgm:shape xmlns:r="http://schemas.openxmlformats.org/officeDocument/2006/relationships" r:blip="">
+      <dgm:adjLst/>
+    </dgm:shape>
+    <dgm:presOf/>
+    <dgm:choose name="Name4">
+      <dgm:if name="Name5" axis="des" func="maxDepth" op="gte" val="2">
+        <dgm:constrLst>
+          <dgm:constr type="h" for="ch" forName="composite" refType="h"/>
+          <dgm:constr type="w" for="ch" forName="composite" refType="w"/>
+          <dgm:constr type="w" for="des" forName="parTx"/>
+          <dgm:constr type="h" for="des" forName="parTx" op="equ"/>
+          <dgm:constr type="w" for="des" forName="desTx"/>
+          <dgm:constr type="h" for="des" forName="desTx" op="equ"/>
+          <dgm:constr type="primFontSz" for="des" forName="parTx" val="65"/>
+          <dgm:constr type="secFontSz" for="des" forName="desTx" refType="primFontSz" refFor="des" refForName="parTx" op="equ"/>
+          <dgm:constr type="h" for="des" forName="parTx" refType="primFontSz" refFor="des" refForName="parTx" fact="1.5"/>
+          <dgm:constr type="h" for="des" forName="desTx" refType="primFontSz" refFor="des" refForName="parTx" fact="0.5"/>
+          <dgm:constr type="w" for="ch" forName="space" op="equ" val="-6"/>
+        </dgm:constrLst>
+        <dgm:ruleLst>
+          <dgm:rule type="w" for="ch" forName="composite" val="0" fact="NaN" max="NaN"/>
+          <dgm:rule type="primFontSz" for="des" forName="parTx" val="5" fact="NaN" max="NaN"/>
+        </dgm:ruleLst>
+        <dgm:forEach name="Name6" axis="ch" ptType="node">
+          <dgm:layoutNode name="composite">
+            <dgm:alg type="composite"/>
+            <dgm:shape xmlns:r="http://schemas.openxmlformats.org/officeDocument/2006/relationships" r:blip="">
+              <dgm:adjLst/>
+            </dgm:shape>
+            <dgm:presOf/>
+            <dgm:choose name="Name7">
+              <dgm:if name="Name8" func="var" arg="dir" op="equ" val="norm">
+                <dgm:constrLst>
+                  <dgm:constr type="l" for="ch" forName="parTx"/>
+                  <dgm:constr type="w" for="ch" forName="parTx" refType="w"/>
+                  <dgm:constr type="t" for="ch" forName="parTx"/>
+                  <dgm:constr type="l" for="ch" forName="desTx"/>
+                  <dgm:constr type="w" for="ch" forName="desTx" refType="w" refFor="ch" refForName="parTx" fact="0.8"/>
+                  <dgm:constr type="t" for="ch" forName="desTx" refType="h" refFor="ch" refForName="parTx" fact="1.125"/>
+                </dgm:constrLst>
+              </dgm:if>
+              <dgm:else name="Name9">
+                <dgm:constrLst>
+                  <dgm:constr type="l" for="ch" forName="parTx"/>
+                  <dgm:constr type="w" for="ch" forName="parTx" refType="w"/>
+                  <dgm:constr type="t" for="ch" forName="parTx"/>
+                  <dgm:constr type="l" for="ch" forName="desTx" refType="w" fact="0.2"/>
+                  <dgm:constr type="w" for="ch" forName="desTx" refType="w" refFor="ch" refForName="parTx" fact="0.8"/>
+                  <dgm:constr type="t" for="ch" forName="desTx" refType="h" refFor="ch" refForName="parTx" fact="1.125"/>
+                </dgm:constrLst>
+              </dgm:else>
+            </dgm:choose>
+            <dgm:ruleLst>
+              <dgm:rule type="h" val="INF" fact="NaN" max="NaN"/>
+            </dgm:ruleLst>
+            <dgm:layoutNode name="parTx">
+              <dgm:varLst>
+                <dgm:chMax val="0"/>
+                <dgm:chPref val="0"/>
+                <dgm:bulletEnabled val="1"/>
+              </dgm:varLst>
+              <dgm:alg type="tx"/>
+              <dgm:choose name="Name10">
+                <dgm:if name="Name11" func="var" arg="dir" op="equ" val="norm">
+                  <dgm:shape xmlns:r="http://schemas.openxmlformats.org/officeDocument/2006/relationships" type="chevron" r:blip="">
+                    <dgm:adjLst/>
+                  </dgm:shape>
+                </dgm:if>
+                <dgm:else name="Name12">
+                  <dgm:shape xmlns:r="http://schemas.openxmlformats.org/officeDocument/2006/relationships" rot="180" type="chevron" r:blip="">
+                    <dgm:adjLst/>
+                  </dgm:shape>
+                </dgm:else>
+              </dgm:choose>
+              <dgm:presOf axis="self" ptType="node"/>
+              <dgm:choose name="Name13">
+                <dgm:if name="Name14" func="var" arg="dir" op="equ" val="norm">
+                  <dgm:constrLst>
+                    <dgm:constr type="h" refType="w" op="lte" fact="0.4"/>
+                    <dgm:constr type="h"/>
+                    <dgm:constr type="tMarg" refType="primFontSz" fact="0.105"/>
+                    <dgm:constr type="bMarg" refType="primFontSz" fact="0.105"/>
+                    <dgm:constr type="lMarg" refType="primFontSz" fact="0.315"/>
+                    <dgm:constr type="rMarg" refType="primFontSz" fact="0.105"/>
+                  </dgm:constrLst>
+                </dgm:if>
+                <dgm:else name="Name15">
+                  <dgm:constrLst>
+                    <dgm:constr type="h" refType="w" op="lte" fact="0.4"/>
+                    <dgm:constr type="h"/>
+                    <dgm:constr type="tMarg" refType="primFontSz" fact="0.105"/>
+                    <dgm:constr type="bMarg" refType="primFontSz" fact="0.105"/>
+                    <dgm:constr type="lMarg" refType="primFontSz" fact="0.105"/>
+                    <dgm:constr type="rMarg" refType="primFontSz" fact="0.315"/>
+                  </dgm:constrLst>
+                </dgm:else>
+              </dgm:choose>
+              <dgm:ruleLst>
+                <dgm:rule type="h" val="INF" fact="NaN" max="NaN"/>
+              </dgm:ruleLst>
+            </dgm:layoutNode>
+            <dgm:layoutNode name="desTx" styleLbl="revTx">
+              <dgm:varLst>
+                <dgm:bulletEnabled val="1"/>
+              </dgm:varLst>
+              <dgm:alg type="tx">
+                <dgm:param type="stBulletLvl" val="1"/>
+              </dgm:alg>
+              <dgm:choose name="Name16">
+                <dgm:if name="Name17" axis="ch" ptType="node" func="cnt" op="gte" val="1">
+                  <dgm:shape xmlns:r="http://schemas.openxmlformats.org/officeDocument/2006/relationships" type="rect" r:blip="">
+                    <dgm:adjLst/>
+                  </dgm:shape>
+                </dgm:if>
+                <dgm:else name="Name18">
+                  <dgm:shape xmlns:r="http://schemas.openxmlformats.org/officeDocument/2006/relationships" type="rect" r:blip="" hideGeom="1">
+                    <dgm:adjLst/>
+                  </dgm:shape>
+                </dgm:else>
+              </dgm:choose>
+              <dgm:presOf axis="des" ptType="node"/>
+              <dgm:constrLst>
+                <dgm:constr type="secFontSz" val="65"/>
+                <dgm:constr type="primFontSz" refType="secFontSz"/>
+                <dgm:constr type="h"/>
+                <dgm:constr type="tMarg"/>
+                <dgm:constr type="bMarg"/>
+                <dgm:constr type="rMarg"/>
+                <dgm:constr type="lMarg"/>
+              </dgm:constrLst>
+              <dgm:ruleLst>
+                <dgm:rule type="h" val="INF" fact="NaN" max="NaN"/>
+              </dgm:ruleLst>
+            </dgm:layoutNode>
+          </dgm:layoutNode>
+          <dgm:forEach name="Name19" axis="followSib" ptType="sibTrans" cnt="1">
+            <dgm:layoutNode name="space">
+              <dgm:alg type="sp"/>
+              <dgm:shape xmlns:r="http://schemas.openxmlformats.org/officeDocument/2006/relationships" r:blip="">
+                <dgm:adjLst/>
+              </dgm:shape>
+              <dgm:presOf/>
+              <dgm:constrLst/>
+              <dgm:ruleLst/>
+            </dgm:layoutNode>
+          </dgm:forEach>
+        </dgm:forEach>
+      </dgm:if>
+      <dgm:else name="Name20">
+        <dgm:constrLst>
+          <dgm:constr type="w" for="ch" forName="parTxOnly" refType="w"/>
+          <dgm:constr type="h" for="des" forName="parTxOnly" op="equ"/>
+          <dgm:constr type="primFontSz" for="des" forName="parTxOnly" op="equ" val="65"/>
+          <dgm:constr type="w" for="ch" forName="parTxOnlySpace" refType="w" refFor="ch" refForName="parTxOnly" fact="-0.1"/>
+        </dgm:constrLst>
+        <dgm:ruleLst/>
+        <dgm:forEach name="Name21" axis="ch" ptType="node">
+          <dgm:layoutNode name="parTxOnly">
+            <dgm:varLst>
+              <dgm:chMax val="0"/>
+              <dgm:chPref val="0"/>
+              <dgm:bulletEnabled val="1"/>
+            </dgm:varLst>
+            <dgm:alg type="tx"/>
+            <dgm:choose name="Name22">
+              <dgm:if name="Name23" func="var" arg="dir" op="equ" val="norm">
+                <dgm:shape xmlns:r="http://schemas.openxmlformats.org/officeDocument/2006/relationships" type="chevron" r:blip="">
+                  <dgm:adjLst/>
+                </dgm:shape>
+              </dgm:if>
+              <dgm:else name="Name24">
+                <dgm:shape xmlns:r="http://schemas.openxmlformats.org/officeDocument/2006/relationships" rot="180" type="chevron" r:blip="">
+                  <dgm:adjLst/>
+                </dgm:shape>
+              </dgm:else>
+            </dgm:choose>
+            <dgm:presOf axis="self" ptType="node"/>
+            <dgm:choose name="Name25">
+              <dgm:if name="Name26" func="var" arg="dir" op="equ" val="norm">
+                <dgm:constrLst>
+                  <dgm:constr type="h" refType="w" op="equ" fact="0.4"/>
+                  <dgm:constr type="tMarg" refType="primFontSz" fact="0.105"/>
+                  <dgm:constr type="bMarg" refType="primFontSz" fact="0.105"/>
+                  <dgm:constr type="lMarg" refType="primFontSz" fact="0.315"/>
+                  <dgm:constr type="rMarg" refType="primFontSz" fact="0.105"/>
+                </dgm:constrLst>
+              </dgm:if>
+              <dgm:else name="Name27">
+                <dgm:constrLst>
+                  <dgm:constr type="h" refType="w" op="equ" fact="0.4"/>
+                  <dgm:constr type="tMarg" refType="primFontSz" fact="0.105"/>
+                  <dgm:constr type="bMarg" refType="primFontSz" fact="0.105"/>
+                  <dgm:constr type="lMarg" refType="primFontSz" fact="0.105"/>
+                  <dgm:constr type="rMarg" refType="primFontSz" fact="0.315"/>
+                </dgm:constrLst>
+              </dgm:else>
+            </dgm:choose>
+            <dgm:ruleLst>
+              <dgm:rule type="primFontSz" val="5" fact="NaN" max="NaN"/>
+            </dgm:ruleLst>
+          </dgm:layoutNode>
+          <dgm:forEach name="Name28" axis="followSib" ptType="sibTrans" cnt="1">
+            <dgm:layoutNode name="parTxOnlySpace">
+              <dgm:alg type="sp"/>
+              <dgm:shape xmlns:r="http://schemas.openxmlformats.org/officeDocument/2006/relationships" r:blip="">
+                <dgm:adjLst/>
+              </dgm:shape>
+              <dgm:presOf/>
+              <dgm:constrLst/>
+              <dgm:ruleLst/>
+            </dgm:layoutNode>
+          </dgm:forEach>
+        </dgm:forEach>
+      </dgm:else>
+    </dgm:choose>
+  </dgm:layoutNode>
+</dgm:layoutDef>
+</file>
+
+<file path=ppt/diagrams/quickStyle1.xml><?xml version="1.0" encoding="utf-8"?>
+<dgm:styleDef xmlns:dgm="http://schemas.openxmlformats.org/drawingml/2006/diagram" xmlns:a="http://schemas.openxmlformats.org/drawingml/2006/main" uniqueId="urn:microsoft.com/office/officeart/2005/8/quickstyle/simple1">
+  <dgm:title val=""/>
+  <dgm:desc val=""/>
+  <dgm:catLst>
+    <dgm:cat type="simple" pri="10100"/>
+  </dgm:catLst>
+  <dgm:scene3d>
+    <a:camera prst="orthographicFront"/>
+    <a:lightRig rig="threePt" dir="t"/>
+  </dgm:scene3d>
+  <dgm:styleLbl name="node0">
+    <dgm:scene3d>
+      <a:camera prst="orthographicFront"/>
+      <a:lightRig rig="threePt" dir="t"/>
+    </dgm:scene3d>
+    <dgm:sp3d/>
+    <dgm:txPr/>
+    <dgm:style>
+      <a:lnRef idx="2">
+        <a:scrgbClr r="0" g="0" b="0"/>
+      </a:lnRef>
+      <a:fillRef idx="1">
+        <a:scrgbClr r="0" g="0" b="0"/>
+      </a:fillRef>
+      <a:effectRef idx="0">
+        <a:scrgbClr r="0" g="0" b="0"/>
+      </a:effectRef>
+      <a:fontRef idx="minor">
+        <a:schemeClr val="lt1"/>
+      </a:fontRef>
+    </dgm:style>
+  </dgm:styleLbl>
+  <dgm:styleLbl name="lnNode1">
+    <dgm:scene3d>
+      <a:camera prst="orthographicFront"/>
+      <a:lightRig rig="threePt" dir="t"/>
+    </dgm:scene3d>
+    <dgm:sp3d/>
+    <dgm:txPr/>
+    <dgm:style>
+      <a:lnRef idx="2">
+        <a:scrgbClr r="0" g="0" b="0"/>
+      </a:lnRef>
+      <a:fillRef idx="1">
+        <a:scrgbClr r="0" g="0" b="0"/>
+      </a:fillRef>
+      <a:effectRef idx="0">
+        <a:scrgbClr r="0" g="0" b="0"/>
+      </a:effectRef>
+      <a:fontRef idx="minor">
+        <a:schemeClr val="lt1"/>
+      </a:fontRef>
+    </dgm:style>
+  </dgm:styleLbl>
+  <dgm:styleLbl name="vennNode1">
+    <dgm:scene3d>
+      <a:camera prst="orthographicFront"/>
+      <a:lightRig rig="threePt" dir="t"/>
+    </dgm:scene3d>
+    <dgm:sp3d/>
+    <dgm:txPr/>
+    <dgm:style>
+      <a:lnRef idx="2">
+        <a:scrgbClr r="0" g="0" b="0"/>
+      </a:lnRef>
+      <a:fillRef idx="1">
+        <a:scrgbClr r="0" g="0" b="0"/>
+      </a:fillRef>
+      <a:effectRef idx="0">
+        <a:scrgbClr r="0" g="0" b="0"/>
+      </a:effectRef>
+      <a:fontRef idx="minor">
+        <a:schemeClr val="tx1"/>
+      </a:fontRef>
+    </dgm:style>
+  </dgm:styleLbl>
+  <dgm:styleLbl name="alignNode1">
+    <dgm:scene3d>
+      <a:camera prst="orthographicFront"/>
+      <a:lightRig rig="threePt" dir="t"/>
+    </dgm:scene3d>
+    <dgm:sp3d/>
+    <dgm:txPr/>
+    <dgm:style>
+      <a:lnRef idx="2">
+        <a:scrgbClr r="0" g="0" b="0"/>
+      </a:lnRef>
+      <a:fillRef idx="1">
+        <a:scrgbClr r="0" g="0" b="0"/>
+      </a:fillRef>
+      <a:effectRef idx="0">
+        <a:scrgbClr r="0" g="0" b="0"/>
+      </a:effectRef>
+      <a:fontRef idx="minor">
+        <a:schemeClr val="lt1"/>
+      </a:fontRef>
+    </dgm:style>
+  </dgm:styleLbl>
+  <dgm:styleLbl name="node1">
+    <dgm:scene3d>
+      <a:camera prst="orthographicFront"/>
+      <a:lightRig rig="threePt" dir="t"/>
+    </dgm:scene3d>
+    <dgm:sp3d/>
+    <dgm:txPr/>
+    <dgm:style>
+      <a:lnRef idx="2">
+        <a:scrgbClr r="0" g="0" b="0"/>
+      </a:lnRef>
+      <a:fillRef idx="1">
+        <a:scrgbClr r="0" g="0" b="0"/>
+      </a:fillRef>
+      <a:effectRef idx="0">
+        <a:scrgbClr r="0" g="0" b="0"/>
+      </a:effectRef>
+      <a:fontRef idx="minor">
+        <a:schemeClr val="lt1"/>
+      </a:fontRef>
+    </dgm:style>
+  </dgm:styleLbl>
+  <dgm:styleLbl name="node2">
+    <dgm:scene3d>
+      <a:camera prst="orthographicFront"/>
+      <a:lightRig rig="threePt" dir="t"/>
+    </dgm:scene3d>
+    <dgm:sp3d/>
+    <dgm:txPr/>
+    <dgm:style>
+      <a:lnRef idx="2">
+        <a:scrgbClr r="0" g="0" b="0"/>
+      </a:lnRef>
+      <a:fillRef idx="1">
+        <a:scrgbClr r="0" g="0" b="0"/>
+      </a:fillRef>
+      <a:effectRef idx="0">
+        <a:scrgbClr r="0" g="0" b="0"/>
+      </a:effectRef>
+      <a:fontRef idx="minor">
+        <a:schemeClr val="lt1"/>
+      </a:fontRef>
+    </dgm:style>
+  </dgm:styleLbl>
+  <dgm:styleLbl name="node3">
+    <dgm:scene3d>
+      <a:camera prst="orthographicFront"/>
+      <a:lightRig rig="threePt" dir="t"/>
+    </dgm:scene3d>
+    <dgm:sp3d/>
+    <dgm:txPr/>
+    <dgm:style>
+      <a:lnRef idx="2">
+        <a:scrgbClr r="0" g="0" b="0"/>
+      </a:lnRef>
+      <a:fillRef idx="1">
+        <a:scrgbClr r="0" g="0" b="0"/>
+      </a:fillRef>
+      <a:effectRef idx="0">
+        <a:scrgbClr r="0" g="0" b="0"/>
+      </a:effectRef>
+      <a:fontRef idx="minor">
+        <a:schemeClr val="lt1"/>
+      </a:fontRef>
+    </dgm:style>
+  </dgm:styleLbl>
+  <dgm:styleLbl name="node4">
+    <dgm:scene3d>
+      <a:camera prst="orthographicFront"/>
+      <a:lightRig rig="threePt" dir="t"/>
+    </dgm:scene3d>
+    <dgm:sp3d/>
+    <dgm:txPr/>
+    <dgm:style>
+      <a:lnRef idx="2">
+        <a:scrgbClr r="0" g="0" b="0"/>
+      </a:lnRef>
+      <a:fillRef idx="1">
+        <a:scrgbClr r="0" g="0" b="0"/>
+      </a:fillRef>
+      <a:effectRef idx="0">
+        <a:scrgbClr r="0" g="0" b="0"/>
+      </a:effectRef>
+      <a:fontRef idx="minor">
+        <a:schemeClr val="lt1"/>
+      </a:fontRef>
+    </dgm:style>
+  </dgm:styleLbl>
+  <dgm:styleLbl name="fgImgPlace1">
+    <dgm:scene3d>
+      <a:camera prst="orthographicFront"/>
+      <a:lightRig rig="threePt" dir="t"/>
+    </dgm:scene3d>
+    <dgm:sp3d/>
+    <dgm:txPr/>
+    <dgm:style>
+      <a:lnRef idx="2">
+        <a:scrgbClr r="0" g="0" b="0"/>
+      </a:lnRef>
+      <a:fillRef idx="1">
+        <a:scrgbClr r="0" g="0" b="0"/>
+      </a:fillRef>
+      <a:effectRef idx="0">
+        <a:scrgbClr r="0" g="0" b="0"/>
+      </a:effectRef>
+      <a:fontRef idx="minor"/>
+    </dgm:style>
+  </dgm:styleLbl>
+  <dgm:styleLbl name="alignImgPlace1">
+    <dgm:scene3d>
+      <a:camera prst="orthographicFront"/>
+      <a:lightRig rig="threePt" dir="t"/>
+    </dgm:scene3d>
+    <dgm:sp3d/>
+    <dgm:txPr/>
+    <dgm:style>
+      <a:lnRef idx="2">
+        <a:scrgbClr r="0" g="0" b="0"/>
+      </a:lnRef>
+      <a:fillRef idx="1">
+        <a:scrgbClr r="0" g="0" b="0"/>
+      </a:fillRef>
+      <a:effectRef idx="0">
+        <a:scrgbClr r="0" g="0" b="0"/>
+      </a:effectRef>
+      <a:fontRef idx="minor"/>
+    </dgm:style>
+  </dgm:styleLbl>
+  <dgm:styleLbl name="bgImgPlace1">
+    <dgm:scene3d>
+      <a:camera prst="orthographicFront"/>
+      <a:lightRig rig="threePt" dir="t"/>
+    </dgm:scene3d>
+    <dgm:sp3d/>
+    <dgm:txPr/>
+    <dgm:style>
+      <a:lnRef idx="2">
+        <a:scrgbClr r="0" g="0" b="0"/>
+      </a:lnRef>
+      <a:fillRef idx="1">
+        <a:scrgbClr r="0" g="0" b="0"/>
+      </a:fillRef>
+      <a:effectRef idx="0">
+        <a:scrgbClr r="0" g="0" b="0"/>
+      </a:effectRef>
+      <a:fontRef idx="minor"/>
+    </dgm:style>
+  </dgm:styleLbl>
+  <dgm:styleLbl name="sibTrans2D1">
+    <dgm:scene3d>
+      <a:camera prst="orthographicFront"/>
+      <a:lightRig rig="threePt" dir="t"/>
+    </dgm:scene3d>
+    <dgm:sp3d/>
+    <dgm:txPr/>
+    <dgm:style>
+      <a:lnRef idx="0">
+        <a:scrgbClr r="0" g="0" b="0"/>
+      </a:lnRef>
+      <a:fillRef idx="1">
+        <a:scrgbClr r="0" g="0" b="0"/>
+      </a:fillRef>
+      <a:effectRef idx="0">
+        <a:scrgbClr r="0" g="0" b="0"/>
+      </a:effectRef>
+      <a:fontRef idx="minor">
+        <a:schemeClr val="lt1"/>
+      </a:fontRef>
+    </dgm:style>
+  </dgm:styleLbl>
+  <dgm:styleLbl name="fgSibTrans2D1">
+    <dgm:scene3d>
+      <a:camera prst="orthographicFront"/>
+      <a:lightRig rig="threePt" dir="t"/>
+    </dgm:scene3d>
+    <dgm:sp3d/>
+    <dgm:txPr/>
+    <dgm:style>
+      <a:lnRef idx="0">
+        <a:scrgbClr r="0" g="0" b="0"/>
+      </a:lnRef>
+      <a:fillRef idx="1">
+        <a:scrgbClr r="0" g="0" b="0"/>
+      </a:fillRef>
+      <a:effectRef idx="0">
+        <a:scrgbClr r="0" g="0" b="0"/>
+      </a:effectRef>
+      <a:fontRef idx="minor">
+        <a:schemeClr val="lt1"/>
+      </a:fontRef>
+    </dgm:style>
+  </dgm:styleLbl>
+  <dgm:styleLbl name="bgSibTrans2D1">
+    <dgm:scene3d>
+      <a:camera prst="orthographicFront"/>
+      <a:lightRig rig="threePt" dir="t"/>
+    </dgm:scene3d>
+    <dgm:sp3d/>
+    <dgm:txPr/>
+    <dgm:style>
+      <a:lnRef idx="0">
+        <a:scrgbClr r="0" g="0" b="0"/>
+      </a:lnRef>
+      <a:fillRef idx="1">
+        <a:scrgbClr r="0" g="0" b="0"/>
+      </a:fillRef>
+      <a:effectRef idx="0">
+        <a:scrgbClr r="0" g="0" b="0"/>
+      </a:effectRef>
+      <a:fontRef idx="minor">
+        <a:schemeClr val="lt1"/>
+      </a:fontRef>
+    </dgm:style>
+  </dgm:styleLbl>
+  <dgm:styleLbl name="sibTrans1D1">
+    <dgm:scene3d>
+      <a:camera prst="orthographicFront"/>
+      <a:lightRig rig="threePt" dir="t"/>
+    </dgm:scene3d>
+    <dgm:sp3d/>
+    <dgm:txPr/>
+    <dgm:style>
+      <a:lnRef idx="1">
+        <a:scrgbClr r="0" g="0" b="0"/>
+      </a:lnRef>
+      <a:fillRef idx="0">
+        <a:scrgbClr r="0" g="0" b="0"/>
+      </a:fillRef>
+      <a:effectRef idx="0">
+        <a:scrgbClr r="0" g="0" b="0"/>
+      </a:effectRef>
+      <a:fontRef idx="minor"/>
+    </dgm:style>
+  </dgm:styleLbl>
+  <dgm:styleLbl name="callout">
+    <dgm:scene3d>
+      <a:camera prst="orthographicFront"/>
+      <a:lightRig rig="threePt" dir="t"/>
+    </dgm:scene3d>
+    <dgm:sp3d/>
+    <dgm:txPr/>
+    <dgm:style>
+      <a:lnRef idx="2">
+        <a:scrgbClr r="0" g="0" b="0"/>
+      </a:lnRef>
+      <a:fillRef idx="1">
+        <a:scrgbClr r="0" g="0" b="0"/>
+      </a:fillRef>
+      <a:effectRef idx="0">
+        <a:scrgbClr r="0" g="0" b="0"/>
+      </a:effectRef>
+      <a:fontRef idx="minor"/>
+    </dgm:style>
+  </dgm:styleLbl>
+  <dgm:styleLbl name="asst0">
+    <dgm:scene3d>
+      <a:camera prst="orthographicFront"/>
+      <a:lightRig rig="threePt" dir="t"/>
+    </dgm:scene3d>
+    <dgm:sp3d/>
+    <dgm:txPr/>
+    <dgm:style>
+      <a:lnRef idx="2">
+        <a:scrgbClr r="0" g="0" b="0"/>
+      </a:lnRef>
+      <a:fillRef idx="1">
+        <a:scrgbClr r="0" g="0" b="0"/>
+      </a:fillRef>
+      <a:effectRef idx="0">
+        <a:scrgbClr r="0" g="0" b="0"/>
+      </a:effectRef>
+      <a:fontRef idx="minor">
+        <a:schemeClr val="lt1"/>
+      </a:fontRef>
+    </dgm:style>
+  </dgm:styleLbl>
+  <dgm:styleLbl name="asst1">
+    <dgm:scene3d>
+      <a:camera prst="orthographicFront"/>
+      <a:lightRig rig="threePt" dir="t"/>
+    </dgm:scene3d>
+    <dgm:sp3d/>
+    <dgm:txPr/>
+    <dgm:style>
+      <a:lnRef idx="2">
+        <a:scrgbClr r="0" g="0" b="0"/>
+      </a:lnRef>
+      <a:fillRef idx="1">
+        <a:scrgbClr r="0" g="0" b="0"/>
+      </a:fillRef>
+      <a:effectRef idx="0">
+        <a:scrgbClr r="0" g="0" b="0"/>
+      </a:effectRef>
+      <a:fontRef idx="minor">
+        <a:schemeClr val="lt1"/>
+      </a:fontRef>
+    </dgm:style>
+  </dgm:styleLbl>
+  <dgm:styleLbl name="asst2">
+    <dgm:scene3d>
+      <a:camera prst="orthographicFront"/>
+      <a:lightRig rig="threePt" dir="t"/>
+    </dgm:scene3d>
+    <dgm:sp3d/>
+    <dgm:txPr/>
+    <dgm:style>
+      <a:lnRef idx="2">
+        <a:scrgbClr r="0" g="0" b="0"/>
+      </a:lnRef>
+      <a:fillRef idx="1">
+        <a:scrgbClr r="0" g="0" b="0"/>
+      </a:fillRef>
+      <a:effectRef idx="0">
+        <a:scrgbClr r="0" g="0" b="0"/>
+      </a:effectRef>
+      <a:fontRef idx="minor">
+        <a:schemeClr val="lt1"/>
+      </a:fontRef>
+    </dgm:style>
+  </dgm:styleLbl>
+  <dgm:styleLbl name="asst3">
+    <dgm:scene3d>
+      <a:camera prst="orthographicFront"/>
+      <a:lightRig rig="threePt" dir="t"/>
+    </dgm:scene3d>
+    <dgm:sp3d/>
+    <dgm:txPr/>
+    <dgm:style>
+      <a:lnRef idx="2">
+        <a:scrgbClr r="0" g="0" b="0"/>
+      </a:lnRef>
+      <a:fillRef idx="1">
+        <a:scrgbClr r="0" g="0" b="0"/>
+      </a:fillRef>
+      <a:effectRef idx="0">
+        <a:scrgbClr r="0" g="0" b="0"/>
+      </a:effectRef>
+      <a:fontRef idx="minor">
+        <a:schemeClr val="lt1"/>
+      </a:fontRef>
+    </dgm:style>
+  </dgm:styleLbl>
+  <dgm:styleLbl name="asst4">
+    <dgm:scene3d>
+      <a:camera prst="orthographicFront"/>
+      <a:lightRig rig="threePt" dir="t"/>
+    </dgm:scene3d>
+    <dgm:sp3d/>
+    <dgm:txPr/>
+    <dgm:style>
+      <a:lnRef idx="2">
+        <a:scrgbClr r="0" g="0" b="0"/>
+      </a:lnRef>
+      <a:fillRef idx="1">
+        <a:scrgbClr r="0" g="0" b="0"/>
+      </a:fillRef>
+      <a:effectRef idx="0">
+        <a:scrgbClr r="0" g="0" b="0"/>
+      </a:effectRef>
+      <a:fontRef idx="minor">
+        <a:schemeClr val="lt1"/>
+      </a:fontRef>
+    </dgm:style>
+  </dgm:styleLbl>
+  <dgm:styleLbl name="parChTrans2D1">
+    <dgm:scene3d>
+      <a:camera prst="orthographicFront"/>
+      <a:lightRig rig="threePt" dir="t"/>
+    </dgm:scene3d>
+    <dgm:sp3d/>
+    <dgm:txPr/>
+    <dgm:style>
+      <a:lnRef idx="2">
+        <a:scrgbClr r="0" g="0" b="0"/>
+      </a:lnRef>
+      <a:fillRef idx="1">
+        <a:scrgbClr r="0" g="0" b="0"/>
+      </a:fillRef>
+      <a:effectRef idx="0">
+        <a:scrgbClr r="0" g="0" b="0"/>
+      </a:effectRef>
+      <a:fontRef idx="minor">
+        <a:schemeClr val="lt1"/>
+      </a:fontRef>
+    </dgm:style>
+  </dgm:styleLbl>
+  <dgm:styleLbl name="parChTrans2D2">
+    <dgm:scene3d>
+      <a:camera prst="orthographicFront"/>
+      <a:lightRig rig="threePt" dir="t"/>
+    </dgm:scene3d>
+    <dgm:sp3d/>
+    <dgm:txPr/>
+    <dgm:style>
+      <a:lnRef idx="2">
+        <a:scrgbClr r="0" g="0" b="0"/>
+      </a:lnRef>
+      <a:fillRef idx="1">
+        <a:scrgbClr r="0" g="0" b="0"/>
+      </a:fillRef>
+      <a:effectRef idx="0">
+        <a:scrgbClr r="0" g="0" b="0"/>
+      </a:effectRef>
+      <a:fontRef idx="minor">
+        <a:schemeClr val="lt1"/>
+      </a:fontRef>
+    </dgm:style>
+  </dgm:styleLbl>
+  <dgm:styleLbl name="parChTrans2D3">
+    <dgm:scene3d>
+      <a:camera prst="orthographicFront"/>
+      <a:lightRig rig="threePt" dir="t"/>
+    </dgm:scene3d>
+    <dgm:sp3d/>
+    <dgm:txPr/>
+    <dgm:style>
+      <a:lnRef idx="2">
+        <a:scrgbClr r="0" g="0" b="0"/>
+      </a:lnRef>
+      <a:fillRef idx="1">
+        <a:scrgbClr r="0" g="0" b="0"/>
+      </a:fillRef>
+      <a:effectRef idx="0">
+        <a:scrgbClr r="0" g="0" b="0"/>
+      </a:effectRef>
+      <a:fontRef idx="minor">
+        <a:schemeClr val="lt1"/>
+      </a:fontRef>
+    </dgm:style>
+  </dgm:styleLbl>
+  <dgm:styleLbl name="parChTrans2D4">
+    <dgm:scene3d>
+      <a:camera prst="orthographicFront"/>
+      <a:lightRig rig="threePt" dir="t"/>
+    </dgm:scene3d>
+    <dgm:sp3d/>
+    <dgm:txPr/>
+    <dgm:style>
+      <a:lnRef idx="2">
+        <a:scrgbClr r="0" g="0" b="0"/>
+      </a:lnRef>
+      <a:fillRef idx="1">
+        <a:scrgbClr r="0" g="0" b="0"/>
+      </a:fillRef>
+      <a:effectRef idx="0">
+        <a:scrgbClr r="0" g="0" b="0"/>
+      </a:effectRef>
+      <a:fontRef idx="minor">
+        <a:schemeClr val="lt1"/>
+      </a:fontRef>
+    </dgm:style>
+  </dgm:styleLbl>
+  <dgm:styleLbl name="parChTrans1D1">
+    <dgm:scene3d>
+      <a:camera prst="orthographicFront"/>
+      <a:lightRig rig="threePt" dir="t"/>
+    </dgm:scene3d>
+    <dgm:sp3d/>
+    <dgm:txPr/>
+    <dgm:style>
+      <a:lnRef idx="2">
+        <a:scrgbClr r="0" g="0" b="0"/>
+      </a:lnRef>
+      <a:fillRef idx="0">
+        <a:scrgbClr r="0" g="0" b="0"/>
+      </a:fillRef>
+      <a:effectRef idx="0">
+        <a:scrgbClr r="0" g="0" b="0"/>
+      </a:effectRef>
+      <a:fontRef idx="minor"/>
+    </dgm:style>
+  </dgm:styleLbl>
+  <dgm:styleLbl name="parChTrans1D2">
+    <dgm:scene3d>
+      <a:camera prst="orthographicFront"/>
+      <a:lightRig rig="threePt" dir="t"/>
+    </dgm:scene3d>
+    <dgm:sp3d/>
+    <dgm:txPr/>
+    <dgm:style>
+      <a:lnRef idx="2">
+        <a:scrgbClr r="0" g="0" b="0"/>
+      </a:lnRef>
+      <a:fillRef idx="0">
+        <a:scrgbClr r="0" g="0" b="0"/>
+      </a:fillRef>
+      <a:effectRef idx="0">
+        <a:scrgbClr r="0" g="0" b="0"/>
+      </a:effectRef>
+      <a:fontRef idx="minor"/>
+    </dgm:style>
+  </dgm:styleLbl>
+  <dgm:styleLbl name="parChTrans1D3">
+    <dgm:scene3d>
+      <a:camera prst="orthographicFront"/>
+      <a:lightRig rig="threePt" dir="t"/>
+    </dgm:scene3d>
+    <dgm:sp3d/>
+    <dgm:txPr/>
+    <dgm:style>
+      <a:lnRef idx="2">
+        <a:scrgbClr r="0" g="0" b="0"/>
+      </a:lnRef>
+      <a:fillRef idx="0">
+        <a:scrgbClr r="0" g="0" b="0"/>
+      </a:fillRef>
+      <a:effectRef idx="0">
+        <a:scrgbClr r="0" g="0" b="0"/>
+      </a:effectRef>
+      <a:fontRef idx="minor"/>
+    </dgm:style>
+  </dgm:styleLbl>
+  <dgm:styleLbl name="parChTrans1D4">
+    <dgm:scene3d>
+      <a:camera prst="orthographicFront"/>
+      <a:lightRig rig="threePt" dir="t"/>
+    </dgm:scene3d>
+    <dgm:sp3d/>
+    <dgm:txPr/>
+    <dgm:style>
+      <a:lnRef idx="2">
+        <a:scrgbClr r="0" g="0" b="0"/>
+      </a:lnRef>
+      <a:fillRef idx="0">
+        <a:scrgbClr r="0" g="0" b="0"/>
+      </a:fillRef>
+      <a:effectRef idx="0">
+        <a:scrgbClr r="0" g="0" b="0"/>
+      </a:effectRef>
+      <a:fontRef idx="minor"/>
+    </dgm:style>
+  </dgm:styleLbl>
+  <dgm:styleLbl name="fgAcc1">
+    <dgm:scene3d>
+      <a:camera prst="orthographicFront"/>
+      <a:lightRig rig="threePt" dir="t"/>
+    </dgm:scene3d>
+    <dgm:sp3d/>
+    <dgm:txPr/>
+    <dgm:style>
+      <a:lnRef idx="2">
+        <a:scrgbClr r="0" g="0" b="0"/>
+      </a:lnRef>
+      <a:fillRef idx="1">
+        <a:scrgbClr r="0" g="0" b="0"/>
+      </a:fillRef>
+      <a:effectRef idx="0">
+        <a:scrgbClr r="0" g="0" b="0"/>
+      </a:effectRef>
+      <a:fontRef idx="minor"/>
+    </dgm:style>
+  </dgm:styleLbl>
+  <dgm:styleLbl name="conFgAcc1">
+    <dgm:scene3d>
+      <a:camera prst="orthographicFront"/>
+      <a:lightRig rig="threePt" dir="t"/>
+    </dgm:scene3d>
+    <dgm:sp3d/>
+    <dgm:txPr/>
+    <dgm:style>
+      <a:lnRef idx="2">
+        <a:scrgbClr r="0" g="0" b="0"/>
+      </a:lnRef>
+      <a:fillRef idx="1">
+        <a:scrgbClr r="0" g="0" b="0"/>
+      </a:fillRef>
+      <a:effectRef idx="0">
+        <a:scrgbClr r="0" g="0" b="0"/>
+      </a:effectRef>
+      <a:fontRef idx="minor"/>
+    </dgm:style>
+  </dgm:styleLbl>
+  <dgm:styleLbl name="alignAcc1">
+    <dgm:scene3d>
+      <a:camera prst="orthographicFront"/>
+      <a:lightRig rig="threePt" dir="t"/>
+    </dgm:scene3d>
+    <dgm:sp3d/>
+    <dgm:txPr/>
+    <dgm:style>
+      <a:lnRef idx="2">
+        <a:scrgbClr r="0" g="0" b="0"/>
+      </a:lnRef>
+      <a:fillRef idx="1">
+        <a:scrgbClr r="0" g="0" b="0"/>
+      </a:fillRef>
+      <a:effectRef idx="0">
+        <a:scrgbClr r="0" g="0" b="0"/>
+      </a:effectRef>
+      <a:fontRef idx="minor"/>
+    </dgm:style>
+  </dgm:styleLbl>
+  <dgm:styleLbl name="trAlignAcc1">
+    <dgm:scene3d>
+      <a:camera prst="orthographicFront"/>
+      <a:lightRig rig="threePt" dir="t"/>
+    </dgm:scene3d>
+    <dgm:sp3d/>
+    <dgm:txPr/>
+    <dgm:style>
+      <a:lnRef idx="1">
+        <a:scrgbClr r="0" g="0" b="0"/>
+      </a:lnRef>
+      <a:fillRef idx="1">
+        <a:scrgbClr r="0" g="0" b="0"/>
+      </a:fillRef>
+      <a:effectRef idx="0">
+        <a:scrgbClr r="0" g="0" b="0"/>
+      </a:effectRef>
+      <a:fontRef idx="minor"/>
+    </dgm:style>
+  </dgm:styleLbl>
+  <dgm:styleLbl name="bgAcc1">
+    <dgm:scene3d>
+      <a:camera prst="orthographicFront"/>
+      <a:lightRig rig="threePt" dir="t"/>
+    </dgm:scene3d>
+    <dgm:sp3d/>
+    <dgm:txPr/>
+    <dgm:style>
+      <a:lnRef idx="2">
+        <a:scrgbClr r="0" g="0" b="0"/>
+      </a:lnRef>
+      <a:fillRef idx="1">
+        <a:scrgbClr r="0" g="0" b="0"/>
+      </a:fillRef>
+      <a:effectRef idx="0">
+        <a:scrgbClr r="0" g="0" b="0"/>
+      </a:effectRef>
+      <a:fontRef idx="minor"/>
+    </dgm:style>
+  </dgm:styleLbl>
+  <dgm:styleLbl name="solidFgAcc1">
+    <dgm:scene3d>
+      <a:camera prst="orthographicFront"/>
+      <a:lightRig rig="threePt" dir="t"/>
+    </dgm:scene3d>
+    <dgm:sp3d/>
+    <dgm:txPr/>
+    <dgm:style>
+      <a:lnRef idx="2">
+        <a:scrgbClr r="0" g="0" b="0"/>
+      </a:lnRef>
+      <a:fillRef idx="1">
+        <a:scrgbClr r="0" g="0" b="0"/>
+      </a:fillRef>
+      <a:effectRef idx="0">
+        <a:scrgbClr r="0" g="0" b="0"/>
+      </a:effectRef>
+      <a:fontRef idx="minor"/>
+    </dgm:style>
+  </dgm:styleLbl>
+  <dgm:styleLbl name="solidAlignAcc1">
+    <dgm:scene3d>
+      <a:camera prst="orthographicFront"/>
+      <a:lightRig rig="threePt" dir="t"/>
+    </dgm:scene3d>
+    <dgm:sp3d/>
+    <dgm:txPr/>
+    <dgm:style>
+      <a:lnRef idx="2">
+        <a:scrgbClr r="0" g="0" b="0"/>
+      </a:lnRef>
+      <a:fillRef idx="1">
+        <a:scrgbClr r="0" g="0" b="0"/>
+      </a:fillRef>
+      <a:effectRef idx="0">
+        <a:scrgbClr r="0" g="0" b="0"/>
+      </a:effectRef>
+      <a:fontRef idx="minor"/>
+    </dgm:style>
+  </dgm:styleLbl>
+  <dgm:styleLbl name="solidBgAcc1">
+    <dgm:scene3d>
+      <a:camera prst="orthographicFront"/>
+      <a:lightRig rig="threePt" dir="t"/>
+    </dgm:scene3d>
+    <dgm:sp3d/>
+    <dgm:txPr/>
+    <dgm:style>
+      <a:lnRef idx="2">
+        <a:scrgbClr r="0" g="0" b="0"/>
+      </a:lnRef>
+      <a:fillRef idx="1">
+        <a:scrgbClr r="0" g="0" b="0"/>
+      </a:fillRef>
+      <a:effectRef idx="0">
+        <a:scrgbClr r="0" g="0" b="0"/>
+      </a:effectRef>
+      <a:fontRef idx="minor"/>
+    </dgm:style>
+  </dgm:styleLbl>
+  <dgm:styleLbl name="fgAccFollowNode1">
+    <dgm:scene3d>
+      <a:camera prst="orthographicFront"/>
+      <a:lightRig rig="threePt" dir="t"/>
+    </dgm:scene3d>
+    <dgm:sp3d/>
+    <dgm:txPr/>
+    <dgm:style>
+      <a:lnRef idx="2">
+        <a:scrgbClr r="0" g="0" b="0"/>
+      </a:lnRef>
+      <a:fillRef idx="1">
+        <a:scrgbClr r="0" g="0" b="0"/>
+      </a:fillRef>
+      <a:effectRef idx="0">
+        <a:scrgbClr r="0" g="0" b="0"/>
+      </a:effectRef>
+      <a:fontRef idx="minor"/>
+    </dgm:style>
+  </dgm:styleLbl>
+  <dgm:styleLbl name="alignAccFollowNode1">
+    <dgm:scene3d>
+      <a:camera prst="orthographicFront"/>
+      <a:lightRig rig="threePt" dir="t"/>
+    </dgm:scene3d>
+    <dgm:sp3d/>
+    <dgm:txPr/>
+    <dgm:style>
+      <a:lnRef idx="2">
+        <a:scrgbClr r="0" g="0" b="0"/>
+      </a:lnRef>
+      <a:fillRef idx="1">
+        <a:scrgbClr r="0" g="0" b="0"/>
+      </a:fillRef>
+      <a:effectRef idx="0">
+        <a:scrgbClr r="0" g="0" b="0"/>
+      </a:effectRef>
+      <a:fontRef idx="minor"/>
+    </dgm:style>
+  </dgm:styleLbl>
+  <dgm:styleLbl name="bgAccFollowNode1">
+    <dgm:scene3d>
+      <a:camera prst="orthographicFront"/>
+      <a:lightRig rig="threePt" dir="t"/>
+    </dgm:scene3d>
+    <dgm:sp3d/>
+    <dgm:txPr/>
+    <dgm:style>
+      <a:lnRef idx="2">
+        <a:scrgbClr r="0" g="0" b="0"/>
+      </a:lnRef>
+      <a:fillRef idx="1">
+        <a:scrgbClr r="0" g="0" b="0"/>
+      </a:fillRef>
+      <a:effectRef idx="0">
+        <a:scrgbClr r="0" g="0" b="0"/>
+      </a:effectRef>
+      <a:fontRef idx="minor"/>
+    </dgm:style>
+  </dgm:styleLbl>
+  <dgm:styleLbl name="fgAcc0">
+    <dgm:scene3d>
+      <a:camera prst="orthographicFront"/>
+      <a:lightRig rig="threePt" dir="t"/>
+    </dgm:scene3d>
+    <dgm:sp3d/>
+    <dgm:txPr/>
+    <dgm:style>
+      <a:lnRef idx="2">
+        <a:scrgbClr r="0" g="0" b="0"/>
+      </a:lnRef>
+      <a:fillRef idx="1">
+        <a:scrgbClr r="0" g="0" b="0"/>
+      </a:fillRef>
+      <a:effectRef idx="0">
+        <a:scrgbClr r="0" g="0" b="0"/>
+      </a:effectRef>
+      <a:fontRef idx="minor"/>
+    </dgm:style>
+  </dgm:styleLbl>
+  <dgm:styleLbl name="fgAcc2">
+    <dgm:scene3d>
+      <a:camera prst="orthographicFront"/>
+      <a:lightRig rig="threePt" dir="t"/>
+    </dgm:scene3d>
+    <dgm:sp3d/>
+    <dgm:txPr/>
+    <dgm:style>
+      <a:lnRef idx="2">
+        <a:scrgbClr r="0" g="0" b="0"/>
+      </a:lnRef>
+      <a:fillRef idx="1">
+        <a:scrgbClr r="0" g="0" b="0"/>
+      </a:fillRef>
+      <a:effectRef idx="0">
+        <a:scrgbClr r="0" g="0" b="0"/>
+      </a:effectRef>
+      <a:fontRef idx="minor"/>
+    </dgm:style>
+  </dgm:styleLbl>
+  <dgm:styleLbl name="fgAcc3">
+    <dgm:scene3d>
+      <a:camera prst="orthographicFront"/>
+      <a:lightRig rig="threePt" dir="t"/>
+    </dgm:scene3d>
+    <dgm:sp3d/>
+    <dgm:txPr/>
+    <dgm:style>
+      <a:lnRef idx="2">
+        <a:scrgbClr r="0" g="0" b="0"/>
+      </a:lnRef>
+      <a:fillRef idx="1">
+        <a:scrgbClr r="0" g="0" b="0"/>
+      </a:fillRef>
+      <a:effectRef idx="0">
+        <a:scrgbClr r="0" g="0" b="0"/>
+      </a:effectRef>
+      <a:fontRef idx="minor"/>
+    </dgm:style>
+  </dgm:styleLbl>
+  <dgm:styleLbl name="fgAcc4">
+    <dgm:scene3d>
+      <a:camera prst="orthographicFront"/>
+      <a:lightRig rig="threePt" dir="t"/>
+    </dgm:scene3d>
+    <dgm:sp3d/>
+    <dgm:txPr/>
+    <dgm:style>
+      <a:lnRef idx="2">
+        <a:scrgbClr r="0" g="0" b="0"/>
+      </a:lnRef>
+      <a:fillRef idx="1">
+        <a:scrgbClr r="0" g="0" b="0"/>
+      </a:fillRef>
+      <a:effectRef idx="0">
+        <a:scrgbClr r="0" g="0" b="0"/>
+      </a:effectRef>
+      <a:fontRef idx="minor"/>
+    </dgm:style>
+  </dgm:styleLbl>
+  <dgm:styleLbl name="bgShp">
+    <dgm:scene3d>
+      <a:camera prst="orthographicFront"/>
+      <a:lightRig rig="threePt" dir="t"/>
+    </dgm:scene3d>
+    <dgm:sp3d/>
+    <dgm:txPr/>
+    <dgm:style>
+      <a:lnRef idx="0">
+        <a:scrgbClr r="0" g="0" b="0"/>
+      </a:lnRef>
+      <a:fillRef idx="1">
+        <a:scrgbClr r="0" g="0" b="0"/>
+      </a:fillRef>
+      <a:effectRef idx="0">
+        <a:scrgbClr r="0" g="0" b="0"/>
+      </a:effectRef>
+      <a:fontRef idx="minor"/>
+    </dgm:style>
+  </dgm:styleLbl>
+  <dgm:styleLbl name="dkBgShp">
+    <dgm:scene3d>
+      <a:camera prst="orthographicFront"/>
+      <a:lightRig rig="threePt" dir="t"/>
+    </dgm:scene3d>
+    <dgm:sp3d/>
+    <dgm:txPr/>
+    <dgm:style>
+      <a:lnRef idx="0">
+        <a:scrgbClr r="0" g="0" b="0"/>
+      </a:lnRef>
+      <a:fillRef idx="1">
+        <a:scrgbClr r="0" g="0" b="0"/>
+      </a:fillRef>
+      <a:effectRef idx="0">
+        <a:scrgbClr r="0" g="0" b="0"/>
+      </a:effectRef>
+      <a:fontRef idx="minor"/>
+    </dgm:style>
+  </dgm:styleLbl>
+  <dgm:styleLbl name="trBgShp">
+    <dgm:scene3d>
+      <a:camera prst="orthographicFront"/>
+      <a:lightRig rig="threePt" dir="t"/>
+    </dgm:scene3d>
+    <dgm:sp3d/>
+    <dgm:txPr/>
+    <dgm:style>
+      <a:lnRef idx="0">
+        <a:scrgbClr r="0" g="0" b="0"/>
+      </a:lnRef>
+      <a:fillRef idx="1">
+        <a:scrgbClr r="0" g="0" b="0"/>
+      </a:fillRef>
+      <a:effectRef idx="0">
+        <a:scrgbClr r="0" g="0" b="0"/>
+      </a:effectRef>
+      <a:fontRef idx="minor"/>
+    </dgm:style>
+  </dgm:styleLbl>
+  <dgm:styleLbl name="fgShp">
+    <dgm:scene3d>
+      <a:camera prst="orthographicFront"/>
+      <a:lightRig rig="threePt" dir="t"/>
+    </dgm:scene3d>
+    <dgm:sp3d/>
+    <dgm:txPr/>
+    <dgm:style>
+      <a:lnRef idx="2">
+        <a:scrgbClr r="0" g="0" b="0"/>
+      </a:lnRef>
+      <a:fillRef idx="1">
+        <a:scrgbClr r="0" g="0" b="0"/>
+      </a:fillRef>
+      <a:effectRef idx="0">
+        <a:scrgbClr r="0" g="0" b="0"/>
+      </a:effectRef>
+      <a:fontRef idx="minor"/>
+    </dgm:style>
+  </dgm:styleLbl>
+  <dgm:styleLbl name="revTx">
+    <dgm:scene3d>
+      <a:camera prst="orthographicFront"/>
+      <a:lightRig rig="threePt" dir="t"/>
+    </dgm:scene3d>
+    <dgm:sp3d/>
+    <dgm:txPr/>
+    <dgm:style>
+      <a:lnRef idx="0">
+        <a:scrgbClr r="0" g="0" b="0"/>
+      </a:lnRef>
+      <a:fillRef idx="0">
+        <a:scrgbClr r="0" g="0" b="0"/>
+      </a:fillRef>
+      <a:effectRef idx="0">
+        <a:scrgbClr r="0" g="0" b="0"/>
+      </a:effectRef>
+      <a:fontRef idx="minor"/>
+    </dgm:style>
+  </dgm:styleLbl>
+</dgm:styleDef>
+</file>
+
+<file path=ppt/notesMasters/notesMaster1.xml><?xml version="1.0" encoding="utf-8"?>
+<p:notesMaster xmlns:a="http://schemas.openxmlformats.org/drawingml/2006/main" xmlns:r="http://schemas.openxmlformats.org/officeDocument/2006/relationships" xmlns:p="http://schemas.openxmlformats.org/presentationml/2006/main">
+  <p:cSld>
+    <p:bg>
+      <p:bgRef idx="1001">
+        <a:schemeClr val="bg1"/>
+      </p:bgRef>
+    </p:bg>
+    <p:spTree>
+      <p:nvGrpSpPr>
+        <p:cNvPr id="1" name=""/>
+        <p:cNvGrpSpPr/>
+        <p:nvPr/>
+      </p:nvGrpSpPr>
+      <p:grpSpPr>
+        <a:xfrm>
+          <a:off x="0" y="0"/>
+          <a:ext cx="0" cy="0"/>
+          <a:chOff x="0" y="0"/>
+          <a:chExt cx="0" cy="0"/>
+        </a:xfrm>
+      </p:grpSpPr>
+      <p:sp>
+        <p:nvSpPr>
+          <p:cNvPr id="2" name="Header Placeholder 1"/>
+          <p:cNvSpPr>
+            <a:spLocks noGrp="1"/>
+          </p:cNvSpPr>
+          <p:nvPr>
+            <p:ph type="hdr" sz="quarter"/>
+          </p:nvPr>
+        </p:nvSpPr>
+        <p:spPr>
+          <a:xfrm>
+            <a:off x="0" y="0"/>
+            <a:ext cx="2971800" cy="458788"/>
+          </a:xfrm>
+          <a:prstGeom prst="rect">
+            <a:avLst/>
+          </a:prstGeom>
+        </p:spPr>
+        <p:txBody>
+          <a:bodyPr vert="horz" lIns="91440" tIns="45720" rIns="91440" bIns="45720" rtlCol="0"/>
+          <a:lstStyle>
+            <a:lvl1pPr algn="l">
+              <a:defRPr sz="1200"/>
+            </a:lvl1pPr>
+          </a:lstStyle>
+          <a:p>
+            <a:endParaRPr lang="en-US"/>
+          </a:p>
+        </p:txBody>
+      </p:sp>
+      <p:sp>
+        <p:nvSpPr>
+          <p:cNvPr id="3" name="Date Placeholder 2"/>
+          <p:cNvSpPr>
+            <a:spLocks noGrp="1"/>
+          </p:cNvSpPr>
+          <p:nvPr>
+            <p:ph type="dt" idx="1"/>
+          </p:nvPr>
+        </p:nvSpPr>
+        <p:spPr>
+          <a:xfrm>
+            <a:off x="3884613" y="0"/>
+            <a:ext cx="2971800" cy="458788"/>
+          </a:xfrm>
+          <a:prstGeom prst="rect">
+            <a:avLst/>
+          </a:prstGeom>
+        </p:spPr>
+        <p:txBody>
+          <a:bodyPr vert="horz" lIns="91440" tIns="45720" rIns="91440" bIns="45720" rtlCol="0"/>
+          <a:lstStyle>
+            <a:lvl1pPr algn="r">
+              <a:defRPr sz="1200"/>
+            </a:lvl1pPr>
+          </a:lstStyle>
+          <a:p>
+            <a:fld id="{15F38C3B-E477-FA48-8FA4-9B2DC872A41E}" type="datetimeFigureOut">
+              <a:rPr lang="en-US" smtClean="0"/>
+              <a:t>10/27/20</a:t>
+            </a:fld>
+            <a:endParaRPr lang="en-US"/>
+          </a:p>
+        </p:txBody>
+      </p:sp>
+      <p:sp>
+        <p:nvSpPr>
+          <p:cNvPr id="4" name="Slide Image Placeholder 3"/>
+          <p:cNvSpPr>
+            <a:spLocks noGrp="1" noRot="1" noChangeAspect="1"/>
+          </p:cNvSpPr>
+          <p:nvPr>
+            <p:ph type="sldImg" idx="2"/>
+          </p:nvPr>
+        </p:nvSpPr>
+        <p:spPr>
+          <a:xfrm>
+            <a:off x="685800" y="1143000"/>
+            <a:ext cx="5486400" cy="3086100"/>
+          </a:xfrm>
+          <a:prstGeom prst="rect">
+            <a:avLst/>
+          </a:prstGeom>
+          <a:noFill/>
+          <a:ln w="12700">
+            <a:solidFill>
+              <a:prstClr val="black"/>
+            </a:solidFill>
+          </a:ln>
+        </p:spPr>
+        <p:txBody>
+          <a:bodyPr vert="horz" lIns="91440" tIns="45720" rIns="91440" bIns="45720" rtlCol="0" anchor="ctr"/>
+          <a:lstStyle/>
+          <a:p>
+            <a:endParaRPr lang="en-US"/>
+          </a:p>
+        </p:txBody>
+      </p:sp>
+      <p:sp>
+        <p:nvSpPr>
+          <p:cNvPr id="5" name="Notes Placeholder 4"/>
+          <p:cNvSpPr>
+            <a:spLocks noGrp="1"/>
+          </p:cNvSpPr>
+          <p:nvPr>
+            <p:ph type="body" sz="quarter" idx="3"/>
+          </p:nvPr>
+        </p:nvSpPr>
+        <p:spPr>
+          <a:xfrm>
+            <a:off x="685800" y="4400550"/>
+            <a:ext cx="5486400" cy="3600450"/>
+          </a:xfrm>
+          <a:prstGeom prst="rect">
+            <a:avLst/>
+          </a:prstGeom>
+        </p:spPr>
+        <p:txBody>
+          <a:bodyPr vert="horz" lIns="91440" tIns="45720" rIns="91440" bIns="45720" rtlCol="0"/>
+          <a:lstStyle/>
+          <a:p>
+            <a:pPr lvl="0"/>
+            <a:r>
+              <a:rPr lang="en-US"/>
+              <a:t>Click to edit Master text styles</a:t>
+            </a:r>
+          </a:p>
+          <a:p>
+            <a:pPr lvl="1"/>
+            <a:r>
+              <a:rPr lang="en-US"/>
+              <a:t>Second level</a:t>
+            </a:r>
+          </a:p>
+          <a:p>
+            <a:pPr lvl="2"/>
+            <a:r>
+              <a:rPr lang="en-US"/>
+              <a:t>Third level</a:t>
+            </a:r>
+          </a:p>
+          <a:p>
+            <a:pPr lvl="3"/>
+            <a:r>
+              <a:rPr lang="en-US"/>
+              <a:t>Fourth level</a:t>
+            </a:r>
+          </a:p>
+          <a:p>
+            <a:pPr lvl="4"/>
+            <a:r>
+              <a:rPr lang="en-US"/>
+              <a:t>Fifth level</a:t>
+            </a:r>
+          </a:p>
+        </p:txBody>
+      </p:sp>
+      <p:sp>
+        <p:nvSpPr>
+          <p:cNvPr id="6" name="Footer Placeholder 5"/>
+          <p:cNvSpPr>
+            <a:spLocks noGrp="1"/>
+          </p:cNvSpPr>
+          <p:nvPr>
+            <p:ph type="ftr" sz="quarter" idx="4"/>
+          </p:nvPr>
+        </p:nvSpPr>
+        <p:spPr>
+          <a:xfrm>
+            <a:off x="0" y="8685213"/>
+            <a:ext cx="2971800" cy="458787"/>
+          </a:xfrm>
+          <a:prstGeom prst="rect">
+            <a:avLst/>
+          </a:prstGeom>
+        </p:spPr>
+        <p:txBody>
+          <a:bodyPr vert="horz" lIns="91440" tIns="45720" rIns="91440" bIns="45720" rtlCol="0" anchor="b"/>
+          <a:lstStyle>
+            <a:lvl1pPr algn="l">
+              <a:defRPr sz="1200"/>
+            </a:lvl1pPr>
+          </a:lstStyle>
+          <a:p>
+            <a:endParaRPr lang="en-US"/>
+          </a:p>
+        </p:txBody>
+      </p:sp>
+      <p:sp>
+        <p:nvSpPr>
+          <p:cNvPr id="7" name="Slide Number Placeholder 6"/>
+          <p:cNvSpPr>
+            <a:spLocks noGrp="1"/>
+          </p:cNvSpPr>
+          <p:nvPr>
+            <p:ph type="sldNum" sz="quarter" idx="5"/>
+          </p:nvPr>
+        </p:nvSpPr>
+        <p:spPr>
+          <a:xfrm>
+            <a:off x="3884613" y="8685213"/>
+            <a:ext cx="2971800" cy="458787"/>
+          </a:xfrm>
+          <a:prstGeom prst="rect">
+            <a:avLst/>
+          </a:prstGeom>
+        </p:spPr>
+        <p:txBody>
+          <a:bodyPr vert="horz" lIns="91440" tIns="45720" rIns="91440" bIns="45720" rtlCol="0" anchor="b"/>
+          <a:lstStyle>
+            <a:lvl1pPr algn="r">
+              <a:defRPr sz="1200"/>
+            </a:lvl1pPr>
+          </a:lstStyle>
+          <a:p>
+            <a:fld id="{2F5ED30E-70CF-1A45-A4D6-A3EB0BC6F390}" type="slidenum">
+              <a:rPr lang="en-US" smtClean="0"/>
+              <a:t>‹#›</a:t>
+            </a:fld>
+            <a:endParaRPr lang="en-US"/>
+          </a:p>
+        </p:txBody>
+      </p:sp>
+    </p:spTree>
+    <p:extLst>
+      <p:ext uri="{BB962C8B-B14F-4D97-AF65-F5344CB8AC3E}">
+        <p14:creationId xmlns:p14="http://schemas.microsoft.com/office/powerpoint/2010/main" val="2721646800"/>
+      </p:ext>
+    </p:extLst>
+  </p:cSld>
+  <p:clrMap bg1="lt1" tx1="dk1" bg2="lt2" tx2="dk2" accent1="accent1" accent2="accent2" accent3="accent3" accent4="accent4" accent5="accent5" accent6="accent6" hlink="hlink" folHlink="folHlink"/>
+  <p:notesStyle>
+    <a:lvl1pPr marL="0" algn="l" defTabSz="914400" rtl="0" eaLnBrk="1" latinLnBrk="0" hangingPunct="1">
+      <a:defRPr sz="1200" kern="1200">
+        <a:solidFill>
+          <a:schemeClr val="tx1"/>
+        </a:solidFill>
+        <a:latin typeface="+mn-lt"/>
+        <a:ea typeface="+mn-ea"/>
+        <a:cs typeface="+mn-cs"/>
+      </a:defRPr>
+    </a:lvl1pPr>
+    <a:lvl2pPr marL="457200" algn="l" defTabSz="914400" rtl="0" eaLnBrk="1" latinLnBrk="0" hangingPunct="1">
+      <a:defRPr sz="1200" kern="1200">
+        <a:solidFill>
+          <a:schemeClr val="tx1"/>
+        </a:solidFill>
+        <a:latin typeface="+mn-lt"/>
+        <a:ea typeface="+mn-ea"/>
+        <a:cs typeface="+mn-cs"/>
+      </a:defRPr>
+    </a:lvl2pPr>
+    <a:lvl3pPr marL="914400" algn="l" defTabSz="914400" rtl="0" eaLnBrk="1" latinLnBrk="0" hangingPunct="1">
+      <a:defRPr sz="1200" kern="1200">
+        <a:solidFill>
+          <a:schemeClr val="tx1"/>
+        </a:solidFill>
+        <a:latin typeface="+mn-lt"/>
+        <a:ea typeface="+mn-ea"/>
+        <a:cs typeface="+mn-cs"/>
+      </a:defRPr>
+    </a:lvl3pPr>
+    <a:lvl4pPr marL="1371600" algn="l" defTabSz="914400" rtl="0" eaLnBrk="1" latinLnBrk="0" hangingPunct="1">
+      <a:defRPr sz="1200" kern="1200">
+        <a:solidFill>
+          <a:schemeClr val="tx1"/>
+        </a:solidFill>
+        <a:latin typeface="+mn-lt"/>
+        <a:ea typeface="+mn-ea"/>
+        <a:cs typeface="+mn-cs"/>
+      </a:defRPr>
+    </a:lvl4pPr>
+    <a:lvl5pPr marL="1828800" algn="l" defTabSz="914400" rtl="0" eaLnBrk="1" latinLnBrk="0" hangingPunct="1">
+      <a:defRPr sz="1200" kern="1200">
+        <a:solidFill>
+          <a:schemeClr val="tx1"/>
+        </a:solidFill>
+        <a:latin typeface="+mn-lt"/>
+        <a:ea typeface="+mn-ea"/>
+        <a:cs typeface="+mn-cs"/>
+      </a:defRPr>
+    </a:lvl5pPr>
+    <a:lvl6pPr marL="2286000" algn="l" defTabSz="914400" rtl="0" eaLnBrk="1" latinLnBrk="0" hangingPunct="1">
+      <a:defRPr sz="1200" kern="1200">
+        <a:solidFill>
+          <a:schemeClr val="tx1"/>
+        </a:solidFill>
+        <a:latin typeface="+mn-lt"/>
+        <a:ea typeface="+mn-ea"/>
+        <a:cs typeface="+mn-cs"/>
+      </a:defRPr>
+    </a:lvl6pPr>
+    <a:lvl7pPr marL="2743200" algn="l" defTabSz="914400" rtl="0" eaLnBrk="1" latinLnBrk="0" hangingPunct="1">
+      <a:defRPr sz="1200" kern="1200">
+        <a:solidFill>
+          <a:schemeClr val="tx1"/>
+        </a:solidFill>
+        <a:latin typeface="+mn-lt"/>
+        <a:ea typeface="+mn-ea"/>
+        <a:cs typeface="+mn-cs"/>
+      </a:defRPr>
+    </a:lvl7pPr>
+    <a:lvl8pPr marL="3200400" algn="l" defTabSz="914400" rtl="0" eaLnBrk="1" latinLnBrk="0" hangingPunct="1">
+      <a:defRPr sz="1200" kern="1200">
+        <a:solidFill>
+          <a:schemeClr val="tx1"/>
+        </a:solidFill>
+        <a:latin typeface="+mn-lt"/>
+        <a:ea typeface="+mn-ea"/>
+        <a:cs typeface="+mn-cs"/>
+      </a:defRPr>
+    </a:lvl8pPr>
+    <a:lvl9pPr marL="3657600" algn="l" defTabSz="914400" rtl="0" eaLnBrk="1" latinLnBrk="0" hangingPunct="1">
+      <a:defRPr sz="1200" kern="1200">
+        <a:solidFill>
+          <a:schemeClr val="tx1"/>
+        </a:solidFill>
+        <a:latin typeface="+mn-lt"/>
+        <a:ea typeface="+mn-ea"/>
+        <a:cs typeface="+mn-cs"/>
+      </a:defRPr>
+    </a:lvl9pPr>
+  </p:notesStyle>
+</p:notesMaster>
+</file>
+
 <file path=ppt/slideLayouts/slideLayout1.xml><?xml version="1.0" encoding="utf-8"?>
 <p:sldLayout xmlns:a="http://schemas.openxmlformats.org/drawingml/2006/main" xmlns:r="http://schemas.openxmlformats.org/officeDocument/2006/relationships" xmlns:p="http://schemas.openxmlformats.org/presentationml/2006/main" type="title" preserve="1">
   <p:cSld name="Title Slide">
@@ -262,7 +3411,7 @@
           <a:p>
             <a:fld id="{43622750-2962-D449-B89A-D9515C725F02}" type="datetimeFigureOut">
               <a:rPr lang="en-US" smtClean="0"/>
-              <a:t>10/22/20</a:t>
+              <a:t>10/27/20</a:t>
             </a:fld>
             <a:endParaRPr lang="en-US"/>
           </a:p>
@@ -460,7 +3609,7 @@
           <a:p>
             <a:fld id="{43622750-2962-D449-B89A-D9515C725F02}" type="datetimeFigureOut">
               <a:rPr lang="en-US" smtClean="0"/>
-              <a:t>10/22/20</a:t>
+              <a:t>10/27/20</a:t>
             </a:fld>
             <a:endParaRPr lang="en-US"/>
           </a:p>
@@ -668,7 +3817,7 @@
           <a:p>
             <a:fld id="{43622750-2962-D449-B89A-D9515C725F02}" type="datetimeFigureOut">
               <a:rPr lang="en-US" smtClean="0"/>
-              <a:t>10/22/20</a:t>
+              <a:t>10/27/20</a:t>
             </a:fld>
             <a:endParaRPr lang="en-US"/>
           </a:p>
@@ -866,7 +4015,7 @@
           <a:p>
             <a:fld id="{43622750-2962-D449-B89A-D9515C725F02}" type="datetimeFigureOut">
               <a:rPr lang="en-US" smtClean="0"/>
-              <a:t>10/22/20</a:t>
+              <a:t>10/27/20</a:t>
             </a:fld>
             <a:endParaRPr lang="en-US"/>
           </a:p>
@@ -1141,7 +4290,7 @@
           <a:p>
             <a:fld id="{43622750-2962-D449-B89A-D9515C725F02}" type="datetimeFigureOut">
               <a:rPr lang="en-US" smtClean="0"/>
-              <a:t>10/22/20</a:t>
+              <a:t>10/27/20</a:t>
             </a:fld>
             <a:endParaRPr lang="en-US"/>
           </a:p>
@@ -1406,7 +4555,7 @@
           <a:p>
             <a:fld id="{43622750-2962-D449-B89A-D9515C725F02}" type="datetimeFigureOut">
               <a:rPr lang="en-US" smtClean="0"/>
-              <a:t>10/22/20</a:t>
+              <a:t>10/27/20</a:t>
             </a:fld>
             <a:endParaRPr lang="en-US"/>
           </a:p>
@@ -1818,7 +4967,7 @@
           <a:p>
             <a:fld id="{43622750-2962-D449-B89A-D9515C725F02}" type="datetimeFigureOut">
               <a:rPr lang="en-US" smtClean="0"/>
-              <a:t>10/22/20</a:t>
+              <a:t>10/27/20</a:t>
             </a:fld>
             <a:endParaRPr lang="en-US"/>
           </a:p>
@@ -1959,7 +5108,7 @@
           <a:p>
             <a:fld id="{43622750-2962-D449-B89A-D9515C725F02}" type="datetimeFigureOut">
               <a:rPr lang="en-US" smtClean="0"/>
-              <a:t>10/22/20</a:t>
+              <a:t>10/27/20</a:t>
             </a:fld>
             <a:endParaRPr lang="en-US"/>
           </a:p>
@@ -2072,7 +5221,7 @@
           <a:p>
             <a:fld id="{43622750-2962-D449-B89A-D9515C725F02}" type="datetimeFigureOut">
               <a:rPr lang="en-US" smtClean="0"/>
-              <a:t>10/22/20</a:t>
+              <a:t>10/27/20</a:t>
             </a:fld>
             <a:endParaRPr lang="en-US"/>
           </a:p>
@@ -2383,7 +5532,7 @@
           <a:p>
             <a:fld id="{43622750-2962-D449-B89A-D9515C725F02}" type="datetimeFigureOut">
               <a:rPr lang="en-US" smtClean="0"/>
-              <a:t>10/22/20</a:t>
+              <a:t>10/27/20</a:t>
             </a:fld>
             <a:endParaRPr lang="en-US"/>
           </a:p>
@@ -2671,7 +5820,7 @@
           <a:p>
             <a:fld id="{43622750-2962-D449-B89A-D9515C725F02}" type="datetimeFigureOut">
               <a:rPr lang="en-US" smtClean="0"/>
-              <a:t>10/22/20</a:t>
+              <a:t>10/27/20</a:t>
             </a:fld>
             <a:endParaRPr lang="en-US"/>
           </a:p>
@@ -2912,7 +6061,7 @@
           <a:p>
             <a:fld id="{43622750-2962-D449-B89A-D9515C725F02}" type="datetimeFigureOut">
               <a:rPr lang="en-US" smtClean="0"/>
-              <a:t>10/22/20</a:t>
+              <a:t>10/27/20</a:t>
             </a:fld>
             <a:endParaRPr lang="en-US"/>
           </a:p>
@@ -3755,7 +6904,1151 @@
 </p:sld>
 </file>
 
-<file path=ppt/slides/slide2.xml><?xml version="1.0" encoding="utf-8"?>
+<file path=ppt/slides/slide10.xml><?xml version="1.0" encoding="utf-8"?>
+<p:sld xmlns:a="http://schemas.openxmlformats.org/drawingml/2006/main" xmlns:r="http://schemas.openxmlformats.org/officeDocument/2006/relationships" xmlns:p="http://schemas.openxmlformats.org/presentationml/2006/main">
+  <p:cSld>
+    <p:spTree>
+      <p:nvGrpSpPr>
+        <p:cNvPr id="1" name=""/>
+        <p:cNvGrpSpPr/>
+        <p:nvPr/>
+      </p:nvGrpSpPr>
+      <p:grpSpPr>
+        <a:xfrm>
+          <a:off x="0" y="0"/>
+          <a:ext cx="0" cy="0"/>
+          <a:chOff x="0" y="0"/>
+          <a:chExt cx="0" cy="0"/>
+        </a:xfrm>
+      </p:grpSpPr>
+      <p:sp>
+        <p:nvSpPr>
+          <p:cNvPr id="2" name="Title 1">
+            <a:extLst>
+              <a:ext uri="{FF2B5EF4-FFF2-40B4-BE49-F238E27FC236}">
+                <a16:creationId xmlns:a16="http://schemas.microsoft.com/office/drawing/2014/main" id="{21E402E3-9543-4242-BE79-24BBEC0F6EA0}"/>
+              </a:ext>
+            </a:extLst>
+          </p:cNvPr>
+          <p:cNvSpPr>
+            <a:spLocks noGrp="1"/>
+          </p:cNvSpPr>
+          <p:nvPr>
+            <p:ph type="title"/>
+          </p:nvPr>
+        </p:nvSpPr>
+        <p:spPr/>
+        <p:txBody>
+          <a:bodyPr/>
+          <a:lstStyle/>
+          <a:p>
+            <a:r>
+              <a:rPr lang="en-US" dirty="0"/>
+              <a:t>Results (</a:t>
+            </a:r>
+            <a:r>
+              <a:rPr lang="en-US" dirty="0" err="1"/>
+              <a:t>RandomForest</a:t>
+            </a:r>
+            <a:r>
+              <a:rPr lang="en-US" dirty="0"/>
+              <a:t> Model)</a:t>
+            </a:r>
+          </a:p>
+        </p:txBody>
+      </p:sp>
+      <p:graphicFrame>
+        <p:nvGraphicFramePr>
+          <p:cNvPr id="4" name="Table 4">
+            <a:extLst>
+              <a:ext uri="{FF2B5EF4-FFF2-40B4-BE49-F238E27FC236}">
+                <a16:creationId xmlns:a16="http://schemas.microsoft.com/office/drawing/2014/main" id="{615F530F-17ED-CE44-ACB1-0C473A3573E5}"/>
+              </a:ext>
+            </a:extLst>
+          </p:cNvPr>
+          <p:cNvGraphicFramePr>
+            <a:graphicFrameLocks noGrp="1"/>
+          </p:cNvGraphicFramePr>
+          <p:nvPr>
+            <p:ph idx="1"/>
+            <p:extLst>
+              <p:ext uri="{D42A27DB-BD31-4B8C-83A1-F6EECF244321}">
+                <p14:modId xmlns:p14="http://schemas.microsoft.com/office/powerpoint/2010/main" val="4001449433"/>
+              </p:ext>
+            </p:extLst>
+          </p:nvPr>
+        </p:nvGraphicFramePr>
+        <p:xfrm>
+          <a:off x="155028" y="1878177"/>
+          <a:ext cx="10515600" cy="1112520"/>
+        </p:xfrm>
+        <a:graphic>
+          <a:graphicData uri="http://schemas.openxmlformats.org/drawingml/2006/table">
+            <a:tbl>
+              <a:tblPr firstRow="1" bandRow="1">
+                <a:tableStyleId>{5C22544A-7EE6-4342-B048-85BDC9FD1C3A}</a:tableStyleId>
+              </a:tblPr>
+              <a:tblGrid>
+                <a:gridCol w="2103120">
+                  <a:extLst>
+                    <a:ext uri="{9D8B030D-6E8A-4147-A177-3AD203B41FA5}">
+                      <a16:colId xmlns:a16="http://schemas.microsoft.com/office/drawing/2014/main" val="2340098262"/>
+                    </a:ext>
+                  </a:extLst>
+                </a:gridCol>
+                <a:gridCol w="2103120">
+                  <a:extLst>
+                    <a:ext uri="{9D8B030D-6E8A-4147-A177-3AD203B41FA5}">
+                      <a16:colId xmlns:a16="http://schemas.microsoft.com/office/drawing/2014/main" val="516100207"/>
+                    </a:ext>
+                  </a:extLst>
+                </a:gridCol>
+                <a:gridCol w="2103120">
+                  <a:extLst>
+                    <a:ext uri="{9D8B030D-6E8A-4147-A177-3AD203B41FA5}">
+                      <a16:colId xmlns:a16="http://schemas.microsoft.com/office/drawing/2014/main" val="369990542"/>
+                    </a:ext>
+                  </a:extLst>
+                </a:gridCol>
+                <a:gridCol w="2103120">
+                  <a:extLst>
+                    <a:ext uri="{9D8B030D-6E8A-4147-A177-3AD203B41FA5}">
+                      <a16:colId xmlns:a16="http://schemas.microsoft.com/office/drawing/2014/main" val="3002962390"/>
+                    </a:ext>
+                  </a:extLst>
+                </a:gridCol>
+                <a:gridCol w="2103120">
+                  <a:extLst>
+                    <a:ext uri="{9D8B030D-6E8A-4147-A177-3AD203B41FA5}">
+                      <a16:colId xmlns:a16="http://schemas.microsoft.com/office/drawing/2014/main" val="3654793960"/>
+                    </a:ext>
+                  </a:extLst>
+                </a:gridCol>
+              </a:tblGrid>
+              <a:tr h="370840">
+                <a:tc>
+                  <a:txBody>
+                    <a:bodyPr/>
+                    <a:lstStyle/>
+                    <a:p>
+                      <a:endParaRPr lang="en-US" dirty="0"/>
+                    </a:p>
+                  </a:txBody>
+                  <a:tcPr/>
+                </a:tc>
+                <a:tc>
+                  <a:txBody>
+                    <a:bodyPr/>
+                    <a:lstStyle/>
+                    <a:p>
+                      <a:r>
+                        <a:rPr lang="en-US" dirty="0"/>
+                        <a:t>Precision</a:t>
+                      </a:r>
+                    </a:p>
+                  </a:txBody>
+                  <a:tcPr/>
+                </a:tc>
+                <a:tc>
+                  <a:txBody>
+                    <a:bodyPr/>
+                    <a:lstStyle/>
+                    <a:p>
+                      <a:r>
+                        <a:rPr lang="en-US" dirty="0"/>
+                        <a:t>Recall</a:t>
+                      </a:r>
+                    </a:p>
+                  </a:txBody>
+                  <a:tcPr/>
+                </a:tc>
+                <a:tc>
+                  <a:txBody>
+                    <a:bodyPr/>
+                    <a:lstStyle/>
+                    <a:p>
+                      <a:r>
+                        <a:rPr lang="en-US" dirty="0"/>
+                        <a:t>F1-Score</a:t>
+                      </a:r>
+                    </a:p>
+                  </a:txBody>
+                  <a:tcPr/>
+                </a:tc>
+                <a:tc>
+                  <a:txBody>
+                    <a:bodyPr/>
+                    <a:lstStyle/>
+                    <a:p>
+                      <a:r>
+                        <a:rPr lang="en-US" dirty="0"/>
+                        <a:t>Support</a:t>
+                      </a:r>
+                    </a:p>
+                  </a:txBody>
+                  <a:tcPr/>
+                </a:tc>
+                <a:extLst>
+                  <a:ext uri="{0D108BD9-81ED-4DB2-BD59-A6C34878D82A}">
+                    <a16:rowId xmlns:a16="http://schemas.microsoft.com/office/drawing/2014/main" val="1373995314"/>
+                  </a:ext>
+                </a:extLst>
+              </a:tr>
+              <a:tr h="370840">
+                <a:tc>
+                  <a:txBody>
+                    <a:bodyPr/>
+                    <a:lstStyle/>
+                    <a:p>
+                      <a:r>
+                        <a:rPr lang="en-US" dirty="0" err="1"/>
+                        <a:t>NotFraud</a:t>
+                      </a:r>
+                      <a:endParaRPr lang="en-US" dirty="0"/>
+                    </a:p>
+                  </a:txBody>
+                  <a:tcPr/>
+                </a:tc>
+                <a:tc>
+                  <a:txBody>
+                    <a:bodyPr/>
+                    <a:lstStyle/>
+                    <a:p>
+                      <a:r>
+                        <a:rPr lang="en-US" dirty="0"/>
+                        <a:t>1.00</a:t>
+                      </a:r>
+                    </a:p>
+                  </a:txBody>
+                  <a:tcPr/>
+                </a:tc>
+                <a:tc>
+                  <a:txBody>
+                    <a:bodyPr/>
+                    <a:lstStyle/>
+                    <a:p>
+                      <a:r>
+                        <a:rPr lang="en-US" dirty="0"/>
+                        <a:t>1.00</a:t>
+                      </a:r>
+                    </a:p>
+                  </a:txBody>
+                  <a:tcPr/>
+                </a:tc>
+                <a:tc>
+                  <a:txBody>
+                    <a:bodyPr/>
+                    <a:lstStyle/>
+                    <a:p>
+                      <a:r>
+                        <a:rPr lang="en-US" dirty="0"/>
+                        <a:t>1.00</a:t>
+                      </a:r>
+                    </a:p>
+                  </a:txBody>
+                  <a:tcPr/>
+                </a:tc>
+                <a:tc>
+                  <a:txBody>
+                    <a:bodyPr/>
+                    <a:lstStyle/>
+                    <a:p>
+                      <a:r>
+                        <a:rPr lang="en-US" dirty="0"/>
+                        <a:t>635439</a:t>
+                      </a:r>
+                    </a:p>
+                  </a:txBody>
+                  <a:tcPr/>
+                </a:tc>
+                <a:extLst>
+                  <a:ext uri="{0D108BD9-81ED-4DB2-BD59-A6C34878D82A}">
+                    <a16:rowId xmlns:a16="http://schemas.microsoft.com/office/drawing/2014/main" val="3681334887"/>
+                  </a:ext>
+                </a:extLst>
+              </a:tr>
+              <a:tr h="370840">
+                <a:tc>
+                  <a:txBody>
+                    <a:bodyPr/>
+                    <a:lstStyle/>
+                    <a:p>
+                      <a:r>
+                        <a:rPr lang="en-US" dirty="0"/>
+                        <a:t>Fraud</a:t>
+                      </a:r>
+                    </a:p>
+                  </a:txBody>
+                  <a:tcPr/>
+                </a:tc>
+                <a:tc>
+                  <a:txBody>
+                    <a:bodyPr/>
+                    <a:lstStyle/>
+                    <a:p>
+                      <a:r>
+                        <a:rPr lang="en-US" dirty="0"/>
+                        <a:t>0.99</a:t>
+                      </a:r>
+                    </a:p>
+                  </a:txBody>
+                  <a:tcPr/>
+                </a:tc>
+                <a:tc>
+                  <a:txBody>
+                    <a:bodyPr/>
+                    <a:lstStyle/>
+                    <a:p>
+                      <a:r>
+                        <a:rPr lang="en-US" dirty="0"/>
+                        <a:t>0.89</a:t>
+                      </a:r>
+                    </a:p>
+                  </a:txBody>
+                  <a:tcPr/>
+                </a:tc>
+                <a:tc>
+                  <a:txBody>
+                    <a:bodyPr/>
+                    <a:lstStyle/>
+                    <a:p>
+                      <a:r>
+                        <a:rPr lang="en-US" dirty="0"/>
+                        <a:t>0.94</a:t>
+                      </a:r>
+                    </a:p>
+                  </a:txBody>
+                  <a:tcPr/>
+                </a:tc>
+                <a:tc>
+                  <a:txBody>
+                    <a:bodyPr/>
+                    <a:lstStyle/>
+                    <a:p>
+                      <a:r>
+                        <a:rPr lang="en-US" dirty="0"/>
+                        <a:t>824</a:t>
+                      </a:r>
+                    </a:p>
+                  </a:txBody>
+                  <a:tcPr/>
+                </a:tc>
+                <a:extLst>
+                  <a:ext uri="{0D108BD9-81ED-4DB2-BD59-A6C34878D82A}">
+                    <a16:rowId xmlns:a16="http://schemas.microsoft.com/office/drawing/2014/main" val="204789228"/>
+                  </a:ext>
+                </a:extLst>
+              </a:tr>
+            </a:tbl>
+          </a:graphicData>
+        </a:graphic>
+      </p:graphicFrame>
+      <p:graphicFrame>
+        <p:nvGraphicFramePr>
+          <p:cNvPr id="5" name="Table 4">
+            <a:extLst>
+              <a:ext uri="{FF2B5EF4-FFF2-40B4-BE49-F238E27FC236}">
+                <a16:creationId xmlns:a16="http://schemas.microsoft.com/office/drawing/2014/main" id="{F1D24A06-2E0D-1B4C-9FDA-4682BD5080D9}"/>
+              </a:ext>
+            </a:extLst>
+          </p:cNvPr>
+          <p:cNvGraphicFramePr>
+            <a:graphicFrameLocks/>
+          </p:cNvGraphicFramePr>
+          <p:nvPr>
+            <p:extLst>
+              <p:ext uri="{D42A27DB-BD31-4B8C-83A1-F6EECF244321}">
+                <p14:modId xmlns:p14="http://schemas.microsoft.com/office/powerpoint/2010/main" val="59383392"/>
+              </p:ext>
+            </p:extLst>
+          </p:nvPr>
+        </p:nvGraphicFramePr>
+        <p:xfrm>
+          <a:off x="155028" y="3311044"/>
+          <a:ext cx="10515600" cy="1483360"/>
+        </p:xfrm>
+        <a:graphic>
+          <a:graphicData uri="http://schemas.openxmlformats.org/drawingml/2006/table">
+            <a:tbl>
+              <a:tblPr firstRow="1" bandRow="1">
+                <a:tableStyleId>{5C22544A-7EE6-4342-B048-85BDC9FD1C3A}</a:tableStyleId>
+              </a:tblPr>
+              <a:tblGrid>
+                <a:gridCol w="2103120">
+                  <a:extLst>
+                    <a:ext uri="{9D8B030D-6E8A-4147-A177-3AD203B41FA5}">
+                      <a16:colId xmlns:a16="http://schemas.microsoft.com/office/drawing/2014/main" val="2340098262"/>
+                    </a:ext>
+                  </a:extLst>
+                </a:gridCol>
+                <a:gridCol w="2103120">
+                  <a:extLst>
+                    <a:ext uri="{9D8B030D-6E8A-4147-A177-3AD203B41FA5}">
+                      <a16:colId xmlns:a16="http://schemas.microsoft.com/office/drawing/2014/main" val="516100207"/>
+                    </a:ext>
+                  </a:extLst>
+                </a:gridCol>
+                <a:gridCol w="2103120">
+                  <a:extLst>
+                    <a:ext uri="{9D8B030D-6E8A-4147-A177-3AD203B41FA5}">
+                      <a16:colId xmlns:a16="http://schemas.microsoft.com/office/drawing/2014/main" val="369990542"/>
+                    </a:ext>
+                  </a:extLst>
+                </a:gridCol>
+                <a:gridCol w="2103120">
+                  <a:extLst>
+                    <a:ext uri="{9D8B030D-6E8A-4147-A177-3AD203B41FA5}">
+                      <a16:colId xmlns:a16="http://schemas.microsoft.com/office/drawing/2014/main" val="3002962390"/>
+                    </a:ext>
+                  </a:extLst>
+                </a:gridCol>
+                <a:gridCol w="2103120">
+                  <a:extLst>
+                    <a:ext uri="{9D8B030D-6E8A-4147-A177-3AD203B41FA5}">
+                      <a16:colId xmlns:a16="http://schemas.microsoft.com/office/drawing/2014/main" val="3654793960"/>
+                    </a:ext>
+                  </a:extLst>
+                </a:gridCol>
+              </a:tblGrid>
+              <a:tr h="370840">
+                <a:tc>
+                  <a:txBody>
+                    <a:bodyPr/>
+                    <a:lstStyle/>
+                    <a:p>
+                      <a:endParaRPr lang="en-US" dirty="0"/>
+                    </a:p>
+                  </a:txBody>
+                  <a:tcPr/>
+                </a:tc>
+                <a:tc>
+                  <a:txBody>
+                    <a:bodyPr/>
+                    <a:lstStyle/>
+                    <a:p>
+                      <a:endParaRPr lang="en-US" dirty="0"/>
+                    </a:p>
+                  </a:txBody>
+                  <a:tcPr/>
+                </a:tc>
+                <a:tc>
+                  <a:txBody>
+                    <a:bodyPr/>
+                    <a:lstStyle/>
+                    <a:p>
+                      <a:endParaRPr lang="en-US" dirty="0"/>
+                    </a:p>
+                  </a:txBody>
+                  <a:tcPr/>
+                </a:tc>
+                <a:tc>
+                  <a:txBody>
+                    <a:bodyPr/>
+                    <a:lstStyle/>
+                    <a:p>
+                      <a:r>
+                        <a:rPr lang="en-US" dirty="0"/>
+                        <a:t>F1-Score</a:t>
+                      </a:r>
+                    </a:p>
+                  </a:txBody>
+                  <a:tcPr/>
+                </a:tc>
+                <a:tc>
+                  <a:txBody>
+                    <a:bodyPr/>
+                    <a:lstStyle/>
+                    <a:p>
+                      <a:r>
+                        <a:rPr lang="en-US" dirty="0"/>
+                        <a:t>Support</a:t>
+                      </a:r>
+                    </a:p>
+                  </a:txBody>
+                  <a:tcPr/>
+                </a:tc>
+                <a:extLst>
+                  <a:ext uri="{0D108BD9-81ED-4DB2-BD59-A6C34878D82A}">
+                    <a16:rowId xmlns:a16="http://schemas.microsoft.com/office/drawing/2014/main" val="1373995314"/>
+                  </a:ext>
+                </a:extLst>
+              </a:tr>
+              <a:tr h="370840">
+                <a:tc>
+                  <a:txBody>
+                    <a:bodyPr/>
+                    <a:lstStyle/>
+                    <a:p>
+                      <a:r>
+                        <a:rPr lang="en-US" dirty="0"/>
+                        <a:t>Accuracy</a:t>
+                      </a:r>
+                    </a:p>
+                  </a:txBody>
+                  <a:tcPr/>
+                </a:tc>
+                <a:tc>
+                  <a:txBody>
+                    <a:bodyPr/>
+                    <a:lstStyle/>
+                    <a:p>
+                      <a:endParaRPr lang="en-US" dirty="0"/>
+                    </a:p>
+                  </a:txBody>
+                  <a:tcPr/>
+                </a:tc>
+                <a:tc>
+                  <a:txBody>
+                    <a:bodyPr/>
+                    <a:lstStyle/>
+                    <a:p>
+                      <a:endParaRPr lang="en-US" dirty="0"/>
+                    </a:p>
+                  </a:txBody>
+                  <a:tcPr/>
+                </a:tc>
+                <a:tc>
+                  <a:txBody>
+                    <a:bodyPr/>
+                    <a:lstStyle/>
+                    <a:p>
+                      <a:r>
+                        <a:rPr lang="en-US" dirty="0"/>
+                        <a:t>1.00</a:t>
+                      </a:r>
+                    </a:p>
+                  </a:txBody>
+                  <a:tcPr/>
+                </a:tc>
+                <a:tc>
+                  <a:txBody>
+                    <a:bodyPr/>
+                    <a:lstStyle/>
+                    <a:p>
+                      <a:r>
+                        <a:rPr lang="en-US" dirty="0"/>
+                        <a:t>636263</a:t>
+                      </a:r>
+                    </a:p>
+                  </a:txBody>
+                  <a:tcPr/>
+                </a:tc>
+                <a:extLst>
+                  <a:ext uri="{0D108BD9-81ED-4DB2-BD59-A6C34878D82A}">
+                    <a16:rowId xmlns:a16="http://schemas.microsoft.com/office/drawing/2014/main" val="3681334887"/>
+                  </a:ext>
+                </a:extLst>
+              </a:tr>
+              <a:tr h="370840">
+                <a:tc>
+                  <a:txBody>
+                    <a:bodyPr/>
+                    <a:lstStyle/>
+                    <a:p>
+                      <a:r>
+                        <a:rPr lang="en-US" dirty="0"/>
+                        <a:t>Macro Avg</a:t>
+                      </a:r>
+                    </a:p>
+                  </a:txBody>
+                  <a:tcPr/>
+                </a:tc>
+                <a:tc>
+                  <a:txBody>
+                    <a:bodyPr/>
+                    <a:lstStyle/>
+                    <a:p>
+                      <a:r>
+                        <a:rPr lang="en-US" dirty="0"/>
+                        <a:t>1.00</a:t>
+                      </a:r>
+                    </a:p>
+                  </a:txBody>
+                  <a:tcPr/>
+                </a:tc>
+                <a:tc>
+                  <a:txBody>
+                    <a:bodyPr/>
+                    <a:lstStyle/>
+                    <a:p>
+                      <a:r>
+                        <a:rPr lang="en-US" dirty="0"/>
+                        <a:t>0.95</a:t>
+                      </a:r>
+                    </a:p>
+                  </a:txBody>
+                  <a:tcPr/>
+                </a:tc>
+                <a:tc>
+                  <a:txBody>
+                    <a:bodyPr/>
+                    <a:lstStyle/>
+                    <a:p>
+                      <a:r>
+                        <a:rPr lang="en-US" dirty="0"/>
+                        <a:t>0.97</a:t>
+                      </a:r>
+                    </a:p>
+                  </a:txBody>
+                  <a:tcPr/>
+                </a:tc>
+                <a:tc>
+                  <a:txBody>
+                    <a:bodyPr/>
+                    <a:lstStyle/>
+                    <a:p>
+                      <a:r>
+                        <a:rPr lang="en-US" dirty="0"/>
+                        <a:t>636263</a:t>
+                      </a:r>
+                    </a:p>
+                  </a:txBody>
+                  <a:tcPr/>
+                </a:tc>
+                <a:extLst>
+                  <a:ext uri="{0D108BD9-81ED-4DB2-BD59-A6C34878D82A}">
+                    <a16:rowId xmlns:a16="http://schemas.microsoft.com/office/drawing/2014/main" val="204789228"/>
+                  </a:ext>
+                </a:extLst>
+              </a:tr>
+              <a:tr h="370840">
+                <a:tc>
+                  <a:txBody>
+                    <a:bodyPr/>
+                    <a:lstStyle/>
+                    <a:p>
+                      <a:r>
+                        <a:rPr lang="en-US" dirty="0"/>
+                        <a:t>Weighted Avg</a:t>
+                      </a:r>
+                    </a:p>
+                  </a:txBody>
+                  <a:tcPr/>
+                </a:tc>
+                <a:tc>
+                  <a:txBody>
+                    <a:bodyPr/>
+                    <a:lstStyle/>
+                    <a:p>
+                      <a:r>
+                        <a:rPr lang="en-US" dirty="0"/>
+                        <a:t>1.00</a:t>
+                      </a:r>
+                    </a:p>
+                  </a:txBody>
+                  <a:tcPr/>
+                </a:tc>
+                <a:tc>
+                  <a:txBody>
+                    <a:bodyPr/>
+                    <a:lstStyle/>
+                    <a:p>
+                      <a:r>
+                        <a:rPr lang="en-US" dirty="0"/>
+                        <a:t>1.00</a:t>
+                      </a:r>
+                    </a:p>
+                  </a:txBody>
+                  <a:tcPr/>
+                </a:tc>
+                <a:tc>
+                  <a:txBody>
+                    <a:bodyPr/>
+                    <a:lstStyle/>
+                    <a:p>
+                      <a:r>
+                        <a:rPr lang="en-US" dirty="0"/>
+                        <a:t>1.00</a:t>
+                      </a:r>
+                    </a:p>
+                  </a:txBody>
+                  <a:tcPr/>
+                </a:tc>
+                <a:tc>
+                  <a:txBody>
+                    <a:bodyPr/>
+                    <a:lstStyle/>
+                    <a:p>
+                      <a:r>
+                        <a:rPr lang="en-US" dirty="0"/>
+                        <a:t>636263</a:t>
+                      </a:r>
+                    </a:p>
+                  </a:txBody>
+                  <a:tcPr/>
+                </a:tc>
+                <a:extLst>
+                  <a:ext uri="{0D108BD9-81ED-4DB2-BD59-A6C34878D82A}">
+                    <a16:rowId xmlns:a16="http://schemas.microsoft.com/office/drawing/2014/main" val="1203291905"/>
+                  </a:ext>
+                </a:extLst>
+              </a:tr>
+            </a:tbl>
+          </a:graphicData>
+        </a:graphic>
+      </p:graphicFrame>
+    </p:spTree>
+    <p:extLst>
+      <p:ext uri="{BB962C8B-B14F-4D97-AF65-F5344CB8AC3E}">
+        <p14:creationId xmlns:p14="http://schemas.microsoft.com/office/powerpoint/2010/main" val="1419467956"/>
+      </p:ext>
+    </p:extLst>
+  </p:cSld>
+  <p:clrMapOvr>
+    <a:masterClrMapping/>
+  </p:clrMapOvr>
+</p:sld>
+</file>
+
+<file path=ppt/slides/slide11.xml><?xml version="1.0" encoding="utf-8"?>
+<p:sld xmlns:a="http://schemas.openxmlformats.org/drawingml/2006/main" xmlns:r="http://schemas.openxmlformats.org/officeDocument/2006/relationships" xmlns:p="http://schemas.openxmlformats.org/presentationml/2006/main">
+  <p:cSld>
+    <p:spTree>
+      <p:nvGrpSpPr>
+        <p:cNvPr id="1" name=""/>
+        <p:cNvGrpSpPr/>
+        <p:nvPr/>
+      </p:nvGrpSpPr>
+      <p:grpSpPr>
+        <a:xfrm>
+          <a:off x="0" y="0"/>
+          <a:ext cx="0" cy="0"/>
+          <a:chOff x="0" y="0"/>
+          <a:chExt cx="0" cy="0"/>
+        </a:xfrm>
+      </p:grpSpPr>
+      <p:sp>
+        <p:nvSpPr>
+          <p:cNvPr id="2" name="Title 1">
+            <a:extLst>
+              <a:ext uri="{FF2B5EF4-FFF2-40B4-BE49-F238E27FC236}">
+                <a16:creationId xmlns:a16="http://schemas.microsoft.com/office/drawing/2014/main" id="{DEEEACB3-D179-9B48-A1EB-39B3C848936E}"/>
+              </a:ext>
+            </a:extLst>
+          </p:cNvPr>
+          <p:cNvSpPr>
+            <a:spLocks noGrp="1"/>
+          </p:cNvSpPr>
+          <p:nvPr>
+            <p:ph type="title"/>
+          </p:nvPr>
+        </p:nvSpPr>
+        <p:spPr/>
+        <p:txBody>
+          <a:bodyPr/>
+          <a:lstStyle/>
+          <a:p>
+            <a:r>
+              <a:rPr lang="en-US" dirty="0"/>
+              <a:t>Conclusions</a:t>
+            </a:r>
+          </a:p>
+        </p:txBody>
+      </p:sp>
+      <p:sp>
+        <p:nvSpPr>
+          <p:cNvPr id="3" name="Content Placeholder 2">
+            <a:extLst>
+              <a:ext uri="{FF2B5EF4-FFF2-40B4-BE49-F238E27FC236}">
+                <a16:creationId xmlns:a16="http://schemas.microsoft.com/office/drawing/2014/main" id="{17B6EB46-0F57-DC45-A31F-9C994C567E9D}"/>
+              </a:ext>
+            </a:extLst>
+          </p:cNvPr>
+          <p:cNvSpPr>
+            <a:spLocks noGrp="1"/>
+          </p:cNvSpPr>
+          <p:nvPr>
+            <p:ph idx="1"/>
+          </p:nvPr>
+        </p:nvSpPr>
+        <p:spPr/>
+        <p:txBody>
+          <a:bodyPr/>
+          <a:lstStyle/>
+          <a:p>
+            <a:r>
+              <a:rPr lang="en-US" dirty="0"/>
+              <a:t>What model should we use?</a:t>
+            </a:r>
+          </a:p>
+          <a:p>
+            <a:r>
+              <a:rPr lang="en-US" dirty="0"/>
+              <a:t>Depends</a:t>
+            </a:r>
+          </a:p>
+          <a:p>
+            <a:pPr lvl="1"/>
+            <a:r>
+              <a:rPr lang="en-US" dirty="0"/>
+              <a:t>If you don’t want any Fraudulent transactions mislabeled as Not Fraudulent use </a:t>
+            </a:r>
+            <a:r>
+              <a:rPr lang="en-US" dirty="0" err="1"/>
+              <a:t>XGBoost</a:t>
+            </a:r>
+            <a:endParaRPr lang="en-US" dirty="0"/>
+          </a:p>
+          <a:p>
+            <a:pPr lvl="1"/>
+            <a:r>
+              <a:rPr lang="en-US" dirty="0"/>
+              <a:t>But if your service does not want to inconvenience customers with false alarms go with </a:t>
+            </a:r>
+            <a:r>
+              <a:rPr lang="en-US" dirty="0" err="1"/>
+              <a:t>RandomForest</a:t>
+            </a:r>
+            <a:endParaRPr lang="en-US" dirty="0"/>
+          </a:p>
+        </p:txBody>
+      </p:sp>
+    </p:spTree>
+    <p:extLst>
+      <p:ext uri="{BB962C8B-B14F-4D97-AF65-F5344CB8AC3E}">
+        <p14:creationId xmlns:p14="http://schemas.microsoft.com/office/powerpoint/2010/main" val="3018451348"/>
+      </p:ext>
+    </p:extLst>
+  </p:cSld>
+  <p:clrMapOvr>
+    <a:masterClrMapping/>
+  </p:clrMapOvr>
+</p:sld>
+</file>
+
+<file path=ppt/slides/slide12.xml><?xml version="1.0" encoding="utf-8"?>
+<p:sld xmlns:a="http://schemas.openxmlformats.org/drawingml/2006/main" xmlns:r="http://schemas.openxmlformats.org/officeDocument/2006/relationships" xmlns:p="http://schemas.openxmlformats.org/presentationml/2006/main">
+  <p:cSld>
+    <p:spTree>
+      <p:nvGrpSpPr>
+        <p:cNvPr id="1" name=""/>
+        <p:cNvGrpSpPr/>
+        <p:nvPr/>
+      </p:nvGrpSpPr>
+      <p:grpSpPr>
+        <a:xfrm>
+          <a:off x="0" y="0"/>
+          <a:ext cx="0" cy="0"/>
+          <a:chOff x="0" y="0"/>
+          <a:chExt cx="0" cy="0"/>
+        </a:xfrm>
+      </p:grpSpPr>
+    </p:spTree>
+    <p:extLst>
+      <p:ext uri="{BB962C8B-B14F-4D97-AF65-F5344CB8AC3E}">
+        <p14:creationId xmlns:p14="http://schemas.microsoft.com/office/powerpoint/2010/main" val="2465508144"/>
+      </p:ext>
+    </p:extLst>
+  </p:cSld>
+  <p:clrMapOvr>
+    <a:masterClrMapping/>
+  </p:clrMapOvr>
+</p:sld>
+</file>
+
+<file path=ppt/slides/slide13.xml><?xml version="1.0" encoding="utf-8"?>
+<p:sld xmlns:a="http://schemas.openxmlformats.org/drawingml/2006/main" xmlns:r="http://schemas.openxmlformats.org/officeDocument/2006/relationships" xmlns:p="http://schemas.openxmlformats.org/presentationml/2006/main">
+  <p:cSld>
+    <p:spTree>
+      <p:nvGrpSpPr>
+        <p:cNvPr id="1" name=""/>
+        <p:cNvGrpSpPr/>
+        <p:nvPr/>
+      </p:nvGrpSpPr>
+      <p:grpSpPr>
+        <a:xfrm>
+          <a:off x="0" y="0"/>
+          <a:ext cx="0" cy="0"/>
+          <a:chOff x="0" y="0"/>
+          <a:chExt cx="0" cy="0"/>
+        </a:xfrm>
+      </p:grpSpPr>
+      <p:sp>
+        <p:nvSpPr>
+          <p:cNvPr id="2" name="Title 1">
+            <a:extLst>
+              <a:ext uri="{FF2B5EF4-FFF2-40B4-BE49-F238E27FC236}">
+                <a16:creationId xmlns:a16="http://schemas.microsoft.com/office/drawing/2014/main" id="{0C0ACF36-6C62-9F4B-AF63-DDEA18F7BD24}"/>
+              </a:ext>
+            </a:extLst>
+          </p:cNvPr>
+          <p:cNvSpPr>
+            <a:spLocks noGrp="1"/>
+          </p:cNvSpPr>
+          <p:nvPr>
+            <p:ph type="title"/>
+          </p:nvPr>
+        </p:nvSpPr>
+        <p:spPr>
+          <a:xfrm>
+            <a:off x="838200" y="365126"/>
+            <a:ext cx="10515600" cy="429202"/>
+          </a:xfrm>
+        </p:spPr>
+        <p:txBody>
+          <a:bodyPr>
+            <a:normAutofit/>
+          </a:bodyPr>
+          <a:lstStyle/>
+          <a:p>
+            <a:r>
+              <a:rPr lang="en-US" sz="2400" dirty="0"/>
+              <a:t>Approach</a:t>
+            </a:r>
+          </a:p>
+        </p:txBody>
+      </p:sp>
+      <p:sp>
+        <p:nvSpPr>
+          <p:cNvPr id="4" name="TextBox 3">
+            <a:extLst>
+              <a:ext uri="{FF2B5EF4-FFF2-40B4-BE49-F238E27FC236}">
+                <a16:creationId xmlns:a16="http://schemas.microsoft.com/office/drawing/2014/main" id="{E53A67D2-76F1-6541-BD12-039E177897FA}"/>
+              </a:ext>
+            </a:extLst>
+          </p:cNvPr>
+          <p:cNvSpPr txBox="1"/>
+          <p:nvPr/>
+        </p:nvSpPr>
+        <p:spPr>
+          <a:xfrm>
+            <a:off x="1513490" y="1502980"/>
+            <a:ext cx="10372968" cy="2031325"/>
+          </a:xfrm>
+          <a:prstGeom prst="rect">
+            <a:avLst/>
+          </a:prstGeom>
+          <a:noFill/>
+        </p:spPr>
+        <p:txBody>
+          <a:bodyPr wrap="none" rtlCol="0">
+            <a:spAutoFit/>
+          </a:bodyPr>
+          <a:lstStyle/>
+          <a:p>
+            <a:r>
+              <a:rPr lang="en-US" dirty="0"/>
+              <a:t>The  largest challenges:</a:t>
+            </a:r>
+          </a:p>
+          <a:p>
+            <a:endParaRPr lang="en-US" dirty="0"/>
+          </a:p>
+          <a:p>
+            <a:r>
+              <a:rPr lang="en-US" dirty="0"/>
+              <a:t>Large data set: 6M+ transactions</a:t>
+            </a:r>
+          </a:p>
+          <a:p>
+            <a:r>
+              <a:rPr lang="en-US" dirty="0"/>
+              <a:t>Greatly Imbalanced Data Set: 8,213 Fraudulent Transactions in 6,362,321 Total Transaction</a:t>
+            </a:r>
+          </a:p>
+          <a:p>
+            <a:r>
+              <a:rPr lang="en-US" dirty="0"/>
+              <a:t>Mixture of Feature types: 1 temporal, 3 Categorical (5 class, ~1000s of classes, ~1000 of classes), 4 numeric</a:t>
+            </a:r>
+          </a:p>
+          <a:p>
+            <a:r>
+              <a:rPr lang="en-US" dirty="0"/>
+              <a:t>Dirty Data: Accounting of several transactions did not add up due to unknown underlying assumptions of the</a:t>
+            </a:r>
+          </a:p>
+          <a:p>
+            <a:r>
+              <a:rPr lang="en-US" dirty="0"/>
+              <a:t>Dataset not documented by the dataset author</a:t>
+            </a:r>
+          </a:p>
+        </p:txBody>
+      </p:sp>
+    </p:spTree>
+    <p:extLst>
+      <p:ext uri="{BB962C8B-B14F-4D97-AF65-F5344CB8AC3E}">
+        <p14:creationId xmlns:p14="http://schemas.microsoft.com/office/powerpoint/2010/main" val="4069254251"/>
+      </p:ext>
+    </p:extLst>
+  </p:cSld>
+  <p:clrMapOvr>
+    <a:masterClrMapping/>
+  </p:clrMapOvr>
+</p:sld>
+</file>
+
+<file path=ppt/slides/slide14.xml><?xml version="1.0" encoding="utf-8"?>
+<p:sld xmlns:a="http://schemas.openxmlformats.org/drawingml/2006/main" xmlns:r="http://schemas.openxmlformats.org/officeDocument/2006/relationships" xmlns:p="http://schemas.openxmlformats.org/presentationml/2006/main">
+  <p:cSld>
+    <p:spTree>
+      <p:nvGrpSpPr>
+        <p:cNvPr id="1" name=""/>
+        <p:cNvGrpSpPr/>
+        <p:nvPr/>
+      </p:nvGrpSpPr>
+      <p:grpSpPr>
+        <a:xfrm>
+          <a:off x="0" y="0"/>
+          <a:ext cx="0" cy="0"/>
+          <a:chOff x="0" y="0"/>
+          <a:chExt cx="0" cy="0"/>
+        </a:xfrm>
+      </p:grpSpPr>
+      <p:sp>
+        <p:nvSpPr>
+          <p:cNvPr id="2" name="Title 1">
+            <a:extLst>
+              <a:ext uri="{FF2B5EF4-FFF2-40B4-BE49-F238E27FC236}">
+                <a16:creationId xmlns:a16="http://schemas.microsoft.com/office/drawing/2014/main" id="{5A0F72FF-3E57-E24F-BAFC-24032A355B86}"/>
+              </a:ext>
+            </a:extLst>
+          </p:cNvPr>
+          <p:cNvSpPr>
+            <a:spLocks noGrp="1"/>
+          </p:cNvSpPr>
+          <p:nvPr>
+            <p:ph type="title"/>
+          </p:nvPr>
+        </p:nvSpPr>
+        <p:spPr/>
+        <p:txBody>
+          <a:bodyPr/>
+          <a:lstStyle/>
+          <a:p>
+            <a:pPr algn="ctr"/>
+            <a:r>
+              <a:rPr lang="en-US" dirty="0"/>
+              <a:t>Appendix</a:t>
+            </a:r>
+          </a:p>
+        </p:txBody>
+      </p:sp>
+    </p:spTree>
+    <p:extLst>
+      <p:ext uri="{BB962C8B-B14F-4D97-AF65-F5344CB8AC3E}">
+        <p14:creationId xmlns:p14="http://schemas.microsoft.com/office/powerpoint/2010/main" val="4103562580"/>
+      </p:ext>
+    </p:extLst>
+  </p:cSld>
+  <p:clrMapOvr>
+    <a:masterClrMapping/>
+  </p:clrMapOvr>
+</p:sld>
+</file>
+
+<file path=ppt/slides/slide15.xml><?xml version="1.0" encoding="utf-8"?>
+<p:sld xmlns:a="http://schemas.openxmlformats.org/drawingml/2006/main" xmlns:r="http://schemas.openxmlformats.org/officeDocument/2006/relationships" xmlns:p="http://schemas.openxmlformats.org/presentationml/2006/main">
+  <p:cSld>
+    <p:spTree>
+      <p:nvGrpSpPr>
+        <p:cNvPr id="1" name=""/>
+        <p:cNvGrpSpPr/>
+        <p:nvPr/>
+      </p:nvGrpSpPr>
+      <p:grpSpPr>
+        <a:xfrm>
+          <a:off x="0" y="0"/>
+          <a:ext cx="0" cy="0"/>
+          <a:chOff x="0" y="0"/>
+          <a:chExt cx="0" cy="0"/>
+        </a:xfrm>
+      </p:grpSpPr>
+      <p:sp>
+        <p:nvSpPr>
+          <p:cNvPr id="2" name="Title 1">
+            <a:extLst>
+              <a:ext uri="{FF2B5EF4-FFF2-40B4-BE49-F238E27FC236}">
+                <a16:creationId xmlns:a16="http://schemas.microsoft.com/office/drawing/2014/main" id="{B7360818-9DA9-D44F-ABC7-1A1C675E4DD6}"/>
+              </a:ext>
+            </a:extLst>
+          </p:cNvPr>
+          <p:cNvSpPr>
+            <a:spLocks noGrp="1"/>
+          </p:cNvSpPr>
+          <p:nvPr>
+            <p:ph type="title"/>
+          </p:nvPr>
+        </p:nvSpPr>
+        <p:spPr/>
+        <p:txBody>
+          <a:bodyPr/>
+          <a:lstStyle/>
+          <a:p>
+            <a:endParaRPr lang="en-US"/>
+          </a:p>
+        </p:txBody>
+      </p:sp>
+      <p:sp>
+        <p:nvSpPr>
+          <p:cNvPr id="3" name="Text Placeholder 2">
+            <a:extLst>
+              <a:ext uri="{FF2B5EF4-FFF2-40B4-BE49-F238E27FC236}">
+                <a16:creationId xmlns:a16="http://schemas.microsoft.com/office/drawing/2014/main" id="{51687BFA-3457-8741-8868-D0869A5890F7}"/>
+              </a:ext>
+            </a:extLst>
+          </p:cNvPr>
+          <p:cNvSpPr>
+            <a:spLocks noGrp="1"/>
+          </p:cNvSpPr>
+          <p:nvPr>
+            <p:ph type="body" idx="1"/>
+          </p:nvPr>
+        </p:nvSpPr>
+        <p:spPr/>
+        <p:txBody>
+          <a:bodyPr/>
+          <a:lstStyle/>
+          <a:p>
+            <a:endParaRPr lang="en-US"/>
+          </a:p>
+        </p:txBody>
+      </p:sp>
+    </p:spTree>
+    <p:extLst>
+      <p:ext uri="{BB962C8B-B14F-4D97-AF65-F5344CB8AC3E}">
+        <p14:creationId xmlns:p14="http://schemas.microsoft.com/office/powerpoint/2010/main" val="154234383"/>
+      </p:ext>
+    </p:extLst>
+  </p:cSld>
+  <p:clrMapOvr>
+    <a:masterClrMapping/>
+  </p:clrMapOvr>
+</p:sld>
+</file>
+
+<file path=ppt/slides/slide16.xml><?xml version="1.0" encoding="utf-8"?>
+<p:sld xmlns:a="http://schemas.openxmlformats.org/drawingml/2006/main" xmlns:r="http://schemas.openxmlformats.org/officeDocument/2006/relationships" xmlns:p="http://schemas.openxmlformats.org/presentationml/2006/main">
+  <p:cSld>
+    <p:spTree>
+      <p:nvGrpSpPr>
+        <p:cNvPr id="1" name=""/>
+        <p:cNvGrpSpPr/>
+        <p:nvPr/>
+      </p:nvGrpSpPr>
+      <p:grpSpPr>
+        <a:xfrm>
+          <a:off x="0" y="0"/>
+          <a:ext cx="0" cy="0"/>
+          <a:chOff x="0" y="0"/>
+          <a:chExt cx="0" cy="0"/>
+        </a:xfrm>
+      </p:grpSpPr>
+    </p:spTree>
+    <p:extLst>
+      <p:ext uri="{BB962C8B-B14F-4D97-AF65-F5344CB8AC3E}">
+        <p14:creationId xmlns:p14="http://schemas.microsoft.com/office/powerpoint/2010/main" val="4244426432"/>
+      </p:ext>
+    </p:extLst>
+  </p:cSld>
+  <p:clrMapOvr>
+    <a:masterClrMapping/>
+  </p:clrMapOvr>
+</p:sld>
+</file>
+
+<file path=ppt/slides/slide17.xml><?xml version="1.0" encoding="utf-8"?>
 <p:sld xmlns:a="http://schemas.openxmlformats.org/drawingml/2006/main" xmlns:r="http://schemas.openxmlformats.org/officeDocument/2006/relationships" xmlns:p="http://schemas.openxmlformats.org/presentationml/2006/main">
   <p:cSld>
     <p:spTree>
@@ -3844,7 +8137,7 @@
 </p:sld>
 </file>
 
-<file path=ppt/slides/slide3.xml><?xml version="1.0" encoding="utf-8"?>
+<file path=ppt/slides/slide18.xml><?xml version="1.0" encoding="utf-8"?>
 <p:sld xmlns:a="http://schemas.openxmlformats.org/drawingml/2006/main" xmlns:r="http://schemas.openxmlformats.org/officeDocument/2006/relationships" xmlns:p="http://schemas.openxmlformats.org/presentationml/2006/main">
   <p:cSld>
     <p:spTree>
@@ -4652,7 +8945,7 @@
 </p:sld>
 </file>
 
-<file path=ppt/slides/slide4.xml><?xml version="1.0" encoding="utf-8"?>
+<file path=ppt/slides/slide19.xml><?xml version="1.0" encoding="utf-8"?>
 <p:sld xmlns:a="http://schemas.openxmlformats.org/drawingml/2006/main" xmlns:r="http://schemas.openxmlformats.org/officeDocument/2006/relationships" xmlns:p="http://schemas.openxmlformats.org/presentationml/2006/main">
   <p:cSld>
     <p:spTree>
@@ -4819,6 +9112,1476 @@
     <p:extLst>
       <p:ext uri="{BB962C8B-B14F-4D97-AF65-F5344CB8AC3E}">
         <p14:creationId xmlns:p14="http://schemas.microsoft.com/office/powerpoint/2010/main" val="3961639287"/>
+      </p:ext>
+    </p:extLst>
+  </p:cSld>
+  <p:clrMapOvr>
+    <a:masterClrMapping/>
+  </p:clrMapOvr>
+</p:sld>
+</file>
+
+<file path=ppt/slides/slide2.xml><?xml version="1.0" encoding="utf-8"?>
+<p:sld xmlns:a="http://schemas.openxmlformats.org/drawingml/2006/main" xmlns:r="http://schemas.openxmlformats.org/officeDocument/2006/relationships" xmlns:p="http://schemas.openxmlformats.org/presentationml/2006/main">
+  <p:cSld>
+    <p:spTree>
+      <p:nvGrpSpPr>
+        <p:cNvPr id="1" name=""/>
+        <p:cNvGrpSpPr/>
+        <p:nvPr/>
+      </p:nvGrpSpPr>
+      <p:grpSpPr>
+        <a:xfrm>
+          <a:off x="0" y="0"/>
+          <a:ext cx="0" cy="0"/>
+          <a:chOff x="0" y="0"/>
+          <a:chExt cx="0" cy="0"/>
+        </a:xfrm>
+      </p:grpSpPr>
+      <p:sp>
+        <p:nvSpPr>
+          <p:cNvPr id="2" name="Title 1">
+            <a:extLst>
+              <a:ext uri="{FF2B5EF4-FFF2-40B4-BE49-F238E27FC236}">
+                <a16:creationId xmlns:a16="http://schemas.microsoft.com/office/drawing/2014/main" id="{F67A87C2-4C40-014B-B135-29C60714D66F}"/>
+              </a:ext>
+            </a:extLst>
+          </p:cNvPr>
+          <p:cNvSpPr>
+            <a:spLocks noGrp="1"/>
+          </p:cNvSpPr>
+          <p:nvPr>
+            <p:ph type="title"/>
+          </p:nvPr>
+        </p:nvSpPr>
+        <p:spPr/>
+        <p:txBody>
+          <a:bodyPr/>
+          <a:lstStyle/>
+          <a:p>
+            <a:r>
+              <a:rPr lang="en-US" dirty="0"/>
+              <a:t>Topics (Remove this before publishing)</a:t>
+            </a:r>
+          </a:p>
+        </p:txBody>
+      </p:sp>
+      <p:sp>
+        <p:nvSpPr>
+          <p:cNvPr id="3" name="Content Placeholder 2">
+            <a:extLst>
+              <a:ext uri="{FF2B5EF4-FFF2-40B4-BE49-F238E27FC236}">
+                <a16:creationId xmlns:a16="http://schemas.microsoft.com/office/drawing/2014/main" id="{45512F60-A68C-5D4E-9BDA-D72939542BD2}"/>
+              </a:ext>
+            </a:extLst>
+          </p:cNvPr>
+          <p:cNvSpPr>
+            <a:spLocks noGrp="1"/>
+          </p:cNvSpPr>
+          <p:nvPr>
+            <p:ph idx="1"/>
+          </p:nvPr>
+        </p:nvSpPr>
+        <p:spPr/>
+        <p:txBody>
+          <a:bodyPr/>
+          <a:lstStyle/>
+          <a:p>
+            <a:r>
+              <a:rPr lang="en-US" dirty="0"/>
+              <a:t>Problem Statement</a:t>
+            </a:r>
+          </a:p>
+          <a:p>
+            <a:r>
+              <a:rPr lang="en-US" dirty="0"/>
+              <a:t>Approach</a:t>
+            </a:r>
+          </a:p>
+          <a:p>
+            <a:r>
+              <a:rPr lang="en-US" dirty="0"/>
+              <a:t>Results</a:t>
+            </a:r>
+          </a:p>
+          <a:p>
+            <a:endParaRPr lang="en-US" dirty="0"/>
+          </a:p>
+          <a:p>
+            <a:r>
+              <a:rPr lang="en-US" dirty="0"/>
+              <a:t>Appendix</a:t>
+            </a:r>
+          </a:p>
+          <a:p>
+            <a:pPr lvl="1"/>
+            <a:r>
+              <a:rPr lang="en-US" dirty="0"/>
+              <a:t>Model Chosen and Why</a:t>
+            </a:r>
+          </a:p>
+          <a:p>
+            <a:pPr lvl="1"/>
+            <a:r>
+              <a:rPr lang="en-US" dirty="0"/>
+              <a:t>Precision, Recall, F1, ROC Curve, Confusion Matrix</a:t>
+            </a:r>
+          </a:p>
+        </p:txBody>
+      </p:sp>
+    </p:spTree>
+    <p:extLst>
+      <p:ext uri="{BB962C8B-B14F-4D97-AF65-F5344CB8AC3E}">
+        <p14:creationId xmlns:p14="http://schemas.microsoft.com/office/powerpoint/2010/main" val="1323206423"/>
+      </p:ext>
+    </p:extLst>
+  </p:cSld>
+  <p:clrMapOvr>
+    <a:masterClrMapping/>
+  </p:clrMapOvr>
+</p:sld>
+</file>
+
+<file path=ppt/slides/slide3.xml><?xml version="1.0" encoding="utf-8"?>
+<p:sld xmlns:a="http://schemas.openxmlformats.org/drawingml/2006/main" xmlns:r="http://schemas.openxmlformats.org/officeDocument/2006/relationships" xmlns:p="http://schemas.openxmlformats.org/presentationml/2006/main">
+  <p:cSld>
+    <p:spTree>
+      <p:nvGrpSpPr>
+        <p:cNvPr id="1" name=""/>
+        <p:cNvGrpSpPr/>
+        <p:nvPr/>
+      </p:nvGrpSpPr>
+      <p:grpSpPr>
+        <a:xfrm>
+          <a:off x="0" y="0"/>
+          <a:ext cx="0" cy="0"/>
+          <a:chOff x="0" y="0"/>
+          <a:chExt cx="0" cy="0"/>
+        </a:xfrm>
+      </p:grpSpPr>
+      <p:sp>
+        <p:nvSpPr>
+          <p:cNvPr id="4" name="TextBox 3">
+            <a:extLst>
+              <a:ext uri="{FF2B5EF4-FFF2-40B4-BE49-F238E27FC236}">
+                <a16:creationId xmlns:a16="http://schemas.microsoft.com/office/drawing/2014/main" id="{B6F66DAB-352E-8940-A9FF-07B9546C9C68}"/>
+              </a:ext>
+            </a:extLst>
+          </p:cNvPr>
+          <p:cNvSpPr txBox="1"/>
+          <p:nvPr/>
+        </p:nvSpPr>
+        <p:spPr>
+          <a:xfrm>
+            <a:off x="2177716" y="1624263"/>
+            <a:ext cx="7134726" cy="646331"/>
+          </a:xfrm>
+          <a:prstGeom prst="rect">
+            <a:avLst/>
+          </a:prstGeom>
+          <a:noFill/>
+        </p:spPr>
+        <p:txBody>
+          <a:bodyPr wrap="square" rtlCol="0">
+            <a:spAutoFit/>
+          </a:bodyPr>
+          <a:lstStyle/>
+          <a:p>
+            <a:r>
+              <a:rPr lang="en-US" dirty="0"/>
+              <a:t>An Average of 23% of users of SIM-Based Mobile Payment Systems in African and parts of the Middle East Have Experienced Loss Due to Fraud</a:t>
+            </a:r>
+            <a:r>
+              <a:rPr lang="en-US" baseline="30000" dirty="0"/>
+              <a:t>1</a:t>
+            </a:r>
+          </a:p>
+        </p:txBody>
+      </p:sp>
+      <p:sp>
+        <p:nvSpPr>
+          <p:cNvPr id="5" name="TextBox 4">
+            <a:extLst>
+              <a:ext uri="{FF2B5EF4-FFF2-40B4-BE49-F238E27FC236}">
+                <a16:creationId xmlns:a16="http://schemas.microsoft.com/office/drawing/2014/main" id="{ACF9FE8F-F800-3849-BCC9-1BE47A003E05}"/>
+              </a:ext>
+            </a:extLst>
+          </p:cNvPr>
+          <p:cNvSpPr txBox="1"/>
+          <p:nvPr/>
+        </p:nvSpPr>
+        <p:spPr>
+          <a:xfrm>
+            <a:off x="2177716" y="3105834"/>
+            <a:ext cx="7134726" cy="646331"/>
+          </a:xfrm>
+          <a:prstGeom prst="rect">
+            <a:avLst/>
+          </a:prstGeom>
+          <a:noFill/>
+        </p:spPr>
+        <p:txBody>
+          <a:bodyPr wrap="square" rtlCol="0">
+            <a:spAutoFit/>
+          </a:bodyPr>
+          <a:lstStyle/>
+          <a:p>
+            <a:r>
+              <a:rPr lang="en-US" dirty="0"/>
+              <a:t>This not only affects the consumer but is a cost to the Mobile Payment Operator That Attempts to Take Action to Resolve Cases of Fraud</a:t>
+            </a:r>
+          </a:p>
+        </p:txBody>
+      </p:sp>
+      <p:sp>
+        <p:nvSpPr>
+          <p:cNvPr id="7" name="Footer Placeholder 6">
+            <a:extLst>
+              <a:ext uri="{FF2B5EF4-FFF2-40B4-BE49-F238E27FC236}">
+                <a16:creationId xmlns:a16="http://schemas.microsoft.com/office/drawing/2014/main" id="{856B91A3-C6BB-D246-861A-0EF21A067216}"/>
+              </a:ext>
+            </a:extLst>
+          </p:cNvPr>
+          <p:cNvSpPr>
+            <a:spLocks noGrp="1"/>
+          </p:cNvSpPr>
+          <p:nvPr>
+            <p:ph type="ftr" sz="quarter" idx="11"/>
+          </p:nvPr>
+        </p:nvSpPr>
+        <p:spPr/>
+        <p:txBody>
+          <a:bodyPr/>
+          <a:lstStyle/>
+          <a:p>
+            <a:r>
+              <a:rPr lang="en-US" baseline="30000" dirty="0"/>
+              <a:t>1</a:t>
+            </a:r>
+            <a:r>
+              <a:rPr lang="en-US" dirty="0"/>
+              <a:t> "Fraud in Mobile Financial Services: Protecting Consumers, Providers, and the System". Figure 1. </a:t>
+            </a:r>
+            <a:r>
+              <a:rPr lang="en-US" dirty="0" err="1"/>
+              <a:t>cgap.org</a:t>
+            </a:r>
+            <a:endParaRPr lang="en-US" dirty="0"/>
+          </a:p>
+        </p:txBody>
+      </p:sp>
+    </p:spTree>
+    <p:extLst>
+      <p:ext uri="{BB962C8B-B14F-4D97-AF65-F5344CB8AC3E}">
+        <p14:creationId xmlns:p14="http://schemas.microsoft.com/office/powerpoint/2010/main" val="2509921897"/>
+      </p:ext>
+    </p:extLst>
+  </p:cSld>
+  <p:clrMapOvr>
+    <a:masterClrMapping/>
+  </p:clrMapOvr>
+</p:sld>
+</file>
+
+<file path=ppt/slides/slide4.xml><?xml version="1.0" encoding="utf-8"?>
+<p:sld xmlns:a="http://schemas.openxmlformats.org/drawingml/2006/main" xmlns:r="http://schemas.openxmlformats.org/officeDocument/2006/relationships" xmlns:p="http://schemas.openxmlformats.org/presentationml/2006/main">
+  <p:cSld>
+    <p:spTree>
+      <p:nvGrpSpPr>
+        <p:cNvPr id="1" name=""/>
+        <p:cNvGrpSpPr/>
+        <p:nvPr/>
+      </p:nvGrpSpPr>
+      <p:grpSpPr>
+        <a:xfrm>
+          <a:off x="0" y="0"/>
+          <a:ext cx="0" cy="0"/>
+          <a:chOff x="0" y="0"/>
+          <a:chExt cx="0" cy="0"/>
+        </a:xfrm>
+      </p:grpSpPr>
+      <p:sp>
+        <p:nvSpPr>
+          <p:cNvPr id="2" name="TextBox 1">
+            <a:extLst>
+              <a:ext uri="{FF2B5EF4-FFF2-40B4-BE49-F238E27FC236}">
+                <a16:creationId xmlns:a16="http://schemas.microsoft.com/office/drawing/2014/main" id="{87BDCB33-8587-CE41-B564-103BAE4EFA72}"/>
+              </a:ext>
+            </a:extLst>
+          </p:cNvPr>
+          <p:cNvSpPr txBox="1"/>
+          <p:nvPr/>
+        </p:nvSpPr>
+        <p:spPr>
+          <a:xfrm>
+            <a:off x="2704128" y="1502460"/>
+            <a:ext cx="7134726" cy="646331"/>
+          </a:xfrm>
+          <a:prstGeom prst="rect">
+            <a:avLst/>
+          </a:prstGeom>
+          <a:noFill/>
+        </p:spPr>
+        <p:txBody>
+          <a:bodyPr wrap="square" rtlCol="0">
+            <a:spAutoFit/>
+          </a:bodyPr>
+          <a:lstStyle/>
+          <a:p>
+            <a:r>
+              <a:rPr lang="en-US" dirty="0"/>
+              <a:t>This Presentation Describes A Computer-Based System That Can Automatically Detect Fraudulent Transactions In Real Time</a:t>
+            </a:r>
+          </a:p>
+        </p:txBody>
+      </p:sp>
+    </p:spTree>
+    <p:extLst>
+      <p:ext uri="{BB962C8B-B14F-4D97-AF65-F5344CB8AC3E}">
+        <p14:creationId xmlns:p14="http://schemas.microsoft.com/office/powerpoint/2010/main" val="3914807768"/>
+      </p:ext>
+    </p:extLst>
+  </p:cSld>
+  <p:clrMapOvr>
+    <a:masterClrMapping/>
+  </p:clrMapOvr>
+</p:sld>
+</file>
+
+<file path=ppt/slides/slide5.xml><?xml version="1.0" encoding="utf-8"?>
+<p:sld xmlns:a="http://schemas.openxmlformats.org/drawingml/2006/main" xmlns:r="http://schemas.openxmlformats.org/officeDocument/2006/relationships" xmlns:p="http://schemas.openxmlformats.org/presentationml/2006/main">
+  <p:cSld>
+    <p:spTree>
+      <p:nvGrpSpPr>
+        <p:cNvPr id="1" name=""/>
+        <p:cNvGrpSpPr/>
+        <p:nvPr/>
+      </p:nvGrpSpPr>
+      <p:grpSpPr>
+        <a:xfrm>
+          <a:off x="0" y="0"/>
+          <a:ext cx="0" cy="0"/>
+          <a:chOff x="0" y="0"/>
+          <a:chExt cx="0" cy="0"/>
+        </a:xfrm>
+      </p:grpSpPr>
+      <p:sp>
+        <p:nvSpPr>
+          <p:cNvPr id="2" name="Title 1">
+            <a:extLst>
+              <a:ext uri="{FF2B5EF4-FFF2-40B4-BE49-F238E27FC236}">
+                <a16:creationId xmlns:a16="http://schemas.microsoft.com/office/drawing/2014/main" id="{0C0ACF36-6C62-9F4B-AF63-DDEA18F7BD24}"/>
+              </a:ext>
+            </a:extLst>
+          </p:cNvPr>
+          <p:cNvSpPr>
+            <a:spLocks noGrp="1"/>
+          </p:cNvSpPr>
+          <p:nvPr>
+            <p:ph type="title"/>
+          </p:nvPr>
+        </p:nvSpPr>
+        <p:spPr>
+          <a:xfrm>
+            <a:off x="838200" y="365126"/>
+            <a:ext cx="10515600" cy="429202"/>
+          </a:xfrm>
+        </p:spPr>
+        <p:txBody>
+          <a:bodyPr>
+            <a:normAutofit/>
+          </a:bodyPr>
+          <a:lstStyle/>
+          <a:p>
+            <a:r>
+              <a:rPr lang="en-US" sz="2400" dirty="0"/>
+              <a:t>Fraud Scenario Covered</a:t>
+            </a:r>
+          </a:p>
+        </p:txBody>
+      </p:sp>
+      <p:sp>
+        <p:nvSpPr>
+          <p:cNvPr id="3" name="Content Placeholder 2">
+            <a:extLst>
+              <a:ext uri="{FF2B5EF4-FFF2-40B4-BE49-F238E27FC236}">
+                <a16:creationId xmlns:a16="http://schemas.microsoft.com/office/drawing/2014/main" id="{427E80ED-1D57-5248-9FBF-3B7508A95B17}"/>
+              </a:ext>
+            </a:extLst>
+          </p:cNvPr>
+          <p:cNvSpPr>
+            <a:spLocks noGrp="1"/>
+          </p:cNvSpPr>
+          <p:nvPr>
+            <p:ph idx="1"/>
+          </p:nvPr>
+        </p:nvSpPr>
+        <p:spPr/>
+        <p:txBody>
+          <a:bodyPr/>
+          <a:lstStyle/>
+          <a:p>
+            <a:pPr marL="514350" indent="-514350">
+              <a:buFont typeface="+mj-lt"/>
+              <a:buAutoNum type="arabicPeriod"/>
+            </a:pPr>
+            <a:r>
+              <a:rPr lang="en-US" dirty="0"/>
+              <a:t>Fraudster obtains access to another person’s account </a:t>
+            </a:r>
+          </a:p>
+          <a:p>
+            <a:pPr marL="914400" lvl="1" indent="-457200">
+              <a:buFont typeface="+mj-lt"/>
+              <a:buAutoNum type="alphaLcPeriod"/>
+            </a:pPr>
+            <a:r>
+              <a:rPr lang="en-US" dirty="0"/>
+              <a:t>(steals phone, or phishes PIN and swaps SIM card)</a:t>
+            </a:r>
+          </a:p>
+          <a:p>
+            <a:pPr marL="514350" indent="-514350">
+              <a:buFont typeface="+mj-lt"/>
+              <a:buAutoNum type="arabicPeriod"/>
+            </a:pPr>
+            <a:r>
+              <a:rPr lang="en-US" dirty="0"/>
+              <a:t>Fraudster transfers money from victim's account to one or more target accounts under control</a:t>
+            </a:r>
+          </a:p>
+          <a:p>
+            <a:pPr marL="514350" indent="-514350">
+              <a:buFont typeface="+mj-lt"/>
+              <a:buAutoNum type="arabicPeriod"/>
+            </a:pPr>
+            <a:r>
+              <a:rPr lang="en-US" dirty="0"/>
+              <a:t>Fraudster cashes these accounts accounts</a:t>
+            </a:r>
+          </a:p>
+          <a:p>
+            <a:pPr marL="514350" indent="-514350">
+              <a:buFont typeface="+mj-lt"/>
+              <a:buAutoNum type="arabicPeriod"/>
+            </a:pPr>
+            <a:r>
+              <a:rPr lang="en-US" dirty="0"/>
+              <a:t>May or may not use a merchant as an facilitator</a:t>
+            </a:r>
+          </a:p>
+        </p:txBody>
+      </p:sp>
+    </p:spTree>
+    <p:extLst>
+      <p:ext uri="{BB962C8B-B14F-4D97-AF65-F5344CB8AC3E}">
+        <p14:creationId xmlns:p14="http://schemas.microsoft.com/office/powerpoint/2010/main" val="2564734928"/>
+      </p:ext>
+    </p:extLst>
+  </p:cSld>
+  <p:clrMapOvr>
+    <a:masterClrMapping/>
+  </p:clrMapOvr>
+</p:sld>
+</file>
+
+<file path=ppt/slides/slide6.xml><?xml version="1.0" encoding="utf-8"?>
+<p:sld xmlns:a="http://schemas.openxmlformats.org/drawingml/2006/main" xmlns:r="http://schemas.openxmlformats.org/officeDocument/2006/relationships" xmlns:p="http://schemas.openxmlformats.org/presentationml/2006/main">
+  <p:cSld>
+    <p:spTree>
+      <p:nvGrpSpPr>
+        <p:cNvPr id="1" name=""/>
+        <p:cNvGrpSpPr/>
+        <p:nvPr/>
+      </p:nvGrpSpPr>
+      <p:grpSpPr>
+        <a:xfrm>
+          <a:off x="0" y="0"/>
+          <a:ext cx="0" cy="0"/>
+          <a:chOff x="0" y="0"/>
+          <a:chExt cx="0" cy="0"/>
+        </a:xfrm>
+      </p:grpSpPr>
+      <p:sp>
+        <p:nvSpPr>
+          <p:cNvPr id="2" name="Title 1">
+            <a:extLst>
+              <a:ext uri="{FF2B5EF4-FFF2-40B4-BE49-F238E27FC236}">
+                <a16:creationId xmlns:a16="http://schemas.microsoft.com/office/drawing/2014/main" id="{0C0ACF36-6C62-9F4B-AF63-DDEA18F7BD24}"/>
+              </a:ext>
+            </a:extLst>
+          </p:cNvPr>
+          <p:cNvSpPr>
+            <a:spLocks noGrp="1"/>
+          </p:cNvSpPr>
+          <p:nvPr>
+            <p:ph type="title"/>
+          </p:nvPr>
+        </p:nvSpPr>
+        <p:spPr>
+          <a:xfrm>
+            <a:off x="838200" y="365126"/>
+            <a:ext cx="10515600" cy="429202"/>
+          </a:xfrm>
+        </p:spPr>
+        <p:txBody>
+          <a:bodyPr>
+            <a:normAutofit/>
+          </a:bodyPr>
+          <a:lstStyle/>
+          <a:p>
+            <a:r>
+              <a:rPr lang="en-US" sz="2400" dirty="0"/>
+              <a:t>Approach</a:t>
+            </a:r>
+          </a:p>
+        </p:txBody>
+      </p:sp>
+      <p:sp>
+        <p:nvSpPr>
+          <p:cNvPr id="4" name="TextBox 3">
+            <a:extLst>
+              <a:ext uri="{FF2B5EF4-FFF2-40B4-BE49-F238E27FC236}">
+                <a16:creationId xmlns:a16="http://schemas.microsoft.com/office/drawing/2014/main" id="{E53A67D2-76F1-6541-BD12-039E177897FA}"/>
+              </a:ext>
+            </a:extLst>
+          </p:cNvPr>
+          <p:cNvSpPr txBox="1"/>
+          <p:nvPr/>
+        </p:nvSpPr>
+        <p:spPr>
+          <a:xfrm>
+            <a:off x="1481959" y="1450428"/>
+            <a:ext cx="5793637" cy="3139321"/>
+          </a:xfrm>
+          <a:prstGeom prst="rect">
+            <a:avLst/>
+          </a:prstGeom>
+          <a:noFill/>
+        </p:spPr>
+        <p:txBody>
+          <a:bodyPr wrap="none" rtlCol="0">
+            <a:spAutoFit/>
+          </a:bodyPr>
+          <a:lstStyle/>
+          <a:p>
+            <a:r>
+              <a:rPr lang="en-US" dirty="0"/>
+              <a:t>Mobile Payment Simulation Results From Kaggle:</a:t>
+            </a:r>
+          </a:p>
+          <a:p>
+            <a:endParaRPr lang="en-US" dirty="0"/>
+          </a:p>
+          <a:p>
+            <a:r>
+              <a:rPr lang="en-US" dirty="0" err="1"/>
+              <a:t>SKLearn</a:t>
+            </a:r>
+            <a:endParaRPr lang="en-US" dirty="0"/>
+          </a:p>
+          <a:p>
+            <a:r>
+              <a:rPr lang="en-US" dirty="0" err="1"/>
+              <a:t>XGBoost</a:t>
+            </a:r>
+            <a:endParaRPr lang="en-US" dirty="0"/>
+          </a:p>
+          <a:p>
+            <a:r>
+              <a:rPr lang="en-US" dirty="0"/>
+              <a:t>RAPIDS</a:t>
+            </a:r>
+          </a:p>
+          <a:p>
+            <a:r>
+              <a:rPr lang="en-US" dirty="0"/>
+              <a:t>Pandas</a:t>
+            </a:r>
+          </a:p>
+          <a:p>
+            <a:r>
+              <a:rPr lang="en-US" dirty="0" err="1"/>
+              <a:t>Numpy</a:t>
+            </a:r>
+            <a:endParaRPr lang="en-US" dirty="0"/>
+          </a:p>
+          <a:p>
+            <a:r>
+              <a:rPr lang="en-US" dirty="0" err="1"/>
+              <a:t>Jupyter</a:t>
+            </a:r>
+            <a:endParaRPr lang="en-US" dirty="0"/>
+          </a:p>
+          <a:p>
+            <a:r>
+              <a:rPr lang="en-US" dirty="0"/>
+              <a:t>MariaDB (</a:t>
+            </a:r>
+            <a:r>
+              <a:rPr lang="en-US" dirty="0" err="1"/>
+              <a:t>mySQL</a:t>
+            </a:r>
+            <a:r>
+              <a:rPr lang="en-US" dirty="0"/>
+              <a:t>)</a:t>
+            </a:r>
+          </a:p>
+          <a:p>
+            <a:r>
+              <a:rPr lang="en-US" dirty="0"/>
+              <a:t>Flask (Mobile Transaction Fraud Detection Web Application)</a:t>
+            </a:r>
+          </a:p>
+          <a:p>
+            <a:endParaRPr lang="en-US" dirty="0"/>
+          </a:p>
+        </p:txBody>
+      </p:sp>
+    </p:spTree>
+    <p:extLst>
+      <p:ext uri="{BB962C8B-B14F-4D97-AF65-F5344CB8AC3E}">
+        <p14:creationId xmlns:p14="http://schemas.microsoft.com/office/powerpoint/2010/main" val="2191843906"/>
+      </p:ext>
+    </p:extLst>
+  </p:cSld>
+  <p:clrMapOvr>
+    <a:masterClrMapping/>
+  </p:clrMapOvr>
+</p:sld>
+</file>
+
+<file path=ppt/slides/slide7.xml><?xml version="1.0" encoding="utf-8"?>
+<p:sld xmlns:a="http://schemas.openxmlformats.org/drawingml/2006/main" xmlns:r="http://schemas.openxmlformats.org/officeDocument/2006/relationships" xmlns:p="http://schemas.openxmlformats.org/presentationml/2006/main">
+  <p:cSld>
+    <p:spTree>
+      <p:nvGrpSpPr>
+        <p:cNvPr id="1" name=""/>
+        <p:cNvGrpSpPr/>
+        <p:nvPr/>
+      </p:nvGrpSpPr>
+      <p:grpSpPr>
+        <a:xfrm>
+          <a:off x="0" y="0"/>
+          <a:ext cx="0" cy="0"/>
+          <a:chOff x="0" y="0"/>
+          <a:chExt cx="0" cy="0"/>
+        </a:xfrm>
+      </p:grpSpPr>
+      <p:sp>
+        <p:nvSpPr>
+          <p:cNvPr id="2" name="Title 1">
+            <a:extLst>
+              <a:ext uri="{FF2B5EF4-FFF2-40B4-BE49-F238E27FC236}">
+                <a16:creationId xmlns:a16="http://schemas.microsoft.com/office/drawing/2014/main" id="{88101A85-D3EF-0A48-84D0-050AB3316E1F}"/>
+              </a:ext>
+            </a:extLst>
+          </p:cNvPr>
+          <p:cNvSpPr>
+            <a:spLocks noGrp="1"/>
+          </p:cNvSpPr>
+          <p:nvPr>
+            <p:ph type="title"/>
+          </p:nvPr>
+        </p:nvSpPr>
+        <p:spPr/>
+        <p:txBody>
+          <a:bodyPr/>
+          <a:lstStyle/>
+          <a:p>
+            <a:r>
+              <a:rPr lang="en-US" dirty="0"/>
+              <a:t>Takeaway from EDA</a:t>
+            </a:r>
+          </a:p>
+        </p:txBody>
+      </p:sp>
+      <p:sp>
+        <p:nvSpPr>
+          <p:cNvPr id="3" name="Content Placeholder 2">
+            <a:extLst>
+              <a:ext uri="{FF2B5EF4-FFF2-40B4-BE49-F238E27FC236}">
+                <a16:creationId xmlns:a16="http://schemas.microsoft.com/office/drawing/2014/main" id="{C7650CCB-572A-9E48-900C-68260486E5FD}"/>
+              </a:ext>
+            </a:extLst>
+          </p:cNvPr>
+          <p:cNvSpPr>
+            <a:spLocks noGrp="1"/>
+          </p:cNvSpPr>
+          <p:nvPr>
+            <p:ph idx="1"/>
+          </p:nvPr>
+        </p:nvSpPr>
+        <p:spPr/>
+        <p:txBody>
+          <a:bodyPr/>
+          <a:lstStyle/>
+          <a:p>
+            <a:endParaRPr lang="en-US" dirty="0"/>
+          </a:p>
+        </p:txBody>
+      </p:sp>
+    </p:spTree>
+    <p:extLst>
+      <p:ext uri="{BB962C8B-B14F-4D97-AF65-F5344CB8AC3E}">
+        <p14:creationId xmlns:p14="http://schemas.microsoft.com/office/powerpoint/2010/main" val="676039993"/>
+      </p:ext>
+    </p:extLst>
+  </p:cSld>
+  <p:clrMapOvr>
+    <a:masterClrMapping/>
+  </p:clrMapOvr>
+</p:sld>
+</file>
+
+<file path=ppt/slides/slide8.xml><?xml version="1.0" encoding="utf-8"?>
+<p:sld xmlns:a="http://schemas.openxmlformats.org/drawingml/2006/main" xmlns:r="http://schemas.openxmlformats.org/officeDocument/2006/relationships" xmlns:p="http://schemas.openxmlformats.org/presentationml/2006/main">
+  <p:cSld>
+    <p:spTree>
+      <p:nvGrpSpPr>
+        <p:cNvPr id="1" name=""/>
+        <p:cNvGrpSpPr/>
+        <p:nvPr/>
+      </p:nvGrpSpPr>
+      <p:grpSpPr>
+        <a:xfrm>
+          <a:off x="0" y="0"/>
+          <a:ext cx="0" cy="0"/>
+          <a:chOff x="0" y="0"/>
+          <a:chExt cx="0" cy="0"/>
+        </a:xfrm>
+      </p:grpSpPr>
+      <p:graphicFrame>
+        <p:nvGraphicFramePr>
+          <p:cNvPr id="4" name="Content Placeholder 3">
+            <a:extLst>
+              <a:ext uri="{FF2B5EF4-FFF2-40B4-BE49-F238E27FC236}">
+                <a16:creationId xmlns:a16="http://schemas.microsoft.com/office/drawing/2014/main" id="{178CA36A-BB79-FB47-B149-F6196C9B4029}"/>
+              </a:ext>
+            </a:extLst>
+          </p:cNvPr>
+          <p:cNvGraphicFramePr>
+            <a:graphicFrameLocks noGrp="1"/>
+          </p:cNvGraphicFramePr>
+          <p:nvPr>
+            <p:ph idx="1"/>
+            <p:extLst>
+              <p:ext uri="{D42A27DB-BD31-4B8C-83A1-F6EECF244321}">
+                <p14:modId xmlns:p14="http://schemas.microsoft.com/office/powerpoint/2010/main" val="44771294"/>
+              </p:ext>
+            </p:extLst>
+          </p:nvPr>
+        </p:nvGraphicFramePr>
+        <p:xfrm>
+          <a:off x="270641" y="-1390541"/>
+          <a:ext cx="10515600" cy="4351338"/>
+        </p:xfrm>
+        <a:graphic>
+          <a:graphicData uri="http://schemas.openxmlformats.org/drawingml/2006/diagram">
+            <dgm:relIds xmlns:dgm="http://schemas.openxmlformats.org/drawingml/2006/diagram" xmlns:r="http://schemas.openxmlformats.org/officeDocument/2006/relationships" r:dm="rId2" r:lo="rId3" r:qs="rId4" r:cs="rId5"/>
+          </a:graphicData>
+        </a:graphic>
+      </p:graphicFrame>
+    </p:spTree>
+    <p:extLst>
+      <p:ext uri="{BB962C8B-B14F-4D97-AF65-F5344CB8AC3E}">
+        <p14:creationId xmlns:p14="http://schemas.microsoft.com/office/powerpoint/2010/main" val="3489776207"/>
+      </p:ext>
+    </p:extLst>
+  </p:cSld>
+  <p:clrMapOvr>
+    <a:masterClrMapping/>
+  </p:clrMapOvr>
+</p:sld>
+</file>
+
+<file path=ppt/slides/slide9.xml><?xml version="1.0" encoding="utf-8"?>
+<p:sld xmlns:a="http://schemas.openxmlformats.org/drawingml/2006/main" xmlns:r="http://schemas.openxmlformats.org/officeDocument/2006/relationships" xmlns:p="http://schemas.openxmlformats.org/presentationml/2006/main">
+  <p:cSld>
+    <p:spTree>
+      <p:nvGrpSpPr>
+        <p:cNvPr id="1" name=""/>
+        <p:cNvGrpSpPr/>
+        <p:nvPr/>
+      </p:nvGrpSpPr>
+      <p:grpSpPr>
+        <a:xfrm>
+          <a:off x="0" y="0"/>
+          <a:ext cx="0" cy="0"/>
+          <a:chOff x="0" y="0"/>
+          <a:chExt cx="0" cy="0"/>
+        </a:xfrm>
+      </p:grpSpPr>
+      <p:sp>
+        <p:nvSpPr>
+          <p:cNvPr id="2" name="Title 1">
+            <a:extLst>
+              <a:ext uri="{FF2B5EF4-FFF2-40B4-BE49-F238E27FC236}">
+                <a16:creationId xmlns:a16="http://schemas.microsoft.com/office/drawing/2014/main" id="{21E402E3-9543-4242-BE79-24BBEC0F6EA0}"/>
+              </a:ext>
+            </a:extLst>
+          </p:cNvPr>
+          <p:cNvSpPr>
+            <a:spLocks noGrp="1"/>
+          </p:cNvSpPr>
+          <p:nvPr>
+            <p:ph type="title"/>
+          </p:nvPr>
+        </p:nvSpPr>
+        <p:spPr/>
+        <p:txBody>
+          <a:bodyPr/>
+          <a:lstStyle/>
+          <a:p>
+            <a:r>
+              <a:rPr lang="en-US" dirty="0"/>
+              <a:t>Results (</a:t>
+            </a:r>
+            <a:r>
+              <a:rPr lang="en-US" dirty="0" err="1"/>
+              <a:t>XGBoosted</a:t>
+            </a:r>
+            <a:r>
+              <a:rPr lang="en-US" dirty="0"/>
+              <a:t> Model)</a:t>
+            </a:r>
+          </a:p>
+        </p:txBody>
+      </p:sp>
+      <p:graphicFrame>
+        <p:nvGraphicFramePr>
+          <p:cNvPr id="4" name="Table 4">
+            <a:extLst>
+              <a:ext uri="{FF2B5EF4-FFF2-40B4-BE49-F238E27FC236}">
+                <a16:creationId xmlns:a16="http://schemas.microsoft.com/office/drawing/2014/main" id="{615F530F-17ED-CE44-ACB1-0C473A3573E5}"/>
+              </a:ext>
+            </a:extLst>
+          </p:cNvPr>
+          <p:cNvGraphicFramePr>
+            <a:graphicFrameLocks noGrp="1"/>
+          </p:cNvGraphicFramePr>
+          <p:nvPr>
+            <p:ph idx="1"/>
+            <p:extLst>
+              <p:ext uri="{D42A27DB-BD31-4B8C-83A1-F6EECF244321}">
+                <p14:modId xmlns:p14="http://schemas.microsoft.com/office/powerpoint/2010/main" val="3160853790"/>
+              </p:ext>
+            </p:extLst>
+          </p:nvPr>
+        </p:nvGraphicFramePr>
+        <p:xfrm>
+          <a:off x="155028" y="1878177"/>
+          <a:ext cx="10515600" cy="1112520"/>
+        </p:xfrm>
+        <a:graphic>
+          <a:graphicData uri="http://schemas.openxmlformats.org/drawingml/2006/table">
+            <a:tbl>
+              <a:tblPr firstRow="1" bandRow="1">
+                <a:tableStyleId>{5C22544A-7EE6-4342-B048-85BDC9FD1C3A}</a:tableStyleId>
+              </a:tblPr>
+              <a:tblGrid>
+                <a:gridCol w="2103120">
+                  <a:extLst>
+                    <a:ext uri="{9D8B030D-6E8A-4147-A177-3AD203B41FA5}">
+                      <a16:colId xmlns:a16="http://schemas.microsoft.com/office/drawing/2014/main" val="2340098262"/>
+                    </a:ext>
+                  </a:extLst>
+                </a:gridCol>
+                <a:gridCol w="2103120">
+                  <a:extLst>
+                    <a:ext uri="{9D8B030D-6E8A-4147-A177-3AD203B41FA5}">
+                      <a16:colId xmlns:a16="http://schemas.microsoft.com/office/drawing/2014/main" val="516100207"/>
+                    </a:ext>
+                  </a:extLst>
+                </a:gridCol>
+                <a:gridCol w="2103120">
+                  <a:extLst>
+                    <a:ext uri="{9D8B030D-6E8A-4147-A177-3AD203B41FA5}">
+                      <a16:colId xmlns:a16="http://schemas.microsoft.com/office/drawing/2014/main" val="369990542"/>
+                    </a:ext>
+                  </a:extLst>
+                </a:gridCol>
+                <a:gridCol w="2103120">
+                  <a:extLst>
+                    <a:ext uri="{9D8B030D-6E8A-4147-A177-3AD203B41FA5}">
+                      <a16:colId xmlns:a16="http://schemas.microsoft.com/office/drawing/2014/main" val="3002962390"/>
+                    </a:ext>
+                  </a:extLst>
+                </a:gridCol>
+                <a:gridCol w="2103120">
+                  <a:extLst>
+                    <a:ext uri="{9D8B030D-6E8A-4147-A177-3AD203B41FA5}">
+                      <a16:colId xmlns:a16="http://schemas.microsoft.com/office/drawing/2014/main" val="3654793960"/>
+                    </a:ext>
+                  </a:extLst>
+                </a:gridCol>
+              </a:tblGrid>
+              <a:tr h="370840">
+                <a:tc>
+                  <a:txBody>
+                    <a:bodyPr/>
+                    <a:lstStyle/>
+                    <a:p>
+                      <a:endParaRPr lang="en-US" dirty="0"/>
+                    </a:p>
+                  </a:txBody>
+                  <a:tcPr/>
+                </a:tc>
+                <a:tc>
+                  <a:txBody>
+                    <a:bodyPr/>
+                    <a:lstStyle/>
+                    <a:p>
+                      <a:r>
+                        <a:rPr lang="en-US" dirty="0"/>
+                        <a:t>Precision</a:t>
+                      </a:r>
+                    </a:p>
+                  </a:txBody>
+                  <a:tcPr/>
+                </a:tc>
+                <a:tc>
+                  <a:txBody>
+                    <a:bodyPr/>
+                    <a:lstStyle/>
+                    <a:p>
+                      <a:r>
+                        <a:rPr lang="en-US" dirty="0"/>
+                        <a:t>Recall</a:t>
+                      </a:r>
+                    </a:p>
+                  </a:txBody>
+                  <a:tcPr/>
+                </a:tc>
+                <a:tc>
+                  <a:txBody>
+                    <a:bodyPr/>
+                    <a:lstStyle/>
+                    <a:p>
+                      <a:r>
+                        <a:rPr lang="en-US" dirty="0"/>
+                        <a:t>F1-Score</a:t>
+                      </a:r>
+                    </a:p>
+                  </a:txBody>
+                  <a:tcPr/>
+                </a:tc>
+                <a:tc>
+                  <a:txBody>
+                    <a:bodyPr/>
+                    <a:lstStyle/>
+                    <a:p>
+                      <a:r>
+                        <a:rPr lang="en-US" dirty="0"/>
+                        <a:t>Support</a:t>
+                      </a:r>
+                    </a:p>
+                  </a:txBody>
+                  <a:tcPr/>
+                </a:tc>
+                <a:extLst>
+                  <a:ext uri="{0D108BD9-81ED-4DB2-BD59-A6C34878D82A}">
+                    <a16:rowId xmlns:a16="http://schemas.microsoft.com/office/drawing/2014/main" val="1373995314"/>
+                  </a:ext>
+                </a:extLst>
+              </a:tr>
+              <a:tr h="370840">
+                <a:tc>
+                  <a:txBody>
+                    <a:bodyPr/>
+                    <a:lstStyle/>
+                    <a:p>
+                      <a:r>
+                        <a:rPr lang="en-US" dirty="0" err="1"/>
+                        <a:t>NotFraud</a:t>
+                      </a:r>
+                      <a:endParaRPr lang="en-US" dirty="0"/>
+                    </a:p>
+                  </a:txBody>
+                  <a:tcPr/>
+                </a:tc>
+                <a:tc>
+                  <a:txBody>
+                    <a:bodyPr/>
+                    <a:lstStyle/>
+                    <a:p>
+                      <a:r>
+                        <a:rPr lang="en-US" dirty="0"/>
+                        <a:t>1.00</a:t>
+                      </a:r>
+                    </a:p>
+                  </a:txBody>
+                  <a:tcPr/>
+                </a:tc>
+                <a:tc>
+                  <a:txBody>
+                    <a:bodyPr/>
+                    <a:lstStyle/>
+                    <a:p>
+                      <a:r>
+                        <a:rPr lang="en-US" dirty="0"/>
+                        <a:t>1.00</a:t>
+                      </a:r>
+                    </a:p>
+                  </a:txBody>
+                  <a:tcPr/>
+                </a:tc>
+                <a:tc>
+                  <a:txBody>
+                    <a:bodyPr/>
+                    <a:lstStyle/>
+                    <a:p>
+                      <a:r>
+                        <a:rPr lang="en-US" dirty="0"/>
+                        <a:t>1.00</a:t>
+                      </a:r>
+                    </a:p>
+                  </a:txBody>
+                  <a:tcPr/>
+                </a:tc>
+                <a:tc>
+                  <a:txBody>
+                    <a:bodyPr/>
+                    <a:lstStyle/>
+                    <a:p>
+                      <a:r>
+                        <a:rPr lang="en-US" dirty="0"/>
+                        <a:t>635439</a:t>
+                      </a:r>
+                    </a:p>
+                  </a:txBody>
+                  <a:tcPr/>
+                </a:tc>
+                <a:extLst>
+                  <a:ext uri="{0D108BD9-81ED-4DB2-BD59-A6C34878D82A}">
+                    <a16:rowId xmlns:a16="http://schemas.microsoft.com/office/drawing/2014/main" val="3681334887"/>
+                  </a:ext>
+                </a:extLst>
+              </a:tr>
+              <a:tr h="370840">
+                <a:tc>
+                  <a:txBody>
+                    <a:bodyPr/>
+                    <a:lstStyle/>
+                    <a:p>
+                      <a:r>
+                        <a:rPr lang="en-US" dirty="0"/>
+                        <a:t>Fraud</a:t>
+                      </a:r>
+                    </a:p>
+                  </a:txBody>
+                  <a:tcPr/>
+                </a:tc>
+                <a:tc>
+                  <a:txBody>
+                    <a:bodyPr/>
+                    <a:lstStyle/>
+                    <a:p>
+                      <a:r>
+                        <a:rPr lang="en-US" dirty="0"/>
+                        <a:t>0.99</a:t>
+                      </a:r>
+                    </a:p>
+                  </a:txBody>
+                  <a:tcPr/>
+                </a:tc>
+                <a:tc>
+                  <a:txBody>
+                    <a:bodyPr/>
+                    <a:lstStyle/>
+                    <a:p>
+                      <a:r>
+                        <a:rPr lang="en-US" dirty="0"/>
+                        <a:t>0.95</a:t>
+                      </a:r>
+                    </a:p>
+                  </a:txBody>
+                  <a:tcPr/>
+                </a:tc>
+                <a:tc>
+                  <a:txBody>
+                    <a:bodyPr/>
+                    <a:lstStyle/>
+                    <a:p>
+                      <a:r>
+                        <a:rPr lang="en-US" dirty="0"/>
+                        <a:t>0.97</a:t>
+                      </a:r>
+                    </a:p>
+                  </a:txBody>
+                  <a:tcPr/>
+                </a:tc>
+                <a:tc>
+                  <a:txBody>
+                    <a:bodyPr/>
+                    <a:lstStyle/>
+                    <a:p>
+                      <a:r>
+                        <a:rPr lang="en-US" dirty="0"/>
+                        <a:t>824</a:t>
+                      </a:r>
+                    </a:p>
+                  </a:txBody>
+                  <a:tcPr/>
+                </a:tc>
+                <a:extLst>
+                  <a:ext uri="{0D108BD9-81ED-4DB2-BD59-A6C34878D82A}">
+                    <a16:rowId xmlns:a16="http://schemas.microsoft.com/office/drawing/2014/main" val="204789228"/>
+                  </a:ext>
+                </a:extLst>
+              </a:tr>
+            </a:tbl>
+          </a:graphicData>
+        </a:graphic>
+      </p:graphicFrame>
+      <p:graphicFrame>
+        <p:nvGraphicFramePr>
+          <p:cNvPr id="5" name="Table 4">
+            <a:extLst>
+              <a:ext uri="{FF2B5EF4-FFF2-40B4-BE49-F238E27FC236}">
+                <a16:creationId xmlns:a16="http://schemas.microsoft.com/office/drawing/2014/main" id="{F1D24A06-2E0D-1B4C-9FDA-4682BD5080D9}"/>
+              </a:ext>
+            </a:extLst>
+          </p:cNvPr>
+          <p:cNvGraphicFramePr>
+            <a:graphicFrameLocks/>
+          </p:cNvGraphicFramePr>
+          <p:nvPr>
+            <p:extLst>
+              <p:ext uri="{D42A27DB-BD31-4B8C-83A1-F6EECF244321}">
+                <p14:modId xmlns:p14="http://schemas.microsoft.com/office/powerpoint/2010/main" val="3639880837"/>
+              </p:ext>
+            </p:extLst>
+          </p:nvPr>
+        </p:nvGraphicFramePr>
+        <p:xfrm>
+          <a:off x="155028" y="3311044"/>
+          <a:ext cx="10515600" cy="1483360"/>
+        </p:xfrm>
+        <a:graphic>
+          <a:graphicData uri="http://schemas.openxmlformats.org/drawingml/2006/table">
+            <a:tbl>
+              <a:tblPr firstRow="1" bandRow="1">
+                <a:tableStyleId>{5C22544A-7EE6-4342-B048-85BDC9FD1C3A}</a:tableStyleId>
+              </a:tblPr>
+              <a:tblGrid>
+                <a:gridCol w="2103120">
+                  <a:extLst>
+                    <a:ext uri="{9D8B030D-6E8A-4147-A177-3AD203B41FA5}">
+                      <a16:colId xmlns:a16="http://schemas.microsoft.com/office/drawing/2014/main" val="2340098262"/>
+                    </a:ext>
+                  </a:extLst>
+                </a:gridCol>
+                <a:gridCol w="2103120">
+                  <a:extLst>
+                    <a:ext uri="{9D8B030D-6E8A-4147-A177-3AD203B41FA5}">
+                      <a16:colId xmlns:a16="http://schemas.microsoft.com/office/drawing/2014/main" val="516100207"/>
+                    </a:ext>
+                  </a:extLst>
+                </a:gridCol>
+                <a:gridCol w="2103120">
+                  <a:extLst>
+                    <a:ext uri="{9D8B030D-6E8A-4147-A177-3AD203B41FA5}">
+                      <a16:colId xmlns:a16="http://schemas.microsoft.com/office/drawing/2014/main" val="369990542"/>
+                    </a:ext>
+                  </a:extLst>
+                </a:gridCol>
+                <a:gridCol w="2103120">
+                  <a:extLst>
+                    <a:ext uri="{9D8B030D-6E8A-4147-A177-3AD203B41FA5}">
+                      <a16:colId xmlns:a16="http://schemas.microsoft.com/office/drawing/2014/main" val="3002962390"/>
+                    </a:ext>
+                  </a:extLst>
+                </a:gridCol>
+                <a:gridCol w="2103120">
+                  <a:extLst>
+                    <a:ext uri="{9D8B030D-6E8A-4147-A177-3AD203B41FA5}">
+                      <a16:colId xmlns:a16="http://schemas.microsoft.com/office/drawing/2014/main" val="3654793960"/>
+                    </a:ext>
+                  </a:extLst>
+                </a:gridCol>
+              </a:tblGrid>
+              <a:tr h="370840">
+                <a:tc>
+                  <a:txBody>
+                    <a:bodyPr/>
+                    <a:lstStyle/>
+                    <a:p>
+                      <a:endParaRPr lang="en-US" dirty="0"/>
+                    </a:p>
+                  </a:txBody>
+                  <a:tcPr/>
+                </a:tc>
+                <a:tc>
+                  <a:txBody>
+                    <a:bodyPr/>
+                    <a:lstStyle/>
+                    <a:p>
+                      <a:endParaRPr lang="en-US" dirty="0"/>
+                    </a:p>
+                  </a:txBody>
+                  <a:tcPr/>
+                </a:tc>
+                <a:tc>
+                  <a:txBody>
+                    <a:bodyPr/>
+                    <a:lstStyle/>
+                    <a:p>
+                      <a:endParaRPr lang="en-US" dirty="0"/>
+                    </a:p>
+                  </a:txBody>
+                  <a:tcPr/>
+                </a:tc>
+                <a:tc>
+                  <a:txBody>
+                    <a:bodyPr/>
+                    <a:lstStyle/>
+                    <a:p>
+                      <a:r>
+                        <a:rPr lang="en-US" dirty="0"/>
+                        <a:t>F1-Score</a:t>
+                      </a:r>
+                    </a:p>
+                  </a:txBody>
+                  <a:tcPr/>
+                </a:tc>
+                <a:tc>
+                  <a:txBody>
+                    <a:bodyPr/>
+                    <a:lstStyle/>
+                    <a:p>
+                      <a:r>
+                        <a:rPr lang="en-US" dirty="0"/>
+                        <a:t>Support</a:t>
+                      </a:r>
+                    </a:p>
+                  </a:txBody>
+                  <a:tcPr/>
+                </a:tc>
+                <a:extLst>
+                  <a:ext uri="{0D108BD9-81ED-4DB2-BD59-A6C34878D82A}">
+                    <a16:rowId xmlns:a16="http://schemas.microsoft.com/office/drawing/2014/main" val="1373995314"/>
+                  </a:ext>
+                </a:extLst>
+              </a:tr>
+              <a:tr h="370840">
+                <a:tc>
+                  <a:txBody>
+                    <a:bodyPr/>
+                    <a:lstStyle/>
+                    <a:p>
+                      <a:r>
+                        <a:rPr lang="en-US" dirty="0"/>
+                        <a:t>Accuracy</a:t>
+                      </a:r>
+                    </a:p>
+                  </a:txBody>
+                  <a:tcPr/>
+                </a:tc>
+                <a:tc>
+                  <a:txBody>
+                    <a:bodyPr/>
+                    <a:lstStyle/>
+                    <a:p>
+                      <a:endParaRPr lang="en-US" dirty="0"/>
+                    </a:p>
+                  </a:txBody>
+                  <a:tcPr/>
+                </a:tc>
+                <a:tc>
+                  <a:txBody>
+                    <a:bodyPr/>
+                    <a:lstStyle/>
+                    <a:p>
+                      <a:endParaRPr lang="en-US" dirty="0"/>
+                    </a:p>
+                  </a:txBody>
+                  <a:tcPr/>
+                </a:tc>
+                <a:tc>
+                  <a:txBody>
+                    <a:bodyPr/>
+                    <a:lstStyle/>
+                    <a:p>
+                      <a:r>
+                        <a:rPr lang="en-US" dirty="0"/>
+                        <a:t>1.00</a:t>
+                      </a:r>
+                    </a:p>
+                  </a:txBody>
+                  <a:tcPr/>
+                </a:tc>
+                <a:tc>
+                  <a:txBody>
+                    <a:bodyPr/>
+                    <a:lstStyle/>
+                    <a:p>
+                      <a:r>
+                        <a:rPr lang="en-US" dirty="0"/>
+                        <a:t>636263</a:t>
+                      </a:r>
+                    </a:p>
+                  </a:txBody>
+                  <a:tcPr/>
+                </a:tc>
+                <a:extLst>
+                  <a:ext uri="{0D108BD9-81ED-4DB2-BD59-A6C34878D82A}">
+                    <a16:rowId xmlns:a16="http://schemas.microsoft.com/office/drawing/2014/main" val="3681334887"/>
+                  </a:ext>
+                </a:extLst>
+              </a:tr>
+              <a:tr h="370840">
+                <a:tc>
+                  <a:txBody>
+                    <a:bodyPr/>
+                    <a:lstStyle/>
+                    <a:p>
+                      <a:r>
+                        <a:rPr lang="en-US" dirty="0"/>
+                        <a:t>Macro Avg</a:t>
+                      </a:r>
+                    </a:p>
+                  </a:txBody>
+                  <a:tcPr/>
+                </a:tc>
+                <a:tc>
+                  <a:txBody>
+                    <a:bodyPr/>
+                    <a:lstStyle/>
+                    <a:p>
+                      <a:r>
+                        <a:rPr lang="en-US" dirty="0"/>
+                        <a:t>1.00</a:t>
+                      </a:r>
+                    </a:p>
+                  </a:txBody>
+                  <a:tcPr/>
+                </a:tc>
+                <a:tc>
+                  <a:txBody>
+                    <a:bodyPr/>
+                    <a:lstStyle/>
+                    <a:p>
+                      <a:r>
+                        <a:rPr lang="en-US" dirty="0"/>
+                        <a:t>0.98</a:t>
+                      </a:r>
+                    </a:p>
+                  </a:txBody>
+                  <a:tcPr/>
+                </a:tc>
+                <a:tc>
+                  <a:txBody>
+                    <a:bodyPr/>
+                    <a:lstStyle/>
+                    <a:p>
+                      <a:r>
+                        <a:rPr lang="en-US" dirty="0"/>
+                        <a:t>0.99</a:t>
+                      </a:r>
+                    </a:p>
+                  </a:txBody>
+                  <a:tcPr/>
+                </a:tc>
+                <a:tc>
+                  <a:txBody>
+                    <a:bodyPr/>
+                    <a:lstStyle/>
+                    <a:p>
+                      <a:r>
+                        <a:rPr lang="en-US" dirty="0"/>
+                        <a:t>636263</a:t>
+                      </a:r>
+                    </a:p>
+                  </a:txBody>
+                  <a:tcPr/>
+                </a:tc>
+                <a:extLst>
+                  <a:ext uri="{0D108BD9-81ED-4DB2-BD59-A6C34878D82A}">
+                    <a16:rowId xmlns:a16="http://schemas.microsoft.com/office/drawing/2014/main" val="204789228"/>
+                  </a:ext>
+                </a:extLst>
+              </a:tr>
+              <a:tr h="370840">
+                <a:tc>
+                  <a:txBody>
+                    <a:bodyPr/>
+                    <a:lstStyle/>
+                    <a:p>
+                      <a:r>
+                        <a:rPr lang="en-US" dirty="0"/>
+                        <a:t>Weighted Avg</a:t>
+                      </a:r>
+                    </a:p>
+                  </a:txBody>
+                  <a:tcPr/>
+                </a:tc>
+                <a:tc>
+                  <a:txBody>
+                    <a:bodyPr/>
+                    <a:lstStyle/>
+                    <a:p>
+                      <a:r>
+                        <a:rPr lang="en-US" dirty="0"/>
+                        <a:t>1.00</a:t>
+                      </a:r>
+                    </a:p>
+                  </a:txBody>
+                  <a:tcPr/>
+                </a:tc>
+                <a:tc>
+                  <a:txBody>
+                    <a:bodyPr/>
+                    <a:lstStyle/>
+                    <a:p>
+                      <a:r>
+                        <a:rPr lang="en-US" dirty="0"/>
+                        <a:t>1.00</a:t>
+                      </a:r>
+                    </a:p>
+                  </a:txBody>
+                  <a:tcPr/>
+                </a:tc>
+                <a:tc>
+                  <a:txBody>
+                    <a:bodyPr/>
+                    <a:lstStyle/>
+                    <a:p>
+                      <a:r>
+                        <a:rPr lang="en-US" dirty="0"/>
+                        <a:t>1.00</a:t>
+                      </a:r>
+                    </a:p>
+                  </a:txBody>
+                  <a:tcPr/>
+                </a:tc>
+                <a:tc>
+                  <a:txBody>
+                    <a:bodyPr/>
+                    <a:lstStyle/>
+                    <a:p>
+                      <a:r>
+                        <a:rPr lang="en-US" dirty="0"/>
+                        <a:t>636263</a:t>
+                      </a:r>
+                    </a:p>
+                  </a:txBody>
+                  <a:tcPr/>
+                </a:tc>
+                <a:extLst>
+                  <a:ext uri="{0D108BD9-81ED-4DB2-BD59-A6C34878D82A}">
+                    <a16:rowId xmlns:a16="http://schemas.microsoft.com/office/drawing/2014/main" val="1203291905"/>
+                  </a:ext>
+                </a:extLst>
+              </a:tr>
+            </a:tbl>
+          </a:graphicData>
+        </a:graphic>
+      </p:graphicFrame>
+    </p:spTree>
+    <p:extLst>
+      <p:ext uri="{BB962C8B-B14F-4D97-AF65-F5344CB8AC3E}">
+        <p14:creationId xmlns:p14="http://schemas.microsoft.com/office/powerpoint/2010/main" val="3129638504"/>
       </p:ext>
     </p:extLst>
   </p:cSld>
@@ -5121,4 +10884,299 @@
     </a:ext>
   </a:extLst>
 </a:theme>
+</file>
+
+<file path=ppt/theme/theme2.xml><?xml version="1.0" encoding="utf-8"?>
+<a:theme xmlns:a="http://schemas.openxmlformats.org/drawingml/2006/main" name="Office Theme">
+  <a:themeElements>
+    <a:clrScheme name="Office">
+      <a:dk1>
+        <a:sysClr val="windowText" lastClr="000000"/>
+      </a:dk1>
+      <a:lt1>
+        <a:sysClr val="window" lastClr="FFFFFF"/>
+      </a:lt1>
+      <a:dk2>
+        <a:srgbClr val="44546A"/>
+      </a:dk2>
+      <a:lt2>
+        <a:srgbClr val="E7E6E6"/>
+      </a:lt2>
+      <a:accent1>
+        <a:srgbClr val="4472C4"/>
+      </a:accent1>
+      <a:accent2>
+        <a:srgbClr val="ED7D31"/>
+      </a:accent2>
+      <a:accent3>
+        <a:srgbClr val="A5A5A5"/>
+      </a:accent3>
+      <a:accent4>
+        <a:srgbClr val="FFC000"/>
+      </a:accent4>
+      <a:accent5>
+        <a:srgbClr val="5B9BD5"/>
+      </a:accent5>
+      <a:accent6>
+        <a:srgbClr val="70AD47"/>
+      </a:accent6>
+      <a:hlink>
+        <a:srgbClr val="0563C1"/>
+      </a:hlink>
+      <a:folHlink>
+        <a:srgbClr val="954F72"/>
+      </a:folHlink>
+    </a:clrScheme>
+    <a:fontScheme name="Office">
+      <a:majorFont>
+        <a:latin typeface="Calibri Light" panose="020F0302020204030204"/>
+        <a:ea typeface=""/>
+        <a:cs typeface=""/>
+        <a:font script="Jpan" typeface="游ゴシック Light"/>
+        <a:font script="Hang" typeface="맑은 고딕"/>
+        <a:font script="Hans" typeface="等线 Light"/>
+        <a:font script="Hant" typeface="新細明體"/>
+        <a:font script="Arab" typeface="Times New Roman"/>
+        <a:font script="Hebr" typeface="Times New Roman"/>
+        <a:font script="Thai" typeface="Angsana New"/>
+        <a:font script="Ethi" typeface="Nyala"/>
+        <a:font script="Beng" typeface="Vrinda"/>
+        <a:font script="Gujr" typeface="Shruti"/>
+        <a:font script="Khmr" typeface="MoolBoran"/>
+        <a:font script="Knda" typeface="Tunga"/>
+        <a:font script="Guru" typeface="Raavi"/>
+        <a:font script="Cans" typeface="Euphemia"/>
+        <a:font script="Cher" typeface="Plantagenet Cherokee"/>
+        <a:font script="Yiii" typeface="Microsoft Yi Baiti"/>
+        <a:font script="Tibt" typeface="Microsoft Himalaya"/>
+        <a:font script="Thaa" typeface="MV Boli"/>
+        <a:font script="Deva" typeface="Mangal"/>
+        <a:font script="Telu" typeface="Gautami"/>
+        <a:font script="Taml" typeface="Latha"/>
+        <a:font script="Syrc" typeface="Estrangelo Edessa"/>
+        <a:font script="Orya" typeface="Kalinga"/>
+        <a:font script="Mlym" typeface="Kartika"/>
+        <a:font script="Laoo" typeface="DokChampa"/>
+        <a:font script="Sinh" typeface="Iskoola Pota"/>
+        <a:font script="Mong" typeface="Mongolian Baiti"/>
+        <a:font script="Viet" typeface="Times New Roman"/>
+        <a:font script="Uigh" typeface="Microsoft Uighur"/>
+        <a:font script="Geor" typeface="Sylfaen"/>
+        <a:font script="Armn" typeface="Arial"/>
+        <a:font script="Bugi" typeface="Leelawadee UI"/>
+        <a:font script="Bopo" typeface="Microsoft JhengHei"/>
+        <a:font script="Java" typeface="Javanese Text"/>
+        <a:font script="Lisu" typeface="Segoe UI"/>
+        <a:font script="Mymr" typeface="Myanmar Text"/>
+        <a:font script="Nkoo" typeface="Ebrima"/>
+        <a:font script="Olck" typeface="Nirmala UI"/>
+        <a:font script="Osma" typeface="Ebrima"/>
+        <a:font script="Phag" typeface="Phagspa"/>
+        <a:font script="Syrn" typeface="Estrangelo Edessa"/>
+        <a:font script="Syrj" typeface="Estrangelo Edessa"/>
+        <a:font script="Syre" typeface="Estrangelo Edessa"/>
+        <a:font script="Sora" typeface="Nirmala UI"/>
+        <a:font script="Tale" typeface="Microsoft Tai Le"/>
+        <a:font script="Talu" typeface="Microsoft New Tai Lue"/>
+        <a:font script="Tfng" typeface="Ebrima"/>
+      </a:majorFont>
+      <a:minorFont>
+        <a:latin typeface="Calibri" panose="020F0502020204030204"/>
+        <a:ea typeface=""/>
+        <a:cs typeface=""/>
+        <a:font script="Jpan" typeface="游ゴシック"/>
+        <a:font script="Hang" typeface="맑은 고딕"/>
+        <a:font script="Hans" typeface="等线"/>
+        <a:font script="Hant" typeface="新細明體"/>
+        <a:font script="Arab" typeface="Arial"/>
+        <a:font script="Hebr" typeface="Arial"/>
+        <a:font script="Thai" typeface="Cordia New"/>
+        <a:font script="Ethi" typeface="Nyala"/>
+        <a:font script="Beng" typeface="Vrinda"/>
+        <a:font script="Gujr" typeface="Shruti"/>
+        <a:font script="Khmr" typeface="DaunPenh"/>
+        <a:font script="Knda" typeface="Tunga"/>
+        <a:font script="Guru" typeface="Raavi"/>
+        <a:font script="Cans" typeface="Euphemia"/>
+        <a:font script="Cher" typeface="Plantagenet Cherokee"/>
+        <a:font script="Yiii" typeface="Microsoft Yi Baiti"/>
+        <a:font script="Tibt" typeface="Microsoft Himalaya"/>
+        <a:font script="Thaa" typeface="MV Boli"/>
+        <a:font script="Deva" typeface="Mangal"/>
+        <a:font script="Telu" typeface="Gautami"/>
+        <a:font script="Taml" typeface="Latha"/>
+        <a:font script="Syrc" typeface="Estrangelo Edessa"/>
+        <a:font script="Orya" typeface="Kalinga"/>
+        <a:font script="Mlym" typeface="Kartika"/>
+        <a:font script="Laoo" typeface="DokChampa"/>
+        <a:font script="Sinh" typeface="Iskoola Pota"/>
+        <a:font script="Mong" typeface="Mongolian Baiti"/>
+        <a:font script="Viet" typeface="Arial"/>
+        <a:font script="Uigh" typeface="Microsoft Uighur"/>
+        <a:font script="Geor" typeface="Sylfaen"/>
+        <a:font script="Armn" typeface="Arial"/>
+        <a:font script="Bugi" typeface="Leelawadee UI"/>
+        <a:font script="Bopo" typeface="Microsoft JhengHei"/>
+        <a:font script="Java" typeface="Javanese Text"/>
+        <a:font script="Lisu" typeface="Segoe UI"/>
+        <a:font script="Mymr" typeface="Myanmar Text"/>
+        <a:font script="Nkoo" typeface="Ebrima"/>
+        <a:font script="Olck" typeface="Nirmala UI"/>
+        <a:font script="Osma" typeface="Ebrima"/>
+        <a:font script="Phag" typeface="Phagspa"/>
+        <a:font script="Syrn" typeface="Estrangelo Edessa"/>
+        <a:font script="Syrj" typeface="Estrangelo Edessa"/>
+        <a:font script="Syre" typeface="Estrangelo Edessa"/>
+        <a:font script="Sora" typeface="Nirmala UI"/>
+        <a:font script="Tale" typeface="Microsoft Tai Le"/>
+        <a:font script="Talu" typeface="Microsoft New Tai Lue"/>
+        <a:font script="Tfng" typeface="Ebrima"/>
+      </a:minorFont>
+    </a:fontScheme>
+    <a:fmtScheme name="Office">
+      <a:fillStyleLst>
+        <a:solidFill>
+          <a:schemeClr val="phClr"/>
+        </a:solidFill>
+        <a:gradFill rotWithShape="1">
+          <a:gsLst>
+            <a:gs pos="0">
+              <a:schemeClr val="phClr">
+                <a:lumMod val="110000"/>
+                <a:satMod val="105000"/>
+                <a:tint val="67000"/>
+              </a:schemeClr>
+            </a:gs>
+            <a:gs pos="50000">
+              <a:schemeClr val="phClr">
+                <a:lumMod val="105000"/>
+                <a:satMod val="103000"/>
+                <a:tint val="73000"/>
+              </a:schemeClr>
+            </a:gs>
+            <a:gs pos="100000">
+              <a:schemeClr val="phClr">
+                <a:lumMod val="105000"/>
+                <a:satMod val="109000"/>
+                <a:tint val="81000"/>
+              </a:schemeClr>
+            </a:gs>
+          </a:gsLst>
+          <a:lin ang="5400000" scaled="0"/>
+        </a:gradFill>
+        <a:gradFill rotWithShape="1">
+          <a:gsLst>
+            <a:gs pos="0">
+              <a:schemeClr val="phClr">
+                <a:satMod val="103000"/>
+                <a:lumMod val="102000"/>
+                <a:tint val="94000"/>
+              </a:schemeClr>
+            </a:gs>
+            <a:gs pos="50000">
+              <a:schemeClr val="phClr">
+                <a:satMod val="110000"/>
+                <a:lumMod val="100000"/>
+                <a:shade val="100000"/>
+              </a:schemeClr>
+            </a:gs>
+            <a:gs pos="100000">
+              <a:schemeClr val="phClr">
+                <a:lumMod val="99000"/>
+                <a:satMod val="120000"/>
+                <a:shade val="78000"/>
+              </a:schemeClr>
+            </a:gs>
+          </a:gsLst>
+          <a:lin ang="5400000" scaled="0"/>
+        </a:gradFill>
+      </a:fillStyleLst>
+      <a:lnStyleLst>
+        <a:ln w="6350" cap="flat" cmpd="sng" algn="ctr">
+          <a:solidFill>
+            <a:schemeClr val="phClr"/>
+          </a:solidFill>
+          <a:prstDash val="solid"/>
+          <a:miter lim="800000"/>
+        </a:ln>
+        <a:ln w="12700" cap="flat" cmpd="sng" algn="ctr">
+          <a:solidFill>
+            <a:schemeClr val="phClr"/>
+          </a:solidFill>
+          <a:prstDash val="solid"/>
+          <a:miter lim="800000"/>
+        </a:ln>
+        <a:ln w="19050" cap="flat" cmpd="sng" algn="ctr">
+          <a:solidFill>
+            <a:schemeClr val="phClr"/>
+          </a:solidFill>
+          <a:prstDash val="solid"/>
+          <a:miter lim="800000"/>
+        </a:ln>
+      </a:lnStyleLst>
+      <a:effectStyleLst>
+        <a:effectStyle>
+          <a:effectLst/>
+        </a:effectStyle>
+        <a:effectStyle>
+          <a:effectLst/>
+        </a:effectStyle>
+        <a:effectStyle>
+          <a:effectLst>
+            <a:outerShdw blurRad="57150" dist="19050" dir="5400000" algn="ctr" rotWithShape="0">
+              <a:srgbClr val="000000">
+                <a:alpha val="63000"/>
+              </a:srgbClr>
+            </a:outerShdw>
+          </a:effectLst>
+        </a:effectStyle>
+      </a:effectStyleLst>
+      <a:bgFillStyleLst>
+        <a:solidFill>
+          <a:schemeClr val="phClr"/>
+        </a:solidFill>
+        <a:solidFill>
+          <a:schemeClr val="phClr">
+            <a:tint val="95000"/>
+            <a:satMod val="170000"/>
+          </a:schemeClr>
+        </a:solidFill>
+        <a:gradFill rotWithShape="1">
+          <a:gsLst>
+            <a:gs pos="0">
+              <a:schemeClr val="phClr">
+                <a:tint val="93000"/>
+                <a:satMod val="150000"/>
+                <a:shade val="98000"/>
+                <a:lumMod val="102000"/>
+              </a:schemeClr>
+            </a:gs>
+            <a:gs pos="50000">
+              <a:schemeClr val="phClr">
+                <a:tint val="98000"/>
+                <a:satMod val="130000"/>
+                <a:shade val="90000"/>
+                <a:lumMod val="103000"/>
+              </a:schemeClr>
+            </a:gs>
+            <a:gs pos="100000">
+              <a:schemeClr val="phClr">
+                <a:shade val="63000"/>
+                <a:satMod val="120000"/>
+              </a:schemeClr>
+            </a:gs>
+          </a:gsLst>
+          <a:lin ang="5400000" scaled="0"/>
+        </a:gradFill>
+      </a:bgFillStyleLst>
+    </a:fmtScheme>
+  </a:themeElements>
+  <a:objectDefaults/>
+  <a:extraClrSchemeLst/>
+  <a:extLst>
+    <a:ext uri="{05A4C25C-085E-4340-85A3-A5531E510DB2}">
+      <thm15:themeFamily xmlns:thm15="http://schemas.microsoft.com/office/thememl/2012/main" name="Office Theme" id="{62F939B6-93AF-4DB8-9C6B-D6C7DFDC589F}" vid="{4A3C46E8-61CC-4603-A589-7422A47A8E4A}"/>
+    </a:ext>
+  </a:extLst>
+</a:theme>
 </file>